--- a/ex/552-F20/staging/552-F20/lectures/04-layering.pptx
+++ b/ex/552-F20/staging/552-F20/lectures/04-layering.pptx
@@ -5,22 +5,23 @@
     <p:sldMasterId id="2147483648" r:id="rId1"/>
   </p:sldMasterIdLst>
   <p:notesMasterIdLst>
-    <p:notesMasterId r:id="rId15"/>
+    <p:notesMasterId r:id="rId16"/>
   </p:notesMasterIdLst>
   <p:sldIdLst>
     <p:sldId id="256" r:id="rId2"/>
-    <p:sldId id="294" r:id="rId3"/>
-    <p:sldId id="345" r:id="rId4"/>
-    <p:sldId id="346" r:id="rId5"/>
-    <p:sldId id="342" r:id="rId6"/>
-    <p:sldId id="297" r:id="rId7"/>
-    <p:sldId id="299" r:id="rId8"/>
-    <p:sldId id="347" r:id="rId9"/>
-    <p:sldId id="298" r:id="rId10"/>
-    <p:sldId id="303" r:id="rId11"/>
-    <p:sldId id="302" r:id="rId12"/>
-    <p:sldId id="304" r:id="rId13"/>
-    <p:sldId id="348" r:id="rId14"/>
+    <p:sldId id="292" r:id="rId3"/>
+    <p:sldId id="294" r:id="rId4"/>
+    <p:sldId id="345" r:id="rId5"/>
+    <p:sldId id="346" r:id="rId6"/>
+    <p:sldId id="342" r:id="rId7"/>
+    <p:sldId id="297" r:id="rId8"/>
+    <p:sldId id="299" r:id="rId9"/>
+    <p:sldId id="347" r:id="rId10"/>
+    <p:sldId id="298" r:id="rId11"/>
+    <p:sldId id="303" r:id="rId12"/>
+    <p:sldId id="302" r:id="rId13"/>
+    <p:sldId id="304" r:id="rId14"/>
+    <p:sldId id="348" r:id="rId15"/>
   </p:sldIdLst>
   <p:sldSz cx="12192000" cy="6858000"/>
   <p:notesSz cx="6858000" cy="9144000"/>
@@ -209,7 +210,7 @@
           <a:p>
             <a:fld id="{4F542666-03D5-5341-A833-B4D3FAA577B7}" type="datetimeFigureOut">
               <a:rPr lang="en-US" smtClean="0"/>
-              <a:t>9/10/20</a:t>
+              <a:t>9/15/20</a:t>
             </a:fld>
             <a:endParaRPr lang="en-US"/>
           </a:p>
@@ -605,7 +606,7 @@
           <a:p>
             <a:fld id="{DCCCB3B3-0381-6043-97A3-E72CD5022D9A}" type="datetimeFigureOut">
               <a:rPr lang="en-US" smtClean="0"/>
-              <a:t>9/10/20</a:t>
+              <a:t>9/15/20</a:t>
             </a:fld>
             <a:endParaRPr lang="en-US"/>
           </a:p>
@@ -773,7 +774,7 @@
           <a:p>
             <a:fld id="{DCCCB3B3-0381-6043-97A3-E72CD5022D9A}" type="datetimeFigureOut">
               <a:rPr lang="en-US" smtClean="0"/>
-              <a:t>9/10/20</a:t>
+              <a:t>9/15/20</a:t>
             </a:fld>
             <a:endParaRPr lang="en-US"/>
           </a:p>
@@ -951,7 +952,7 @@
           <a:p>
             <a:fld id="{DCCCB3B3-0381-6043-97A3-E72CD5022D9A}" type="datetimeFigureOut">
               <a:rPr lang="en-US" smtClean="0"/>
-              <a:t>9/10/20</a:t>
+              <a:t>9/15/20</a:t>
             </a:fld>
             <a:endParaRPr lang="en-US"/>
           </a:p>
@@ -1119,7 +1120,7 @@
           <a:p>
             <a:fld id="{DCCCB3B3-0381-6043-97A3-E72CD5022D9A}" type="datetimeFigureOut">
               <a:rPr lang="en-US" smtClean="0"/>
-              <a:t>9/10/20</a:t>
+              <a:t>9/15/20</a:t>
             </a:fld>
             <a:endParaRPr lang="en-US"/>
           </a:p>
@@ -1364,7 +1365,7 @@
           <a:p>
             <a:fld id="{DCCCB3B3-0381-6043-97A3-E72CD5022D9A}" type="datetimeFigureOut">
               <a:rPr lang="en-US" smtClean="0"/>
-              <a:t>9/10/20</a:t>
+              <a:t>9/15/20</a:t>
             </a:fld>
             <a:endParaRPr lang="en-US"/>
           </a:p>
@@ -1593,7 +1594,7 @@
           <a:p>
             <a:fld id="{DCCCB3B3-0381-6043-97A3-E72CD5022D9A}" type="datetimeFigureOut">
               <a:rPr lang="en-US" smtClean="0"/>
-              <a:t>9/10/20</a:t>
+              <a:t>9/15/20</a:t>
             </a:fld>
             <a:endParaRPr lang="en-US"/>
           </a:p>
@@ -1957,7 +1958,7 @@
           <a:p>
             <a:fld id="{DCCCB3B3-0381-6043-97A3-E72CD5022D9A}" type="datetimeFigureOut">
               <a:rPr lang="en-US" smtClean="0"/>
-              <a:t>9/10/20</a:t>
+              <a:t>9/15/20</a:t>
             </a:fld>
             <a:endParaRPr lang="en-US"/>
           </a:p>
@@ -2074,7 +2075,7 @@
           <a:p>
             <a:fld id="{DCCCB3B3-0381-6043-97A3-E72CD5022D9A}" type="datetimeFigureOut">
               <a:rPr lang="en-US" smtClean="0"/>
-              <a:t>9/10/20</a:t>
+              <a:t>9/15/20</a:t>
             </a:fld>
             <a:endParaRPr lang="en-US"/>
           </a:p>
@@ -2169,7 +2170,7 @@
           <a:p>
             <a:fld id="{DCCCB3B3-0381-6043-97A3-E72CD5022D9A}" type="datetimeFigureOut">
               <a:rPr lang="en-US" smtClean="0"/>
-              <a:t>9/10/20</a:t>
+              <a:t>9/15/20</a:t>
             </a:fld>
             <a:endParaRPr lang="en-US"/>
           </a:p>
@@ -2444,7 +2445,7 @@
           <a:p>
             <a:fld id="{DCCCB3B3-0381-6043-97A3-E72CD5022D9A}" type="datetimeFigureOut">
               <a:rPr lang="en-US" smtClean="0"/>
-              <a:t>9/10/20</a:t>
+              <a:t>9/15/20</a:t>
             </a:fld>
             <a:endParaRPr lang="en-US"/>
           </a:p>
@@ -2696,7 +2697,7 @@
           <a:p>
             <a:fld id="{DCCCB3B3-0381-6043-97A3-E72CD5022D9A}" type="datetimeFigureOut">
               <a:rPr lang="en-US" smtClean="0"/>
-              <a:t>9/10/20</a:t>
+              <a:t>9/15/20</a:t>
             </a:fld>
             <a:endParaRPr lang="en-US"/>
           </a:p>
@@ -2907,7 +2908,7 @@
           <a:p>
             <a:fld id="{DCCCB3B3-0381-6043-97A3-E72CD5022D9A}" type="datetimeFigureOut">
               <a:rPr lang="en-US" smtClean="0"/>
-              <a:t>9/10/20</a:t>
+              <a:t>9/15/20</a:t>
             </a:fld>
             <a:endParaRPr lang="en-US"/>
           </a:p>
@@ -3451,6 +3452,4038 @@
           <a:chExt cx="0" cy="0"/>
         </a:xfrm>
       </p:grpSpPr>
+      <p:sp>
+        <p:nvSpPr>
+          <p:cNvPr id="6" name="Rectangle 4"/>
+          <p:cNvSpPr>
+            <a:spLocks noChangeArrowheads="1"/>
+          </p:cNvSpPr>
+          <p:nvPr/>
+        </p:nvSpPr>
+        <p:spPr bwMode="auto">
+          <a:xfrm>
+            <a:off x="838199" y="5189109"/>
+            <a:ext cx="6561406" cy="1129154"/>
+          </a:xfrm>
+          <a:prstGeom prst="rect">
+            <a:avLst/>
+          </a:prstGeom>
+          <a:solidFill>
+            <a:srgbClr val="660066"/>
+          </a:solidFill>
+          <a:ln w="9525">
+            <a:solidFill>
+              <a:srgbClr val="000000"/>
+            </a:solidFill>
+            <a:miter lim="800000"/>
+            <a:headEnd/>
+            <a:tailEnd/>
+          </a:ln>
+        </p:spPr>
+        <p:txBody>
+          <a:bodyPr wrap="none" lIns="91420" tIns="45712" rIns="91420" bIns="45712" anchor="ctr"/>
+          <a:lstStyle>
+            <a:lvl1pPr>
+              <a:spcBef>
+                <a:spcPct val="50000"/>
+              </a:spcBef>
+              <a:buChar char="•"/>
+              <a:defRPr sz="2800">
+                <a:solidFill>
+                  <a:srgbClr val="0000FF"/>
+                </a:solidFill>
+                <a:latin typeface="Arial" charset="0"/>
+                <a:ea typeface="ＭＳ Ｐゴシック" charset="-128"/>
+                <a:cs typeface="Arial" charset="0"/>
+              </a:defRPr>
+            </a:lvl1pPr>
+            <a:lvl2pPr marL="742950" indent="-285750">
+              <a:spcBef>
+                <a:spcPct val="10000"/>
+              </a:spcBef>
+              <a:buFont typeface="Helvetica" charset="0"/>
+              <a:buChar char="–"/>
+              <a:defRPr sz="2400">
+                <a:solidFill>
+                  <a:schemeClr val="accent2"/>
+                </a:solidFill>
+                <a:latin typeface="Arial" charset="0"/>
+                <a:ea typeface="Arial" charset="0"/>
+                <a:cs typeface="Arial" charset="0"/>
+              </a:defRPr>
+            </a:lvl2pPr>
+            <a:lvl3pPr marL="1143000" indent="-228600">
+              <a:spcBef>
+                <a:spcPct val="10000"/>
+              </a:spcBef>
+              <a:buFont typeface="Wingdings" charset="2"/>
+              <a:buChar char=""/>
+              <a:defRPr sz="2000">
+                <a:solidFill>
+                  <a:schemeClr val="tx1"/>
+                </a:solidFill>
+                <a:latin typeface="Arial" charset="0"/>
+                <a:ea typeface="Arial" charset="0"/>
+                <a:cs typeface="Arial" charset="0"/>
+              </a:defRPr>
+            </a:lvl3pPr>
+            <a:lvl4pPr marL="1600200" indent="-228600">
+              <a:spcBef>
+                <a:spcPct val="10000"/>
+              </a:spcBef>
+              <a:buChar char="•"/>
+              <a:defRPr sz="2000">
+                <a:solidFill>
+                  <a:schemeClr val="accent2"/>
+                </a:solidFill>
+                <a:latin typeface="Helvetica" charset="0"/>
+                <a:ea typeface="Arial" charset="0"/>
+                <a:cs typeface="Arial" charset="0"/>
+              </a:defRPr>
+            </a:lvl4pPr>
+            <a:lvl5pPr marL="2057400" indent="-228600">
+              <a:spcBef>
+                <a:spcPct val="10000"/>
+              </a:spcBef>
+              <a:buChar char="•"/>
+              <a:defRPr sz="2000">
+                <a:solidFill>
+                  <a:schemeClr val="tx1"/>
+                </a:solidFill>
+                <a:latin typeface="Helvetica" charset="0"/>
+                <a:ea typeface="Arial" charset="0"/>
+                <a:cs typeface="Arial" charset="0"/>
+              </a:defRPr>
+            </a:lvl5pPr>
+            <a:lvl6pPr marL="2514600" indent="-228600" eaLnBrk="0" fontAlgn="base" hangingPunct="0">
+              <a:spcBef>
+                <a:spcPct val="10000"/>
+              </a:spcBef>
+              <a:spcAft>
+                <a:spcPct val="0"/>
+              </a:spcAft>
+              <a:buChar char="•"/>
+              <a:defRPr sz="2000">
+                <a:solidFill>
+                  <a:schemeClr val="tx1"/>
+                </a:solidFill>
+                <a:latin typeface="Helvetica" charset="0"/>
+                <a:ea typeface="Arial" charset="0"/>
+                <a:cs typeface="Arial" charset="0"/>
+              </a:defRPr>
+            </a:lvl6pPr>
+            <a:lvl7pPr marL="2971800" indent="-228600" eaLnBrk="0" fontAlgn="base" hangingPunct="0">
+              <a:spcBef>
+                <a:spcPct val="10000"/>
+              </a:spcBef>
+              <a:spcAft>
+                <a:spcPct val="0"/>
+              </a:spcAft>
+              <a:buChar char="•"/>
+              <a:defRPr sz="2000">
+                <a:solidFill>
+                  <a:schemeClr val="tx1"/>
+                </a:solidFill>
+                <a:latin typeface="Helvetica" charset="0"/>
+                <a:ea typeface="Arial" charset="0"/>
+                <a:cs typeface="Arial" charset="0"/>
+              </a:defRPr>
+            </a:lvl7pPr>
+            <a:lvl8pPr marL="3429000" indent="-228600" eaLnBrk="0" fontAlgn="base" hangingPunct="0">
+              <a:spcBef>
+                <a:spcPct val="10000"/>
+              </a:spcBef>
+              <a:spcAft>
+                <a:spcPct val="0"/>
+              </a:spcAft>
+              <a:buChar char="•"/>
+              <a:defRPr sz="2000">
+                <a:solidFill>
+                  <a:schemeClr val="tx1"/>
+                </a:solidFill>
+                <a:latin typeface="Helvetica" charset="0"/>
+                <a:ea typeface="Arial" charset="0"/>
+                <a:cs typeface="Arial" charset="0"/>
+              </a:defRPr>
+            </a:lvl8pPr>
+            <a:lvl9pPr marL="3886200" indent="-228600" eaLnBrk="0" fontAlgn="base" hangingPunct="0">
+              <a:spcBef>
+                <a:spcPct val="10000"/>
+              </a:spcBef>
+              <a:spcAft>
+                <a:spcPct val="0"/>
+              </a:spcAft>
+              <a:buChar char="•"/>
+              <a:defRPr sz="2000">
+                <a:solidFill>
+                  <a:schemeClr val="tx1"/>
+                </a:solidFill>
+                <a:latin typeface="Helvetica" charset="0"/>
+                <a:ea typeface="Arial" charset="0"/>
+                <a:cs typeface="Arial" charset="0"/>
+              </a:defRPr>
+            </a:lvl9pPr>
+          </a:lstStyle>
+          <a:p>
+            <a:pPr algn="ctr" eaLnBrk="1" hangingPunct="1">
+              <a:spcBef>
+                <a:spcPct val="0"/>
+              </a:spcBef>
+              <a:buFontTx/>
+              <a:buNone/>
+            </a:pPr>
+            <a:r>
+              <a:rPr lang="en-US" altLang="en-US" sz="2400" dirty="0">
+                <a:solidFill>
+                  <a:schemeClr val="bg1"/>
+                </a:solidFill>
+              </a:rPr>
+              <a:t>Link: best-effort local </a:t>
+            </a:r>
+            <a:r>
+              <a:rPr lang="en-US" altLang="en-US" sz="2400" dirty="0" err="1">
+                <a:solidFill>
+                  <a:schemeClr val="bg1"/>
+                </a:solidFill>
+              </a:rPr>
+              <a:t>pkt</a:t>
+            </a:r>
+            <a:r>
+              <a:rPr lang="en-US" altLang="en-US" sz="2400" dirty="0">
+                <a:solidFill>
+                  <a:schemeClr val="bg1"/>
+                </a:solidFill>
+              </a:rPr>
+              <a:t> delivery</a:t>
+            </a:r>
+            <a:endParaRPr lang="en-US" altLang="en-US" sz="2400" b="0" dirty="0">
+              <a:solidFill>
+                <a:schemeClr val="bg1"/>
+              </a:solidFill>
+            </a:endParaRPr>
+          </a:p>
+        </p:txBody>
+      </p:sp>
+      <p:sp>
+        <p:nvSpPr>
+          <p:cNvPr id="7" name="Rectangle 5"/>
+          <p:cNvSpPr>
+            <a:spLocks noChangeArrowheads="1"/>
+          </p:cNvSpPr>
+          <p:nvPr/>
+        </p:nvSpPr>
+        <p:spPr bwMode="auto">
+          <a:xfrm>
+            <a:off x="838199" y="4062896"/>
+            <a:ext cx="6561406" cy="1126213"/>
+          </a:xfrm>
+          <a:prstGeom prst="rect">
+            <a:avLst/>
+          </a:prstGeom>
+          <a:solidFill>
+            <a:srgbClr val="3C82C0"/>
+          </a:solidFill>
+          <a:ln w="9525">
+            <a:solidFill>
+              <a:schemeClr val="tx1"/>
+            </a:solidFill>
+            <a:miter lim="800000"/>
+            <a:headEnd/>
+            <a:tailEnd/>
+          </a:ln>
+        </p:spPr>
+        <p:txBody>
+          <a:bodyPr wrap="none" lIns="91420" tIns="45712" rIns="91420" bIns="45712" anchor="ctr"/>
+          <a:lstStyle>
+            <a:lvl1pPr>
+              <a:spcBef>
+                <a:spcPct val="50000"/>
+              </a:spcBef>
+              <a:buChar char="•"/>
+              <a:defRPr sz="2800">
+                <a:solidFill>
+                  <a:srgbClr val="0000FF"/>
+                </a:solidFill>
+                <a:latin typeface="Arial" charset="0"/>
+                <a:ea typeface="ＭＳ Ｐゴシック" charset="-128"/>
+                <a:cs typeface="Arial" charset="0"/>
+              </a:defRPr>
+            </a:lvl1pPr>
+            <a:lvl2pPr marL="742950" indent="-285750">
+              <a:spcBef>
+                <a:spcPct val="10000"/>
+              </a:spcBef>
+              <a:buFont typeface="Helvetica" charset="0"/>
+              <a:buChar char="–"/>
+              <a:defRPr sz="2400">
+                <a:solidFill>
+                  <a:schemeClr val="accent2"/>
+                </a:solidFill>
+                <a:latin typeface="Arial" charset="0"/>
+                <a:ea typeface="Arial" charset="0"/>
+                <a:cs typeface="Arial" charset="0"/>
+              </a:defRPr>
+            </a:lvl2pPr>
+            <a:lvl3pPr marL="1143000" indent="-228600">
+              <a:spcBef>
+                <a:spcPct val="10000"/>
+              </a:spcBef>
+              <a:buFont typeface="Wingdings" charset="2"/>
+              <a:buChar char=""/>
+              <a:defRPr sz="2000">
+                <a:solidFill>
+                  <a:schemeClr val="tx1"/>
+                </a:solidFill>
+                <a:latin typeface="Arial" charset="0"/>
+                <a:ea typeface="Arial" charset="0"/>
+                <a:cs typeface="Arial" charset="0"/>
+              </a:defRPr>
+            </a:lvl3pPr>
+            <a:lvl4pPr marL="1600200" indent="-228600">
+              <a:spcBef>
+                <a:spcPct val="10000"/>
+              </a:spcBef>
+              <a:buChar char="•"/>
+              <a:defRPr sz="2000">
+                <a:solidFill>
+                  <a:schemeClr val="accent2"/>
+                </a:solidFill>
+                <a:latin typeface="Helvetica" charset="0"/>
+                <a:ea typeface="Arial" charset="0"/>
+                <a:cs typeface="Arial" charset="0"/>
+              </a:defRPr>
+            </a:lvl4pPr>
+            <a:lvl5pPr marL="2057400" indent="-228600">
+              <a:spcBef>
+                <a:spcPct val="10000"/>
+              </a:spcBef>
+              <a:buChar char="•"/>
+              <a:defRPr sz="2000">
+                <a:solidFill>
+                  <a:schemeClr val="tx1"/>
+                </a:solidFill>
+                <a:latin typeface="Helvetica" charset="0"/>
+                <a:ea typeface="Arial" charset="0"/>
+                <a:cs typeface="Arial" charset="0"/>
+              </a:defRPr>
+            </a:lvl5pPr>
+            <a:lvl6pPr marL="2514600" indent="-228600" eaLnBrk="0" fontAlgn="base" hangingPunct="0">
+              <a:spcBef>
+                <a:spcPct val="10000"/>
+              </a:spcBef>
+              <a:spcAft>
+                <a:spcPct val="0"/>
+              </a:spcAft>
+              <a:buChar char="•"/>
+              <a:defRPr sz="2000">
+                <a:solidFill>
+                  <a:schemeClr val="tx1"/>
+                </a:solidFill>
+                <a:latin typeface="Helvetica" charset="0"/>
+                <a:ea typeface="Arial" charset="0"/>
+                <a:cs typeface="Arial" charset="0"/>
+              </a:defRPr>
+            </a:lvl6pPr>
+            <a:lvl7pPr marL="2971800" indent="-228600" eaLnBrk="0" fontAlgn="base" hangingPunct="0">
+              <a:spcBef>
+                <a:spcPct val="10000"/>
+              </a:spcBef>
+              <a:spcAft>
+                <a:spcPct val="0"/>
+              </a:spcAft>
+              <a:buChar char="•"/>
+              <a:defRPr sz="2000">
+                <a:solidFill>
+                  <a:schemeClr val="tx1"/>
+                </a:solidFill>
+                <a:latin typeface="Helvetica" charset="0"/>
+                <a:ea typeface="Arial" charset="0"/>
+                <a:cs typeface="Arial" charset="0"/>
+              </a:defRPr>
+            </a:lvl7pPr>
+            <a:lvl8pPr marL="3429000" indent="-228600" eaLnBrk="0" fontAlgn="base" hangingPunct="0">
+              <a:spcBef>
+                <a:spcPct val="10000"/>
+              </a:spcBef>
+              <a:spcAft>
+                <a:spcPct val="0"/>
+              </a:spcAft>
+              <a:buChar char="•"/>
+              <a:defRPr sz="2000">
+                <a:solidFill>
+                  <a:schemeClr val="tx1"/>
+                </a:solidFill>
+                <a:latin typeface="Helvetica" charset="0"/>
+                <a:ea typeface="Arial" charset="0"/>
+                <a:cs typeface="Arial" charset="0"/>
+              </a:defRPr>
+            </a:lvl8pPr>
+            <a:lvl9pPr marL="3886200" indent="-228600" eaLnBrk="0" fontAlgn="base" hangingPunct="0">
+              <a:spcBef>
+                <a:spcPct val="10000"/>
+              </a:spcBef>
+              <a:spcAft>
+                <a:spcPct val="0"/>
+              </a:spcAft>
+              <a:buChar char="•"/>
+              <a:defRPr sz="2000">
+                <a:solidFill>
+                  <a:schemeClr val="tx1"/>
+                </a:solidFill>
+                <a:latin typeface="Helvetica" charset="0"/>
+                <a:ea typeface="Arial" charset="0"/>
+                <a:cs typeface="Arial" charset="0"/>
+              </a:defRPr>
+            </a:lvl9pPr>
+          </a:lstStyle>
+          <a:p>
+            <a:pPr algn="ctr" eaLnBrk="1" hangingPunct="1">
+              <a:spcBef>
+                <a:spcPct val="0"/>
+              </a:spcBef>
+              <a:buFontTx/>
+              <a:buNone/>
+            </a:pPr>
+            <a:r>
+              <a:rPr lang="en-US" altLang="en-US" sz="2400" b="0" dirty="0">
+                <a:solidFill>
+                  <a:srgbClr val="FFFFFF"/>
+                </a:solidFill>
+              </a:rPr>
+              <a:t>Network: best-effort global </a:t>
+            </a:r>
+            <a:r>
+              <a:rPr lang="en-US" altLang="en-US" sz="2400" b="0" dirty="0" err="1">
+                <a:solidFill>
+                  <a:srgbClr val="FFFFFF"/>
+                </a:solidFill>
+              </a:rPr>
+              <a:t>pkt</a:t>
+            </a:r>
+            <a:r>
+              <a:rPr lang="en-US" altLang="en-US" sz="2400" b="0" dirty="0">
+                <a:solidFill>
+                  <a:srgbClr val="FFFFFF"/>
+                </a:solidFill>
+              </a:rPr>
+              <a:t> delivery</a:t>
+            </a:r>
+          </a:p>
+        </p:txBody>
+      </p:sp>
+      <p:sp>
+        <p:nvSpPr>
+          <p:cNvPr id="8" name="Rectangle 6"/>
+          <p:cNvSpPr>
+            <a:spLocks noChangeArrowheads="1"/>
+          </p:cNvSpPr>
+          <p:nvPr/>
+        </p:nvSpPr>
+        <p:spPr bwMode="auto">
+          <a:xfrm>
+            <a:off x="838198" y="2933742"/>
+            <a:ext cx="6561407" cy="1129154"/>
+          </a:xfrm>
+          <a:prstGeom prst="rect">
+            <a:avLst/>
+          </a:prstGeom>
+          <a:solidFill>
+            <a:schemeClr val="accent2"/>
+          </a:solidFill>
+          <a:ln w="9525">
+            <a:solidFill>
+              <a:srgbClr val="000000"/>
+            </a:solidFill>
+            <a:miter lim="800000"/>
+            <a:headEnd/>
+            <a:tailEnd/>
+          </a:ln>
+        </p:spPr>
+        <p:txBody>
+          <a:bodyPr wrap="none" lIns="91420" tIns="45712" rIns="91420" bIns="45712" anchor="ctr"/>
+          <a:lstStyle>
+            <a:lvl1pPr>
+              <a:spcBef>
+                <a:spcPct val="50000"/>
+              </a:spcBef>
+              <a:buChar char="•"/>
+              <a:defRPr sz="2800">
+                <a:solidFill>
+                  <a:srgbClr val="0000FF"/>
+                </a:solidFill>
+                <a:latin typeface="Arial" charset="0"/>
+                <a:ea typeface="ＭＳ Ｐゴシック" charset="-128"/>
+                <a:cs typeface="Arial" charset="0"/>
+              </a:defRPr>
+            </a:lvl1pPr>
+            <a:lvl2pPr marL="742950" indent="-285750">
+              <a:spcBef>
+                <a:spcPct val="10000"/>
+              </a:spcBef>
+              <a:buFont typeface="Helvetica" charset="0"/>
+              <a:buChar char="–"/>
+              <a:defRPr sz="2400">
+                <a:solidFill>
+                  <a:schemeClr val="accent2"/>
+                </a:solidFill>
+                <a:latin typeface="Arial" charset="0"/>
+                <a:ea typeface="Arial" charset="0"/>
+                <a:cs typeface="Arial" charset="0"/>
+              </a:defRPr>
+            </a:lvl2pPr>
+            <a:lvl3pPr marL="1143000" indent="-228600">
+              <a:spcBef>
+                <a:spcPct val="10000"/>
+              </a:spcBef>
+              <a:buFont typeface="Wingdings" charset="2"/>
+              <a:buChar char=""/>
+              <a:defRPr sz="2000">
+                <a:solidFill>
+                  <a:schemeClr val="tx1"/>
+                </a:solidFill>
+                <a:latin typeface="Arial" charset="0"/>
+                <a:ea typeface="Arial" charset="0"/>
+                <a:cs typeface="Arial" charset="0"/>
+              </a:defRPr>
+            </a:lvl3pPr>
+            <a:lvl4pPr marL="1600200" indent="-228600">
+              <a:spcBef>
+                <a:spcPct val="10000"/>
+              </a:spcBef>
+              <a:buChar char="•"/>
+              <a:defRPr sz="2000">
+                <a:solidFill>
+                  <a:schemeClr val="accent2"/>
+                </a:solidFill>
+                <a:latin typeface="Helvetica" charset="0"/>
+                <a:ea typeface="Arial" charset="0"/>
+                <a:cs typeface="Arial" charset="0"/>
+              </a:defRPr>
+            </a:lvl4pPr>
+            <a:lvl5pPr marL="2057400" indent="-228600">
+              <a:spcBef>
+                <a:spcPct val="10000"/>
+              </a:spcBef>
+              <a:buChar char="•"/>
+              <a:defRPr sz="2000">
+                <a:solidFill>
+                  <a:schemeClr val="tx1"/>
+                </a:solidFill>
+                <a:latin typeface="Helvetica" charset="0"/>
+                <a:ea typeface="Arial" charset="0"/>
+                <a:cs typeface="Arial" charset="0"/>
+              </a:defRPr>
+            </a:lvl5pPr>
+            <a:lvl6pPr marL="2514600" indent="-228600" eaLnBrk="0" fontAlgn="base" hangingPunct="0">
+              <a:spcBef>
+                <a:spcPct val="10000"/>
+              </a:spcBef>
+              <a:spcAft>
+                <a:spcPct val="0"/>
+              </a:spcAft>
+              <a:buChar char="•"/>
+              <a:defRPr sz="2000">
+                <a:solidFill>
+                  <a:schemeClr val="tx1"/>
+                </a:solidFill>
+                <a:latin typeface="Helvetica" charset="0"/>
+                <a:ea typeface="Arial" charset="0"/>
+                <a:cs typeface="Arial" charset="0"/>
+              </a:defRPr>
+            </a:lvl6pPr>
+            <a:lvl7pPr marL="2971800" indent="-228600" eaLnBrk="0" fontAlgn="base" hangingPunct="0">
+              <a:spcBef>
+                <a:spcPct val="10000"/>
+              </a:spcBef>
+              <a:spcAft>
+                <a:spcPct val="0"/>
+              </a:spcAft>
+              <a:buChar char="•"/>
+              <a:defRPr sz="2000">
+                <a:solidFill>
+                  <a:schemeClr val="tx1"/>
+                </a:solidFill>
+                <a:latin typeface="Helvetica" charset="0"/>
+                <a:ea typeface="Arial" charset="0"/>
+                <a:cs typeface="Arial" charset="0"/>
+              </a:defRPr>
+            </a:lvl7pPr>
+            <a:lvl8pPr marL="3429000" indent="-228600" eaLnBrk="0" fontAlgn="base" hangingPunct="0">
+              <a:spcBef>
+                <a:spcPct val="10000"/>
+              </a:spcBef>
+              <a:spcAft>
+                <a:spcPct val="0"/>
+              </a:spcAft>
+              <a:buChar char="•"/>
+              <a:defRPr sz="2000">
+                <a:solidFill>
+                  <a:schemeClr val="tx1"/>
+                </a:solidFill>
+                <a:latin typeface="Helvetica" charset="0"/>
+                <a:ea typeface="Arial" charset="0"/>
+                <a:cs typeface="Arial" charset="0"/>
+              </a:defRPr>
+            </a:lvl8pPr>
+            <a:lvl9pPr marL="3886200" indent="-228600" eaLnBrk="0" fontAlgn="base" hangingPunct="0">
+              <a:spcBef>
+                <a:spcPct val="10000"/>
+              </a:spcBef>
+              <a:spcAft>
+                <a:spcPct val="0"/>
+              </a:spcAft>
+              <a:buChar char="•"/>
+              <a:defRPr sz="2000">
+                <a:solidFill>
+                  <a:schemeClr val="tx1"/>
+                </a:solidFill>
+                <a:latin typeface="Helvetica" charset="0"/>
+                <a:ea typeface="Arial" charset="0"/>
+                <a:cs typeface="Arial" charset="0"/>
+              </a:defRPr>
+            </a:lvl9pPr>
+          </a:lstStyle>
+          <a:p>
+            <a:pPr algn="ctr" eaLnBrk="1" hangingPunct="1">
+              <a:spcBef>
+                <a:spcPct val="0"/>
+              </a:spcBef>
+              <a:buFontTx/>
+              <a:buNone/>
+            </a:pPr>
+            <a:r>
+              <a:rPr lang="en-US" altLang="en-US" sz="2400" b="0" dirty="0">
+                <a:solidFill>
+                  <a:srgbClr val="FFFFFF"/>
+                </a:solidFill>
+              </a:rPr>
+              <a:t>Transport: provide guarantees to apps</a:t>
+            </a:r>
+          </a:p>
+        </p:txBody>
+      </p:sp>
+      <p:sp>
+        <p:nvSpPr>
+          <p:cNvPr id="9" name="Rectangle 7"/>
+          <p:cNvSpPr>
+            <a:spLocks noChangeArrowheads="1"/>
+          </p:cNvSpPr>
+          <p:nvPr/>
+        </p:nvSpPr>
+        <p:spPr bwMode="auto">
+          <a:xfrm>
+            <a:off x="838199" y="1801647"/>
+            <a:ext cx="6561406" cy="1132095"/>
+          </a:xfrm>
+          <a:prstGeom prst="rect">
+            <a:avLst/>
+          </a:prstGeom>
+          <a:solidFill>
+            <a:srgbClr val="00D164"/>
+          </a:solidFill>
+          <a:ln w="9525">
+            <a:solidFill>
+              <a:srgbClr val="000000"/>
+            </a:solidFill>
+            <a:miter lim="800000"/>
+            <a:headEnd/>
+            <a:tailEnd/>
+          </a:ln>
+        </p:spPr>
+        <p:txBody>
+          <a:bodyPr wrap="none" lIns="91420" tIns="45712" rIns="91420" bIns="45712" anchor="ctr"/>
+          <a:lstStyle>
+            <a:lvl1pPr>
+              <a:spcBef>
+                <a:spcPct val="50000"/>
+              </a:spcBef>
+              <a:buChar char="•"/>
+              <a:defRPr sz="2800">
+                <a:solidFill>
+                  <a:srgbClr val="0000FF"/>
+                </a:solidFill>
+                <a:latin typeface="Arial" charset="0"/>
+                <a:ea typeface="ＭＳ Ｐゴシック" charset="-128"/>
+                <a:cs typeface="Arial" charset="0"/>
+              </a:defRPr>
+            </a:lvl1pPr>
+            <a:lvl2pPr marL="742950" indent="-285750">
+              <a:spcBef>
+                <a:spcPct val="10000"/>
+              </a:spcBef>
+              <a:buFont typeface="Helvetica" charset="0"/>
+              <a:buChar char="–"/>
+              <a:defRPr sz="2400">
+                <a:solidFill>
+                  <a:schemeClr val="accent2"/>
+                </a:solidFill>
+                <a:latin typeface="Arial" charset="0"/>
+                <a:ea typeface="Arial" charset="0"/>
+                <a:cs typeface="Arial" charset="0"/>
+              </a:defRPr>
+            </a:lvl2pPr>
+            <a:lvl3pPr marL="1143000" indent="-228600">
+              <a:spcBef>
+                <a:spcPct val="10000"/>
+              </a:spcBef>
+              <a:buFont typeface="Wingdings" charset="2"/>
+              <a:buChar char=""/>
+              <a:defRPr sz="2000">
+                <a:solidFill>
+                  <a:schemeClr val="tx1"/>
+                </a:solidFill>
+                <a:latin typeface="Arial" charset="0"/>
+                <a:ea typeface="Arial" charset="0"/>
+                <a:cs typeface="Arial" charset="0"/>
+              </a:defRPr>
+            </a:lvl3pPr>
+            <a:lvl4pPr marL="1600200" indent="-228600">
+              <a:spcBef>
+                <a:spcPct val="10000"/>
+              </a:spcBef>
+              <a:buChar char="•"/>
+              <a:defRPr sz="2000">
+                <a:solidFill>
+                  <a:schemeClr val="accent2"/>
+                </a:solidFill>
+                <a:latin typeface="Helvetica" charset="0"/>
+                <a:ea typeface="Arial" charset="0"/>
+                <a:cs typeface="Arial" charset="0"/>
+              </a:defRPr>
+            </a:lvl4pPr>
+            <a:lvl5pPr marL="2057400" indent="-228600">
+              <a:spcBef>
+                <a:spcPct val="10000"/>
+              </a:spcBef>
+              <a:buChar char="•"/>
+              <a:defRPr sz="2000">
+                <a:solidFill>
+                  <a:schemeClr val="tx1"/>
+                </a:solidFill>
+                <a:latin typeface="Helvetica" charset="0"/>
+                <a:ea typeface="Arial" charset="0"/>
+                <a:cs typeface="Arial" charset="0"/>
+              </a:defRPr>
+            </a:lvl5pPr>
+            <a:lvl6pPr marL="2514600" indent="-228600" eaLnBrk="0" fontAlgn="base" hangingPunct="0">
+              <a:spcBef>
+                <a:spcPct val="10000"/>
+              </a:spcBef>
+              <a:spcAft>
+                <a:spcPct val="0"/>
+              </a:spcAft>
+              <a:buChar char="•"/>
+              <a:defRPr sz="2000">
+                <a:solidFill>
+                  <a:schemeClr val="tx1"/>
+                </a:solidFill>
+                <a:latin typeface="Helvetica" charset="0"/>
+                <a:ea typeface="Arial" charset="0"/>
+                <a:cs typeface="Arial" charset="0"/>
+              </a:defRPr>
+            </a:lvl6pPr>
+            <a:lvl7pPr marL="2971800" indent="-228600" eaLnBrk="0" fontAlgn="base" hangingPunct="0">
+              <a:spcBef>
+                <a:spcPct val="10000"/>
+              </a:spcBef>
+              <a:spcAft>
+                <a:spcPct val="0"/>
+              </a:spcAft>
+              <a:buChar char="•"/>
+              <a:defRPr sz="2000">
+                <a:solidFill>
+                  <a:schemeClr val="tx1"/>
+                </a:solidFill>
+                <a:latin typeface="Helvetica" charset="0"/>
+                <a:ea typeface="Arial" charset="0"/>
+                <a:cs typeface="Arial" charset="0"/>
+              </a:defRPr>
+            </a:lvl7pPr>
+            <a:lvl8pPr marL="3429000" indent="-228600" eaLnBrk="0" fontAlgn="base" hangingPunct="0">
+              <a:spcBef>
+                <a:spcPct val="10000"/>
+              </a:spcBef>
+              <a:spcAft>
+                <a:spcPct val="0"/>
+              </a:spcAft>
+              <a:buChar char="•"/>
+              <a:defRPr sz="2000">
+                <a:solidFill>
+                  <a:schemeClr val="tx1"/>
+                </a:solidFill>
+                <a:latin typeface="Helvetica" charset="0"/>
+                <a:ea typeface="Arial" charset="0"/>
+                <a:cs typeface="Arial" charset="0"/>
+              </a:defRPr>
+            </a:lvl8pPr>
+            <a:lvl9pPr marL="3886200" indent="-228600" eaLnBrk="0" fontAlgn="base" hangingPunct="0">
+              <a:spcBef>
+                <a:spcPct val="10000"/>
+              </a:spcBef>
+              <a:spcAft>
+                <a:spcPct val="0"/>
+              </a:spcAft>
+              <a:buChar char="•"/>
+              <a:defRPr sz="2000">
+                <a:solidFill>
+                  <a:schemeClr val="tx1"/>
+                </a:solidFill>
+                <a:latin typeface="Helvetica" charset="0"/>
+                <a:ea typeface="Arial" charset="0"/>
+                <a:cs typeface="Arial" charset="0"/>
+              </a:defRPr>
+            </a:lvl9pPr>
+          </a:lstStyle>
+          <a:p>
+            <a:pPr algn="ctr" eaLnBrk="1" hangingPunct="1">
+              <a:spcBef>
+                <a:spcPct val="0"/>
+              </a:spcBef>
+              <a:buFontTx/>
+              <a:buNone/>
+            </a:pPr>
+            <a:r>
+              <a:rPr lang="en-US" altLang="en-US" sz="2400" b="0" dirty="0">
+                <a:solidFill>
+                  <a:srgbClr val="FFFFFF"/>
+                </a:solidFill>
+              </a:rPr>
+              <a:t>Apps: useful user-level functions</a:t>
+            </a:r>
+          </a:p>
+        </p:txBody>
+      </p:sp>
+      <p:sp>
+        <p:nvSpPr>
+          <p:cNvPr id="26" name="Title 1"/>
+          <p:cNvSpPr>
+            <a:spLocks noGrp="1"/>
+          </p:cNvSpPr>
+          <p:nvPr>
+            <p:ph type="title"/>
+          </p:nvPr>
+        </p:nvSpPr>
+        <p:spPr>
+          <a:xfrm>
+            <a:off x="838199" y="365125"/>
+            <a:ext cx="10937327" cy="1325563"/>
+          </a:xfrm>
+        </p:spPr>
+        <p:txBody>
+          <a:bodyPr/>
+          <a:lstStyle/>
+          <a:p>
+            <a:r>
+              <a:rPr lang="en-US" dirty="0"/>
+              <a:t>Modularity through layering</a:t>
+            </a:r>
+          </a:p>
+        </p:txBody>
+      </p:sp>
+      <p:grpSp>
+        <p:nvGrpSpPr>
+          <p:cNvPr id="70" name="Group 69"/>
+          <p:cNvGrpSpPr/>
+          <p:nvPr/>
+        </p:nvGrpSpPr>
+        <p:grpSpPr>
+          <a:xfrm>
+            <a:off x="7742505" y="2094351"/>
+            <a:ext cx="4033022" cy="3378730"/>
+            <a:chOff x="7742505" y="2343737"/>
+            <a:chExt cx="4033022" cy="3378730"/>
+          </a:xfrm>
+        </p:grpSpPr>
+        <p:sp>
+          <p:nvSpPr>
+            <p:cNvPr id="62" name="Arc 8"/>
+            <p:cNvSpPr>
+              <a:spLocks/>
+            </p:cNvSpPr>
+            <p:nvPr/>
+          </p:nvSpPr>
+          <p:spPr bwMode="auto">
+            <a:xfrm rot="10800000">
+              <a:off x="9813311" y="2358180"/>
+              <a:ext cx="1962216" cy="1677593"/>
+            </a:xfrm>
+            <a:custGeom>
+              <a:avLst/>
+              <a:gdLst>
+                <a:gd name="T0" fmla="*/ 0 w 21600"/>
+                <a:gd name="T1" fmla="*/ 0 h 21600"/>
+                <a:gd name="T2" fmla="*/ 2147483646 w 21600"/>
+                <a:gd name="T3" fmla="*/ 2147483646 h 21600"/>
+                <a:gd name="T4" fmla="*/ 0 w 21600"/>
+                <a:gd name="T5" fmla="*/ 2147483646 h 21600"/>
+                <a:gd name="T6" fmla="*/ 0 60000 65536"/>
+                <a:gd name="T7" fmla="*/ 0 60000 65536"/>
+                <a:gd name="T8" fmla="*/ 0 60000 65536"/>
+                <a:gd name="T9" fmla="*/ 0 w 21600"/>
+                <a:gd name="T10" fmla="*/ 0 h 21600"/>
+                <a:gd name="T11" fmla="*/ 21600 w 21600"/>
+                <a:gd name="T12" fmla="*/ 21600 h 21600"/>
+              </a:gdLst>
+              <a:ahLst/>
+              <a:cxnLst>
+                <a:cxn ang="T6">
+                  <a:pos x="T0" y="T1"/>
+                </a:cxn>
+                <a:cxn ang="T7">
+                  <a:pos x="T2" y="T3"/>
+                </a:cxn>
+                <a:cxn ang="T8">
+                  <a:pos x="T4" y="T5"/>
+                </a:cxn>
+              </a:cxnLst>
+              <a:rect l="T9" t="T10" r="T11" b="T12"/>
+              <a:pathLst>
+                <a:path w="21600" h="21600" fill="none" extrusionOk="0">
+                  <a:moveTo>
+                    <a:pt x="0" y="-1"/>
+                  </a:moveTo>
+                  <a:cubicBezTo>
+                    <a:pt x="11929" y="-1"/>
+                    <a:pt x="21600" y="9670"/>
+                    <a:pt x="21600" y="21600"/>
+                  </a:cubicBezTo>
+                </a:path>
+                <a:path w="21600" h="21600" stroke="0" extrusionOk="0">
+                  <a:moveTo>
+                    <a:pt x="0" y="-1"/>
+                  </a:moveTo>
+                  <a:cubicBezTo>
+                    <a:pt x="11929" y="-1"/>
+                    <a:pt x="21600" y="9670"/>
+                    <a:pt x="21600" y="21600"/>
+                  </a:cubicBezTo>
+                  <a:lnTo>
+                    <a:pt x="0" y="21600"/>
+                  </a:lnTo>
+                  <a:lnTo>
+                    <a:pt x="0" y="-1"/>
+                  </a:lnTo>
+                  <a:close/>
+                </a:path>
+              </a:pathLst>
+            </a:custGeom>
+            <a:solidFill>
+              <a:schemeClr val="accent2">
+                <a:alpha val="0"/>
+              </a:schemeClr>
+            </a:solidFill>
+            <a:ln w="76200" cap="rnd">
+              <a:solidFill>
+                <a:schemeClr val="accent1"/>
+              </a:solidFill>
+              <a:round/>
+              <a:headEnd/>
+              <a:tailEnd/>
+            </a:ln>
+            <a:scene3d>
+              <a:camera prst="orthographicFront">
+                <a:rot lat="10800000" lon="0" rev="0"/>
+              </a:camera>
+              <a:lightRig rig="threePt" dir="t"/>
+            </a:scene3d>
+          </p:spPr>
+          <p:txBody>
+            <a:bodyPr wrap="none" anchor="ctr"/>
+            <a:lstStyle/>
+            <a:p>
+              <a:endParaRPr lang="en-US"/>
+            </a:p>
+          </p:txBody>
+        </p:sp>
+        <p:sp>
+          <p:nvSpPr>
+            <p:cNvPr id="61" name="Arc 8"/>
+            <p:cNvSpPr>
+              <a:spLocks/>
+            </p:cNvSpPr>
+            <p:nvPr/>
+          </p:nvSpPr>
+          <p:spPr bwMode="auto">
+            <a:xfrm rot="10800000">
+              <a:off x="7746353" y="2343737"/>
+              <a:ext cx="1962216" cy="1677593"/>
+            </a:xfrm>
+            <a:custGeom>
+              <a:avLst/>
+              <a:gdLst>
+                <a:gd name="T0" fmla="*/ 0 w 21600"/>
+                <a:gd name="T1" fmla="*/ 0 h 21600"/>
+                <a:gd name="T2" fmla="*/ 2147483646 w 21600"/>
+                <a:gd name="T3" fmla="*/ 2147483646 h 21600"/>
+                <a:gd name="T4" fmla="*/ 0 w 21600"/>
+                <a:gd name="T5" fmla="*/ 2147483646 h 21600"/>
+                <a:gd name="T6" fmla="*/ 0 60000 65536"/>
+                <a:gd name="T7" fmla="*/ 0 60000 65536"/>
+                <a:gd name="T8" fmla="*/ 0 60000 65536"/>
+                <a:gd name="T9" fmla="*/ 0 w 21600"/>
+                <a:gd name="T10" fmla="*/ 0 h 21600"/>
+                <a:gd name="T11" fmla="*/ 21600 w 21600"/>
+                <a:gd name="T12" fmla="*/ 21600 h 21600"/>
+              </a:gdLst>
+              <a:ahLst/>
+              <a:cxnLst>
+                <a:cxn ang="T6">
+                  <a:pos x="T0" y="T1"/>
+                </a:cxn>
+                <a:cxn ang="T7">
+                  <a:pos x="T2" y="T3"/>
+                </a:cxn>
+                <a:cxn ang="T8">
+                  <a:pos x="T4" y="T5"/>
+                </a:cxn>
+              </a:cxnLst>
+              <a:rect l="T9" t="T10" r="T11" b="T12"/>
+              <a:pathLst>
+                <a:path w="21600" h="21600" fill="none" extrusionOk="0">
+                  <a:moveTo>
+                    <a:pt x="0" y="-1"/>
+                  </a:moveTo>
+                  <a:cubicBezTo>
+                    <a:pt x="11929" y="-1"/>
+                    <a:pt x="21600" y="9670"/>
+                    <a:pt x="21600" y="21600"/>
+                  </a:cubicBezTo>
+                </a:path>
+                <a:path w="21600" h="21600" stroke="0" extrusionOk="0">
+                  <a:moveTo>
+                    <a:pt x="0" y="-1"/>
+                  </a:moveTo>
+                  <a:cubicBezTo>
+                    <a:pt x="11929" y="-1"/>
+                    <a:pt x="21600" y="9670"/>
+                    <a:pt x="21600" y="21600"/>
+                  </a:cubicBezTo>
+                  <a:lnTo>
+                    <a:pt x="0" y="21600"/>
+                  </a:lnTo>
+                  <a:lnTo>
+                    <a:pt x="0" y="-1"/>
+                  </a:lnTo>
+                  <a:close/>
+                </a:path>
+              </a:pathLst>
+            </a:custGeom>
+            <a:solidFill>
+              <a:schemeClr val="accent2">
+                <a:alpha val="0"/>
+              </a:schemeClr>
+            </a:solidFill>
+            <a:ln w="76200" cap="rnd">
+              <a:solidFill>
+                <a:schemeClr val="accent1"/>
+              </a:solidFill>
+              <a:round/>
+              <a:headEnd/>
+              <a:tailEnd/>
+            </a:ln>
+          </p:spPr>
+          <p:txBody>
+            <a:bodyPr wrap="none" anchor="ctr"/>
+            <a:lstStyle/>
+            <a:p>
+              <a:endParaRPr lang="en-US"/>
+            </a:p>
+          </p:txBody>
+        </p:sp>
+        <p:sp>
+          <p:nvSpPr>
+            <p:cNvPr id="63" name="Arc 8"/>
+            <p:cNvSpPr>
+              <a:spLocks/>
+            </p:cNvSpPr>
+            <p:nvPr/>
+          </p:nvSpPr>
+          <p:spPr bwMode="auto">
+            <a:xfrm rot="10800000">
+              <a:off x="10140624" y="4044874"/>
+              <a:ext cx="1634903" cy="1677593"/>
+            </a:xfrm>
+            <a:custGeom>
+              <a:avLst/>
+              <a:gdLst>
+                <a:gd name="T0" fmla="*/ 0 w 21600"/>
+                <a:gd name="T1" fmla="*/ 0 h 21600"/>
+                <a:gd name="T2" fmla="*/ 2147483646 w 21600"/>
+                <a:gd name="T3" fmla="*/ 2147483646 h 21600"/>
+                <a:gd name="T4" fmla="*/ 0 w 21600"/>
+                <a:gd name="T5" fmla="*/ 2147483646 h 21600"/>
+                <a:gd name="T6" fmla="*/ 0 60000 65536"/>
+                <a:gd name="T7" fmla="*/ 0 60000 65536"/>
+                <a:gd name="T8" fmla="*/ 0 60000 65536"/>
+                <a:gd name="T9" fmla="*/ 0 w 21600"/>
+                <a:gd name="T10" fmla="*/ 0 h 21600"/>
+                <a:gd name="T11" fmla="*/ 21600 w 21600"/>
+                <a:gd name="T12" fmla="*/ 21600 h 21600"/>
+              </a:gdLst>
+              <a:ahLst/>
+              <a:cxnLst>
+                <a:cxn ang="T6">
+                  <a:pos x="T0" y="T1"/>
+                </a:cxn>
+                <a:cxn ang="T7">
+                  <a:pos x="T2" y="T3"/>
+                </a:cxn>
+                <a:cxn ang="T8">
+                  <a:pos x="T4" y="T5"/>
+                </a:cxn>
+              </a:cxnLst>
+              <a:rect l="T9" t="T10" r="T11" b="T12"/>
+              <a:pathLst>
+                <a:path w="21600" h="21600" fill="none" extrusionOk="0">
+                  <a:moveTo>
+                    <a:pt x="0" y="-1"/>
+                  </a:moveTo>
+                  <a:cubicBezTo>
+                    <a:pt x="11929" y="-1"/>
+                    <a:pt x="21600" y="9670"/>
+                    <a:pt x="21600" y="21600"/>
+                  </a:cubicBezTo>
+                </a:path>
+                <a:path w="21600" h="21600" stroke="0" extrusionOk="0">
+                  <a:moveTo>
+                    <a:pt x="0" y="-1"/>
+                  </a:moveTo>
+                  <a:cubicBezTo>
+                    <a:pt x="11929" y="-1"/>
+                    <a:pt x="21600" y="9670"/>
+                    <a:pt x="21600" y="21600"/>
+                  </a:cubicBezTo>
+                  <a:lnTo>
+                    <a:pt x="0" y="21600"/>
+                  </a:lnTo>
+                  <a:lnTo>
+                    <a:pt x="0" y="-1"/>
+                  </a:lnTo>
+                  <a:close/>
+                </a:path>
+              </a:pathLst>
+            </a:custGeom>
+            <a:solidFill>
+              <a:schemeClr val="accent2">
+                <a:alpha val="0"/>
+              </a:schemeClr>
+            </a:solidFill>
+            <a:ln w="76200" cap="rnd">
+              <a:solidFill>
+                <a:schemeClr val="accent1"/>
+              </a:solidFill>
+              <a:round/>
+              <a:headEnd/>
+              <a:tailEnd/>
+            </a:ln>
+            <a:scene3d>
+              <a:camera prst="orthographicFront">
+                <a:rot lat="0" lon="0" rev="10800000"/>
+              </a:camera>
+              <a:lightRig rig="threePt" dir="t"/>
+            </a:scene3d>
+          </p:spPr>
+          <p:txBody>
+            <a:bodyPr wrap="none" anchor="ctr"/>
+            <a:lstStyle/>
+            <a:p>
+              <a:endParaRPr lang="en-US"/>
+            </a:p>
+          </p:txBody>
+        </p:sp>
+        <p:sp>
+          <p:nvSpPr>
+            <p:cNvPr id="65" name="Arc 8"/>
+            <p:cNvSpPr>
+              <a:spLocks/>
+            </p:cNvSpPr>
+            <p:nvPr/>
+          </p:nvSpPr>
+          <p:spPr bwMode="auto">
+            <a:xfrm rot="10800000">
+              <a:off x="7742505" y="4033476"/>
+              <a:ext cx="1718414" cy="1677593"/>
+            </a:xfrm>
+            <a:custGeom>
+              <a:avLst/>
+              <a:gdLst>
+                <a:gd name="T0" fmla="*/ 0 w 21600"/>
+                <a:gd name="T1" fmla="*/ 0 h 21600"/>
+                <a:gd name="T2" fmla="*/ 2147483646 w 21600"/>
+                <a:gd name="T3" fmla="*/ 2147483646 h 21600"/>
+                <a:gd name="T4" fmla="*/ 0 w 21600"/>
+                <a:gd name="T5" fmla="*/ 2147483646 h 21600"/>
+                <a:gd name="T6" fmla="*/ 0 60000 65536"/>
+                <a:gd name="T7" fmla="*/ 0 60000 65536"/>
+                <a:gd name="T8" fmla="*/ 0 60000 65536"/>
+                <a:gd name="T9" fmla="*/ 0 w 21600"/>
+                <a:gd name="T10" fmla="*/ 0 h 21600"/>
+                <a:gd name="T11" fmla="*/ 21600 w 21600"/>
+                <a:gd name="T12" fmla="*/ 21600 h 21600"/>
+              </a:gdLst>
+              <a:ahLst/>
+              <a:cxnLst>
+                <a:cxn ang="T6">
+                  <a:pos x="T0" y="T1"/>
+                </a:cxn>
+                <a:cxn ang="T7">
+                  <a:pos x="T2" y="T3"/>
+                </a:cxn>
+                <a:cxn ang="T8">
+                  <a:pos x="T4" y="T5"/>
+                </a:cxn>
+              </a:cxnLst>
+              <a:rect l="T9" t="T10" r="T11" b="T12"/>
+              <a:pathLst>
+                <a:path w="21600" h="21600" fill="none" extrusionOk="0">
+                  <a:moveTo>
+                    <a:pt x="0" y="-1"/>
+                  </a:moveTo>
+                  <a:cubicBezTo>
+                    <a:pt x="11929" y="-1"/>
+                    <a:pt x="21600" y="9670"/>
+                    <a:pt x="21600" y="21600"/>
+                  </a:cubicBezTo>
+                </a:path>
+                <a:path w="21600" h="21600" stroke="0" extrusionOk="0">
+                  <a:moveTo>
+                    <a:pt x="0" y="-1"/>
+                  </a:moveTo>
+                  <a:cubicBezTo>
+                    <a:pt x="11929" y="-1"/>
+                    <a:pt x="21600" y="9670"/>
+                    <a:pt x="21600" y="21600"/>
+                  </a:cubicBezTo>
+                  <a:lnTo>
+                    <a:pt x="0" y="21600"/>
+                  </a:lnTo>
+                  <a:lnTo>
+                    <a:pt x="0" y="-1"/>
+                  </a:lnTo>
+                  <a:close/>
+                </a:path>
+              </a:pathLst>
+            </a:custGeom>
+            <a:solidFill>
+              <a:schemeClr val="accent2">
+                <a:alpha val="0"/>
+              </a:schemeClr>
+            </a:solidFill>
+            <a:ln w="76200" cap="rnd">
+              <a:solidFill>
+                <a:schemeClr val="accent1"/>
+              </a:solidFill>
+              <a:round/>
+              <a:headEnd/>
+              <a:tailEnd/>
+            </a:ln>
+            <a:scene3d>
+              <a:camera prst="orthographicFront">
+                <a:rot lat="10800000" lon="0" rev="10800000"/>
+              </a:camera>
+              <a:lightRig rig="threePt" dir="t"/>
+            </a:scene3d>
+          </p:spPr>
+          <p:txBody>
+            <a:bodyPr wrap="none" anchor="ctr"/>
+            <a:lstStyle/>
+            <a:p>
+              <a:endParaRPr lang="en-US"/>
+            </a:p>
+          </p:txBody>
+        </p:sp>
+        <p:sp>
+          <p:nvSpPr>
+            <p:cNvPr id="31" name="Rectangle 21"/>
+            <p:cNvSpPr>
+              <a:spLocks noChangeArrowheads="1"/>
+            </p:cNvSpPr>
+            <p:nvPr/>
+          </p:nvSpPr>
+          <p:spPr bwMode="auto">
+            <a:xfrm>
+              <a:off x="8146469" y="2511177"/>
+              <a:ext cx="685800" cy="381000"/>
+            </a:xfrm>
+            <a:prstGeom prst="rect">
+              <a:avLst/>
+            </a:prstGeom>
+            <a:solidFill>
+              <a:srgbClr val="00CC66"/>
+            </a:solidFill>
+            <a:ln w="9525">
+              <a:solidFill>
+                <a:schemeClr val="tx1"/>
+              </a:solidFill>
+              <a:miter lim="800000"/>
+              <a:headEnd/>
+              <a:tailEnd/>
+            </a:ln>
+          </p:spPr>
+          <p:txBody>
+            <a:bodyPr wrap="none" lIns="91420" tIns="45712" rIns="91420" bIns="45712" anchor="ctr"/>
+            <a:lstStyle>
+              <a:lvl1pPr>
+                <a:spcBef>
+                  <a:spcPct val="50000"/>
+                </a:spcBef>
+                <a:buChar char="•"/>
+                <a:defRPr sz="2800">
+                  <a:solidFill>
+                    <a:srgbClr val="0000FF"/>
+                  </a:solidFill>
+                  <a:latin typeface="Arial" charset="0"/>
+                  <a:ea typeface="ＭＳ Ｐゴシック" charset="-128"/>
+                  <a:cs typeface="Arial" charset="0"/>
+                </a:defRPr>
+              </a:lvl1pPr>
+              <a:lvl2pPr marL="742950" indent="-285750">
+                <a:spcBef>
+                  <a:spcPct val="10000"/>
+                </a:spcBef>
+                <a:buFont typeface="Helvetica" charset="0"/>
+                <a:buChar char="–"/>
+                <a:defRPr sz="2400">
+                  <a:solidFill>
+                    <a:schemeClr val="accent2"/>
+                  </a:solidFill>
+                  <a:latin typeface="Arial" charset="0"/>
+                  <a:ea typeface="Arial" charset="0"/>
+                  <a:cs typeface="Arial" charset="0"/>
+                </a:defRPr>
+              </a:lvl2pPr>
+              <a:lvl3pPr marL="1143000" indent="-228600">
+                <a:spcBef>
+                  <a:spcPct val="10000"/>
+                </a:spcBef>
+                <a:buFont typeface="Wingdings" charset="2"/>
+                <a:buChar char=""/>
+                <a:defRPr sz="2000">
+                  <a:solidFill>
+                    <a:schemeClr val="tx1"/>
+                  </a:solidFill>
+                  <a:latin typeface="Arial" charset="0"/>
+                  <a:ea typeface="Arial" charset="0"/>
+                  <a:cs typeface="Arial" charset="0"/>
+                </a:defRPr>
+              </a:lvl3pPr>
+              <a:lvl4pPr marL="1600200" indent="-228600">
+                <a:spcBef>
+                  <a:spcPct val="10000"/>
+                </a:spcBef>
+                <a:buChar char="•"/>
+                <a:defRPr sz="2000">
+                  <a:solidFill>
+                    <a:schemeClr val="accent2"/>
+                  </a:solidFill>
+                  <a:latin typeface="Helvetica" charset="0"/>
+                  <a:ea typeface="Arial" charset="0"/>
+                  <a:cs typeface="Arial" charset="0"/>
+                </a:defRPr>
+              </a:lvl4pPr>
+              <a:lvl5pPr marL="2057400" indent="-228600">
+                <a:spcBef>
+                  <a:spcPct val="10000"/>
+                </a:spcBef>
+                <a:buChar char="•"/>
+                <a:defRPr sz="2000">
+                  <a:solidFill>
+                    <a:schemeClr val="tx1"/>
+                  </a:solidFill>
+                  <a:latin typeface="Helvetica" charset="0"/>
+                  <a:ea typeface="Arial" charset="0"/>
+                  <a:cs typeface="Arial" charset="0"/>
+                </a:defRPr>
+              </a:lvl5pPr>
+              <a:lvl6pPr marL="2514600" indent="-228600" eaLnBrk="0" fontAlgn="base" hangingPunct="0">
+                <a:spcBef>
+                  <a:spcPct val="10000"/>
+                </a:spcBef>
+                <a:spcAft>
+                  <a:spcPct val="0"/>
+                </a:spcAft>
+                <a:buChar char="•"/>
+                <a:defRPr sz="2000">
+                  <a:solidFill>
+                    <a:schemeClr val="tx1"/>
+                  </a:solidFill>
+                  <a:latin typeface="Helvetica" charset="0"/>
+                  <a:ea typeface="Arial" charset="0"/>
+                  <a:cs typeface="Arial" charset="0"/>
+                </a:defRPr>
+              </a:lvl6pPr>
+              <a:lvl7pPr marL="2971800" indent="-228600" eaLnBrk="0" fontAlgn="base" hangingPunct="0">
+                <a:spcBef>
+                  <a:spcPct val="10000"/>
+                </a:spcBef>
+                <a:spcAft>
+                  <a:spcPct val="0"/>
+                </a:spcAft>
+                <a:buChar char="•"/>
+                <a:defRPr sz="2000">
+                  <a:solidFill>
+                    <a:schemeClr val="tx1"/>
+                  </a:solidFill>
+                  <a:latin typeface="Helvetica" charset="0"/>
+                  <a:ea typeface="Arial" charset="0"/>
+                  <a:cs typeface="Arial" charset="0"/>
+                </a:defRPr>
+              </a:lvl7pPr>
+              <a:lvl8pPr marL="3429000" indent="-228600" eaLnBrk="0" fontAlgn="base" hangingPunct="0">
+                <a:spcBef>
+                  <a:spcPct val="10000"/>
+                </a:spcBef>
+                <a:spcAft>
+                  <a:spcPct val="0"/>
+                </a:spcAft>
+                <a:buChar char="•"/>
+                <a:defRPr sz="2000">
+                  <a:solidFill>
+                    <a:schemeClr val="tx1"/>
+                  </a:solidFill>
+                  <a:latin typeface="Helvetica" charset="0"/>
+                  <a:ea typeface="Arial" charset="0"/>
+                  <a:cs typeface="Arial" charset="0"/>
+                </a:defRPr>
+              </a:lvl8pPr>
+              <a:lvl9pPr marL="3886200" indent="-228600" eaLnBrk="0" fontAlgn="base" hangingPunct="0">
+                <a:spcBef>
+                  <a:spcPct val="10000"/>
+                </a:spcBef>
+                <a:spcAft>
+                  <a:spcPct val="0"/>
+                </a:spcAft>
+                <a:buChar char="•"/>
+                <a:defRPr sz="2000">
+                  <a:solidFill>
+                    <a:schemeClr val="tx1"/>
+                  </a:solidFill>
+                  <a:latin typeface="Helvetica" charset="0"/>
+                  <a:ea typeface="Arial" charset="0"/>
+                  <a:cs typeface="Arial" charset="0"/>
+                </a:defRPr>
+              </a:lvl9pPr>
+            </a:lstStyle>
+            <a:p>
+              <a:pPr algn="ctr" eaLnBrk="1" hangingPunct="1">
+                <a:spcBef>
+                  <a:spcPct val="0"/>
+                </a:spcBef>
+                <a:buFontTx/>
+                <a:buNone/>
+              </a:pPr>
+              <a:r>
+                <a:rPr lang="en-US" altLang="en-US" sz="2000" dirty="0">
+                  <a:solidFill>
+                    <a:schemeClr val="bg1"/>
+                  </a:solidFill>
+                </a:rPr>
+                <a:t>HT</a:t>
+              </a:r>
+              <a:r>
+                <a:rPr lang="en-US" altLang="en-US" sz="2000" b="0" dirty="0">
+                  <a:solidFill>
+                    <a:schemeClr val="bg1"/>
+                  </a:solidFill>
+                </a:rPr>
+                <a:t>TP</a:t>
+              </a:r>
+            </a:p>
+          </p:txBody>
+        </p:sp>
+        <p:sp>
+          <p:nvSpPr>
+            <p:cNvPr id="32" name="Rectangle 22"/>
+            <p:cNvSpPr>
+              <a:spLocks noChangeArrowheads="1"/>
+            </p:cNvSpPr>
+            <p:nvPr/>
+          </p:nvSpPr>
+          <p:spPr bwMode="auto">
+            <a:xfrm>
+              <a:off x="8984669" y="2511177"/>
+              <a:ext cx="685800" cy="381000"/>
+            </a:xfrm>
+            <a:prstGeom prst="rect">
+              <a:avLst/>
+            </a:prstGeom>
+            <a:solidFill>
+              <a:srgbClr val="FFFFFF"/>
+            </a:solidFill>
+            <a:ln w="9525">
+              <a:solidFill>
+                <a:schemeClr val="tx1"/>
+              </a:solidFill>
+              <a:miter lim="800000"/>
+              <a:headEnd/>
+              <a:tailEnd/>
+            </a:ln>
+          </p:spPr>
+          <p:txBody>
+            <a:bodyPr wrap="none" lIns="91420" tIns="45712" rIns="91420" bIns="45712" anchor="ctr"/>
+            <a:lstStyle>
+              <a:lvl1pPr>
+                <a:spcBef>
+                  <a:spcPct val="50000"/>
+                </a:spcBef>
+                <a:buChar char="•"/>
+                <a:defRPr sz="2800">
+                  <a:solidFill>
+                    <a:srgbClr val="0000FF"/>
+                  </a:solidFill>
+                  <a:latin typeface="Arial" charset="0"/>
+                  <a:ea typeface="ＭＳ Ｐゴシック" charset="-128"/>
+                  <a:cs typeface="Arial" charset="0"/>
+                </a:defRPr>
+              </a:lvl1pPr>
+              <a:lvl2pPr marL="742950" indent="-285750">
+                <a:spcBef>
+                  <a:spcPct val="10000"/>
+                </a:spcBef>
+                <a:buFont typeface="Helvetica" charset="0"/>
+                <a:buChar char="–"/>
+                <a:defRPr sz="2400">
+                  <a:solidFill>
+                    <a:schemeClr val="accent2"/>
+                  </a:solidFill>
+                  <a:latin typeface="Arial" charset="0"/>
+                  <a:ea typeface="Arial" charset="0"/>
+                  <a:cs typeface="Arial" charset="0"/>
+                </a:defRPr>
+              </a:lvl2pPr>
+              <a:lvl3pPr marL="1143000" indent="-228600">
+                <a:spcBef>
+                  <a:spcPct val="10000"/>
+                </a:spcBef>
+                <a:buFont typeface="Wingdings" charset="2"/>
+                <a:buChar char=""/>
+                <a:defRPr sz="2000">
+                  <a:solidFill>
+                    <a:schemeClr val="tx1"/>
+                  </a:solidFill>
+                  <a:latin typeface="Arial" charset="0"/>
+                  <a:ea typeface="Arial" charset="0"/>
+                  <a:cs typeface="Arial" charset="0"/>
+                </a:defRPr>
+              </a:lvl3pPr>
+              <a:lvl4pPr marL="1600200" indent="-228600">
+                <a:spcBef>
+                  <a:spcPct val="10000"/>
+                </a:spcBef>
+                <a:buChar char="•"/>
+                <a:defRPr sz="2000">
+                  <a:solidFill>
+                    <a:schemeClr val="accent2"/>
+                  </a:solidFill>
+                  <a:latin typeface="Helvetica" charset="0"/>
+                  <a:ea typeface="Arial" charset="0"/>
+                  <a:cs typeface="Arial" charset="0"/>
+                </a:defRPr>
+              </a:lvl4pPr>
+              <a:lvl5pPr marL="2057400" indent="-228600">
+                <a:spcBef>
+                  <a:spcPct val="10000"/>
+                </a:spcBef>
+                <a:buChar char="•"/>
+                <a:defRPr sz="2000">
+                  <a:solidFill>
+                    <a:schemeClr val="tx1"/>
+                  </a:solidFill>
+                  <a:latin typeface="Helvetica" charset="0"/>
+                  <a:ea typeface="Arial" charset="0"/>
+                  <a:cs typeface="Arial" charset="0"/>
+                </a:defRPr>
+              </a:lvl5pPr>
+              <a:lvl6pPr marL="2514600" indent="-228600" eaLnBrk="0" fontAlgn="base" hangingPunct="0">
+                <a:spcBef>
+                  <a:spcPct val="10000"/>
+                </a:spcBef>
+                <a:spcAft>
+                  <a:spcPct val="0"/>
+                </a:spcAft>
+                <a:buChar char="•"/>
+                <a:defRPr sz="2000">
+                  <a:solidFill>
+                    <a:schemeClr val="tx1"/>
+                  </a:solidFill>
+                  <a:latin typeface="Helvetica" charset="0"/>
+                  <a:ea typeface="Arial" charset="0"/>
+                  <a:cs typeface="Arial" charset="0"/>
+                </a:defRPr>
+              </a:lvl6pPr>
+              <a:lvl7pPr marL="2971800" indent="-228600" eaLnBrk="0" fontAlgn="base" hangingPunct="0">
+                <a:spcBef>
+                  <a:spcPct val="10000"/>
+                </a:spcBef>
+                <a:spcAft>
+                  <a:spcPct val="0"/>
+                </a:spcAft>
+                <a:buChar char="•"/>
+                <a:defRPr sz="2000">
+                  <a:solidFill>
+                    <a:schemeClr val="tx1"/>
+                  </a:solidFill>
+                  <a:latin typeface="Helvetica" charset="0"/>
+                  <a:ea typeface="Arial" charset="0"/>
+                  <a:cs typeface="Arial" charset="0"/>
+                </a:defRPr>
+              </a:lvl7pPr>
+              <a:lvl8pPr marL="3429000" indent="-228600" eaLnBrk="0" fontAlgn="base" hangingPunct="0">
+                <a:spcBef>
+                  <a:spcPct val="10000"/>
+                </a:spcBef>
+                <a:spcAft>
+                  <a:spcPct val="0"/>
+                </a:spcAft>
+                <a:buChar char="•"/>
+                <a:defRPr sz="2000">
+                  <a:solidFill>
+                    <a:schemeClr val="tx1"/>
+                  </a:solidFill>
+                  <a:latin typeface="Helvetica" charset="0"/>
+                  <a:ea typeface="Arial" charset="0"/>
+                  <a:cs typeface="Arial" charset="0"/>
+                </a:defRPr>
+              </a:lvl8pPr>
+              <a:lvl9pPr marL="3886200" indent="-228600" eaLnBrk="0" fontAlgn="base" hangingPunct="0">
+                <a:spcBef>
+                  <a:spcPct val="10000"/>
+                </a:spcBef>
+                <a:spcAft>
+                  <a:spcPct val="0"/>
+                </a:spcAft>
+                <a:buChar char="•"/>
+                <a:defRPr sz="2000">
+                  <a:solidFill>
+                    <a:schemeClr val="tx1"/>
+                  </a:solidFill>
+                  <a:latin typeface="Helvetica" charset="0"/>
+                  <a:ea typeface="Arial" charset="0"/>
+                  <a:cs typeface="Arial" charset="0"/>
+                </a:defRPr>
+              </a:lvl9pPr>
+            </a:lstStyle>
+            <a:p>
+              <a:pPr algn="ctr" eaLnBrk="1" hangingPunct="1">
+                <a:spcBef>
+                  <a:spcPct val="0"/>
+                </a:spcBef>
+                <a:buFontTx/>
+                <a:buNone/>
+              </a:pPr>
+              <a:r>
+                <a:rPr lang="en-US" altLang="en-US" sz="2000" dirty="0">
+                  <a:solidFill>
+                    <a:srgbClr val="000000"/>
+                  </a:solidFill>
+                </a:rPr>
+                <a:t>F</a:t>
+              </a:r>
+              <a:r>
+                <a:rPr lang="en-US" altLang="en-US" sz="2000" b="0" dirty="0">
+                  <a:solidFill>
+                    <a:srgbClr val="000000"/>
+                  </a:solidFill>
+                </a:rPr>
+                <a:t>TP</a:t>
+              </a:r>
+            </a:p>
+          </p:txBody>
+        </p:sp>
+        <p:sp>
+          <p:nvSpPr>
+            <p:cNvPr id="33" name="Rectangle 23"/>
+            <p:cNvSpPr>
+              <a:spLocks noChangeArrowheads="1"/>
+            </p:cNvSpPr>
+            <p:nvPr/>
+          </p:nvSpPr>
+          <p:spPr bwMode="auto">
+            <a:xfrm>
+              <a:off x="10661069" y="2511177"/>
+              <a:ext cx="685800" cy="381000"/>
+            </a:xfrm>
+            <a:prstGeom prst="rect">
+              <a:avLst/>
+            </a:prstGeom>
+            <a:solidFill>
+              <a:srgbClr val="FFFFFF"/>
+            </a:solidFill>
+            <a:ln w="9525">
+              <a:solidFill>
+                <a:schemeClr val="tx1"/>
+              </a:solidFill>
+              <a:miter lim="800000"/>
+              <a:headEnd/>
+              <a:tailEnd/>
+            </a:ln>
+          </p:spPr>
+          <p:txBody>
+            <a:bodyPr wrap="none" lIns="91420" tIns="45712" rIns="91420" bIns="45712" anchor="ctr"/>
+            <a:lstStyle>
+              <a:lvl1pPr>
+                <a:spcBef>
+                  <a:spcPct val="50000"/>
+                </a:spcBef>
+                <a:buChar char="•"/>
+                <a:defRPr sz="2800">
+                  <a:solidFill>
+                    <a:srgbClr val="0000FF"/>
+                  </a:solidFill>
+                  <a:latin typeface="Arial" charset="0"/>
+                  <a:ea typeface="ＭＳ Ｐゴシック" charset="-128"/>
+                  <a:cs typeface="Arial" charset="0"/>
+                </a:defRPr>
+              </a:lvl1pPr>
+              <a:lvl2pPr marL="742950" indent="-285750">
+                <a:spcBef>
+                  <a:spcPct val="10000"/>
+                </a:spcBef>
+                <a:buFont typeface="Helvetica" charset="0"/>
+                <a:buChar char="–"/>
+                <a:defRPr sz="2400">
+                  <a:solidFill>
+                    <a:schemeClr val="accent2"/>
+                  </a:solidFill>
+                  <a:latin typeface="Arial" charset="0"/>
+                  <a:ea typeface="Arial" charset="0"/>
+                  <a:cs typeface="Arial" charset="0"/>
+                </a:defRPr>
+              </a:lvl2pPr>
+              <a:lvl3pPr marL="1143000" indent="-228600">
+                <a:spcBef>
+                  <a:spcPct val="10000"/>
+                </a:spcBef>
+                <a:buFont typeface="Wingdings" charset="2"/>
+                <a:buChar char=""/>
+                <a:defRPr sz="2000">
+                  <a:solidFill>
+                    <a:schemeClr val="tx1"/>
+                  </a:solidFill>
+                  <a:latin typeface="Arial" charset="0"/>
+                  <a:ea typeface="Arial" charset="0"/>
+                  <a:cs typeface="Arial" charset="0"/>
+                </a:defRPr>
+              </a:lvl3pPr>
+              <a:lvl4pPr marL="1600200" indent="-228600">
+                <a:spcBef>
+                  <a:spcPct val="10000"/>
+                </a:spcBef>
+                <a:buChar char="•"/>
+                <a:defRPr sz="2000">
+                  <a:solidFill>
+                    <a:schemeClr val="accent2"/>
+                  </a:solidFill>
+                  <a:latin typeface="Helvetica" charset="0"/>
+                  <a:ea typeface="Arial" charset="0"/>
+                  <a:cs typeface="Arial" charset="0"/>
+                </a:defRPr>
+              </a:lvl4pPr>
+              <a:lvl5pPr marL="2057400" indent="-228600">
+                <a:spcBef>
+                  <a:spcPct val="10000"/>
+                </a:spcBef>
+                <a:buChar char="•"/>
+                <a:defRPr sz="2000">
+                  <a:solidFill>
+                    <a:schemeClr val="tx1"/>
+                  </a:solidFill>
+                  <a:latin typeface="Helvetica" charset="0"/>
+                  <a:ea typeface="Arial" charset="0"/>
+                  <a:cs typeface="Arial" charset="0"/>
+                </a:defRPr>
+              </a:lvl5pPr>
+              <a:lvl6pPr marL="2514600" indent="-228600" eaLnBrk="0" fontAlgn="base" hangingPunct="0">
+                <a:spcBef>
+                  <a:spcPct val="10000"/>
+                </a:spcBef>
+                <a:spcAft>
+                  <a:spcPct val="0"/>
+                </a:spcAft>
+                <a:buChar char="•"/>
+                <a:defRPr sz="2000">
+                  <a:solidFill>
+                    <a:schemeClr val="tx1"/>
+                  </a:solidFill>
+                  <a:latin typeface="Helvetica" charset="0"/>
+                  <a:ea typeface="Arial" charset="0"/>
+                  <a:cs typeface="Arial" charset="0"/>
+                </a:defRPr>
+              </a:lvl6pPr>
+              <a:lvl7pPr marL="2971800" indent="-228600" eaLnBrk="0" fontAlgn="base" hangingPunct="0">
+                <a:spcBef>
+                  <a:spcPct val="10000"/>
+                </a:spcBef>
+                <a:spcAft>
+                  <a:spcPct val="0"/>
+                </a:spcAft>
+                <a:buChar char="•"/>
+                <a:defRPr sz="2000">
+                  <a:solidFill>
+                    <a:schemeClr val="tx1"/>
+                  </a:solidFill>
+                  <a:latin typeface="Helvetica" charset="0"/>
+                  <a:ea typeface="Arial" charset="0"/>
+                  <a:cs typeface="Arial" charset="0"/>
+                </a:defRPr>
+              </a:lvl7pPr>
+              <a:lvl8pPr marL="3429000" indent="-228600" eaLnBrk="0" fontAlgn="base" hangingPunct="0">
+                <a:spcBef>
+                  <a:spcPct val="10000"/>
+                </a:spcBef>
+                <a:spcAft>
+                  <a:spcPct val="0"/>
+                </a:spcAft>
+                <a:buChar char="•"/>
+                <a:defRPr sz="2000">
+                  <a:solidFill>
+                    <a:schemeClr val="tx1"/>
+                  </a:solidFill>
+                  <a:latin typeface="Helvetica" charset="0"/>
+                  <a:ea typeface="Arial" charset="0"/>
+                  <a:cs typeface="Arial" charset="0"/>
+                </a:defRPr>
+              </a:lvl8pPr>
+              <a:lvl9pPr marL="3886200" indent="-228600" eaLnBrk="0" fontAlgn="base" hangingPunct="0">
+                <a:spcBef>
+                  <a:spcPct val="10000"/>
+                </a:spcBef>
+                <a:spcAft>
+                  <a:spcPct val="0"/>
+                </a:spcAft>
+                <a:buChar char="•"/>
+                <a:defRPr sz="2000">
+                  <a:solidFill>
+                    <a:schemeClr val="tx1"/>
+                  </a:solidFill>
+                  <a:latin typeface="Helvetica" charset="0"/>
+                  <a:ea typeface="Arial" charset="0"/>
+                  <a:cs typeface="Arial" charset="0"/>
+                </a:defRPr>
+              </a:lvl9pPr>
+            </a:lstStyle>
+            <a:p>
+              <a:pPr algn="ctr" eaLnBrk="1" hangingPunct="1">
+                <a:spcBef>
+                  <a:spcPct val="0"/>
+                </a:spcBef>
+                <a:buFontTx/>
+                <a:buNone/>
+              </a:pPr>
+              <a:r>
+                <a:rPr lang="en-US" altLang="en-US" sz="2000" b="0">
+                  <a:solidFill>
+                    <a:srgbClr val="000000"/>
+                  </a:solidFill>
+                </a:rPr>
+                <a:t>TFTP</a:t>
+              </a:r>
+            </a:p>
+          </p:txBody>
+        </p:sp>
+        <p:sp>
+          <p:nvSpPr>
+            <p:cNvPr id="34" name="Rectangle 24"/>
+            <p:cNvSpPr>
+              <a:spLocks noChangeArrowheads="1"/>
+            </p:cNvSpPr>
+            <p:nvPr/>
+          </p:nvSpPr>
+          <p:spPr bwMode="auto">
+            <a:xfrm>
+              <a:off x="9822869" y="2511177"/>
+              <a:ext cx="685800" cy="381000"/>
+            </a:xfrm>
+            <a:prstGeom prst="rect">
+              <a:avLst/>
+            </a:prstGeom>
+            <a:solidFill>
+              <a:srgbClr val="FFFFFF"/>
+            </a:solidFill>
+            <a:ln w="9525">
+              <a:solidFill>
+                <a:schemeClr val="tx1"/>
+              </a:solidFill>
+              <a:miter lim="800000"/>
+              <a:headEnd/>
+              <a:tailEnd/>
+            </a:ln>
+          </p:spPr>
+          <p:txBody>
+            <a:bodyPr wrap="none" lIns="91420" tIns="45712" rIns="91420" bIns="45712" anchor="ctr"/>
+            <a:lstStyle>
+              <a:lvl1pPr>
+                <a:spcBef>
+                  <a:spcPct val="50000"/>
+                </a:spcBef>
+                <a:buChar char="•"/>
+                <a:defRPr sz="2800">
+                  <a:solidFill>
+                    <a:srgbClr val="0000FF"/>
+                  </a:solidFill>
+                  <a:latin typeface="Arial" charset="0"/>
+                  <a:ea typeface="ＭＳ Ｐゴシック" charset="-128"/>
+                  <a:cs typeface="Arial" charset="0"/>
+                </a:defRPr>
+              </a:lvl1pPr>
+              <a:lvl2pPr marL="742950" indent="-285750">
+                <a:spcBef>
+                  <a:spcPct val="10000"/>
+                </a:spcBef>
+                <a:buFont typeface="Helvetica" charset="0"/>
+                <a:buChar char="–"/>
+                <a:defRPr sz="2400">
+                  <a:solidFill>
+                    <a:schemeClr val="accent2"/>
+                  </a:solidFill>
+                  <a:latin typeface="Arial" charset="0"/>
+                  <a:ea typeface="Arial" charset="0"/>
+                  <a:cs typeface="Arial" charset="0"/>
+                </a:defRPr>
+              </a:lvl2pPr>
+              <a:lvl3pPr marL="1143000" indent="-228600">
+                <a:spcBef>
+                  <a:spcPct val="10000"/>
+                </a:spcBef>
+                <a:buFont typeface="Wingdings" charset="2"/>
+                <a:buChar char=""/>
+                <a:defRPr sz="2000">
+                  <a:solidFill>
+                    <a:schemeClr val="tx1"/>
+                  </a:solidFill>
+                  <a:latin typeface="Arial" charset="0"/>
+                  <a:ea typeface="Arial" charset="0"/>
+                  <a:cs typeface="Arial" charset="0"/>
+                </a:defRPr>
+              </a:lvl3pPr>
+              <a:lvl4pPr marL="1600200" indent="-228600">
+                <a:spcBef>
+                  <a:spcPct val="10000"/>
+                </a:spcBef>
+                <a:buChar char="•"/>
+                <a:defRPr sz="2000">
+                  <a:solidFill>
+                    <a:schemeClr val="accent2"/>
+                  </a:solidFill>
+                  <a:latin typeface="Helvetica" charset="0"/>
+                  <a:ea typeface="Arial" charset="0"/>
+                  <a:cs typeface="Arial" charset="0"/>
+                </a:defRPr>
+              </a:lvl4pPr>
+              <a:lvl5pPr marL="2057400" indent="-228600">
+                <a:spcBef>
+                  <a:spcPct val="10000"/>
+                </a:spcBef>
+                <a:buChar char="•"/>
+                <a:defRPr sz="2000">
+                  <a:solidFill>
+                    <a:schemeClr val="tx1"/>
+                  </a:solidFill>
+                  <a:latin typeface="Helvetica" charset="0"/>
+                  <a:ea typeface="Arial" charset="0"/>
+                  <a:cs typeface="Arial" charset="0"/>
+                </a:defRPr>
+              </a:lvl5pPr>
+              <a:lvl6pPr marL="2514600" indent="-228600" eaLnBrk="0" fontAlgn="base" hangingPunct="0">
+                <a:spcBef>
+                  <a:spcPct val="10000"/>
+                </a:spcBef>
+                <a:spcAft>
+                  <a:spcPct val="0"/>
+                </a:spcAft>
+                <a:buChar char="•"/>
+                <a:defRPr sz="2000">
+                  <a:solidFill>
+                    <a:schemeClr val="tx1"/>
+                  </a:solidFill>
+                  <a:latin typeface="Helvetica" charset="0"/>
+                  <a:ea typeface="Arial" charset="0"/>
+                  <a:cs typeface="Arial" charset="0"/>
+                </a:defRPr>
+              </a:lvl6pPr>
+              <a:lvl7pPr marL="2971800" indent="-228600" eaLnBrk="0" fontAlgn="base" hangingPunct="0">
+                <a:spcBef>
+                  <a:spcPct val="10000"/>
+                </a:spcBef>
+                <a:spcAft>
+                  <a:spcPct val="0"/>
+                </a:spcAft>
+                <a:buChar char="•"/>
+                <a:defRPr sz="2000">
+                  <a:solidFill>
+                    <a:schemeClr val="tx1"/>
+                  </a:solidFill>
+                  <a:latin typeface="Helvetica" charset="0"/>
+                  <a:ea typeface="Arial" charset="0"/>
+                  <a:cs typeface="Arial" charset="0"/>
+                </a:defRPr>
+              </a:lvl7pPr>
+              <a:lvl8pPr marL="3429000" indent="-228600" eaLnBrk="0" fontAlgn="base" hangingPunct="0">
+                <a:spcBef>
+                  <a:spcPct val="10000"/>
+                </a:spcBef>
+                <a:spcAft>
+                  <a:spcPct val="0"/>
+                </a:spcAft>
+                <a:buChar char="•"/>
+                <a:defRPr sz="2000">
+                  <a:solidFill>
+                    <a:schemeClr val="tx1"/>
+                  </a:solidFill>
+                  <a:latin typeface="Helvetica" charset="0"/>
+                  <a:ea typeface="Arial" charset="0"/>
+                  <a:cs typeface="Arial" charset="0"/>
+                </a:defRPr>
+              </a:lvl8pPr>
+              <a:lvl9pPr marL="3886200" indent="-228600" eaLnBrk="0" fontAlgn="base" hangingPunct="0">
+                <a:spcBef>
+                  <a:spcPct val="10000"/>
+                </a:spcBef>
+                <a:spcAft>
+                  <a:spcPct val="0"/>
+                </a:spcAft>
+                <a:buChar char="•"/>
+                <a:defRPr sz="2000">
+                  <a:solidFill>
+                    <a:schemeClr val="tx1"/>
+                  </a:solidFill>
+                  <a:latin typeface="Helvetica" charset="0"/>
+                  <a:ea typeface="Arial" charset="0"/>
+                  <a:cs typeface="Arial" charset="0"/>
+                </a:defRPr>
+              </a:lvl9pPr>
+            </a:lstStyle>
+            <a:p>
+              <a:pPr algn="ctr" eaLnBrk="1" hangingPunct="1">
+                <a:spcBef>
+                  <a:spcPct val="0"/>
+                </a:spcBef>
+                <a:buFontTx/>
+                <a:buNone/>
+              </a:pPr>
+              <a:r>
+                <a:rPr lang="en-US" altLang="en-US" sz="2000" b="0">
+                  <a:solidFill>
+                    <a:srgbClr val="000000"/>
+                  </a:solidFill>
+                </a:rPr>
+                <a:t>NV</a:t>
+              </a:r>
+            </a:p>
+          </p:txBody>
+        </p:sp>
+        <p:sp>
+          <p:nvSpPr>
+            <p:cNvPr id="35" name="Rectangle 25"/>
+            <p:cNvSpPr>
+              <a:spLocks noChangeArrowheads="1"/>
+            </p:cNvSpPr>
+            <p:nvPr/>
+          </p:nvSpPr>
+          <p:spPr bwMode="auto">
+            <a:xfrm>
+              <a:off x="8527469" y="3196977"/>
+              <a:ext cx="685800" cy="381000"/>
+            </a:xfrm>
+            <a:prstGeom prst="rect">
+              <a:avLst/>
+            </a:prstGeom>
+            <a:solidFill>
+              <a:schemeClr val="accent2"/>
+            </a:solidFill>
+            <a:ln w="9525">
+              <a:solidFill>
+                <a:schemeClr val="tx1"/>
+              </a:solidFill>
+              <a:miter lim="800000"/>
+              <a:headEnd/>
+              <a:tailEnd/>
+            </a:ln>
+          </p:spPr>
+          <p:txBody>
+            <a:bodyPr wrap="none" lIns="91420" tIns="45712" rIns="91420" bIns="45712" anchor="ctr"/>
+            <a:lstStyle>
+              <a:lvl1pPr>
+                <a:spcBef>
+                  <a:spcPct val="50000"/>
+                </a:spcBef>
+                <a:buChar char="•"/>
+                <a:defRPr sz="2800">
+                  <a:solidFill>
+                    <a:srgbClr val="0000FF"/>
+                  </a:solidFill>
+                  <a:latin typeface="Arial" charset="0"/>
+                  <a:ea typeface="ＭＳ Ｐゴシック" charset="-128"/>
+                  <a:cs typeface="Arial" charset="0"/>
+                </a:defRPr>
+              </a:lvl1pPr>
+              <a:lvl2pPr marL="742950" indent="-285750">
+                <a:spcBef>
+                  <a:spcPct val="10000"/>
+                </a:spcBef>
+                <a:buFont typeface="Helvetica" charset="0"/>
+                <a:buChar char="–"/>
+                <a:defRPr sz="2400">
+                  <a:solidFill>
+                    <a:schemeClr val="accent2"/>
+                  </a:solidFill>
+                  <a:latin typeface="Arial" charset="0"/>
+                  <a:ea typeface="Arial" charset="0"/>
+                  <a:cs typeface="Arial" charset="0"/>
+                </a:defRPr>
+              </a:lvl2pPr>
+              <a:lvl3pPr marL="1143000" indent="-228600">
+                <a:spcBef>
+                  <a:spcPct val="10000"/>
+                </a:spcBef>
+                <a:buFont typeface="Wingdings" charset="2"/>
+                <a:buChar char=""/>
+                <a:defRPr sz="2000">
+                  <a:solidFill>
+                    <a:schemeClr val="tx1"/>
+                  </a:solidFill>
+                  <a:latin typeface="Arial" charset="0"/>
+                  <a:ea typeface="Arial" charset="0"/>
+                  <a:cs typeface="Arial" charset="0"/>
+                </a:defRPr>
+              </a:lvl3pPr>
+              <a:lvl4pPr marL="1600200" indent="-228600">
+                <a:spcBef>
+                  <a:spcPct val="10000"/>
+                </a:spcBef>
+                <a:buChar char="•"/>
+                <a:defRPr sz="2000">
+                  <a:solidFill>
+                    <a:schemeClr val="accent2"/>
+                  </a:solidFill>
+                  <a:latin typeface="Helvetica" charset="0"/>
+                  <a:ea typeface="Arial" charset="0"/>
+                  <a:cs typeface="Arial" charset="0"/>
+                </a:defRPr>
+              </a:lvl4pPr>
+              <a:lvl5pPr marL="2057400" indent="-228600">
+                <a:spcBef>
+                  <a:spcPct val="10000"/>
+                </a:spcBef>
+                <a:buChar char="•"/>
+                <a:defRPr sz="2000">
+                  <a:solidFill>
+                    <a:schemeClr val="tx1"/>
+                  </a:solidFill>
+                  <a:latin typeface="Helvetica" charset="0"/>
+                  <a:ea typeface="Arial" charset="0"/>
+                  <a:cs typeface="Arial" charset="0"/>
+                </a:defRPr>
+              </a:lvl5pPr>
+              <a:lvl6pPr marL="2514600" indent="-228600" eaLnBrk="0" fontAlgn="base" hangingPunct="0">
+                <a:spcBef>
+                  <a:spcPct val="10000"/>
+                </a:spcBef>
+                <a:spcAft>
+                  <a:spcPct val="0"/>
+                </a:spcAft>
+                <a:buChar char="•"/>
+                <a:defRPr sz="2000">
+                  <a:solidFill>
+                    <a:schemeClr val="tx1"/>
+                  </a:solidFill>
+                  <a:latin typeface="Helvetica" charset="0"/>
+                  <a:ea typeface="Arial" charset="0"/>
+                  <a:cs typeface="Arial" charset="0"/>
+                </a:defRPr>
+              </a:lvl6pPr>
+              <a:lvl7pPr marL="2971800" indent="-228600" eaLnBrk="0" fontAlgn="base" hangingPunct="0">
+                <a:spcBef>
+                  <a:spcPct val="10000"/>
+                </a:spcBef>
+                <a:spcAft>
+                  <a:spcPct val="0"/>
+                </a:spcAft>
+                <a:buChar char="•"/>
+                <a:defRPr sz="2000">
+                  <a:solidFill>
+                    <a:schemeClr val="tx1"/>
+                  </a:solidFill>
+                  <a:latin typeface="Helvetica" charset="0"/>
+                  <a:ea typeface="Arial" charset="0"/>
+                  <a:cs typeface="Arial" charset="0"/>
+                </a:defRPr>
+              </a:lvl7pPr>
+              <a:lvl8pPr marL="3429000" indent="-228600" eaLnBrk="0" fontAlgn="base" hangingPunct="0">
+                <a:spcBef>
+                  <a:spcPct val="10000"/>
+                </a:spcBef>
+                <a:spcAft>
+                  <a:spcPct val="0"/>
+                </a:spcAft>
+                <a:buChar char="•"/>
+                <a:defRPr sz="2000">
+                  <a:solidFill>
+                    <a:schemeClr val="tx1"/>
+                  </a:solidFill>
+                  <a:latin typeface="Helvetica" charset="0"/>
+                  <a:ea typeface="Arial" charset="0"/>
+                  <a:cs typeface="Arial" charset="0"/>
+                </a:defRPr>
+              </a:lvl8pPr>
+              <a:lvl9pPr marL="3886200" indent="-228600" eaLnBrk="0" fontAlgn="base" hangingPunct="0">
+                <a:spcBef>
+                  <a:spcPct val="10000"/>
+                </a:spcBef>
+                <a:spcAft>
+                  <a:spcPct val="0"/>
+                </a:spcAft>
+                <a:buChar char="•"/>
+                <a:defRPr sz="2000">
+                  <a:solidFill>
+                    <a:schemeClr val="tx1"/>
+                  </a:solidFill>
+                  <a:latin typeface="Helvetica" charset="0"/>
+                  <a:ea typeface="Arial" charset="0"/>
+                  <a:cs typeface="Arial" charset="0"/>
+                </a:defRPr>
+              </a:lvl9pPr>
+            </a:lstStyle>
+            <a:p>
+              <a:pPr algn="ctr" eaLnBrk="1" hangingPunct="1">
+                <a:spcBef>
+                  <a:spcPct val="0"/>
+                </a:spcBef>
+                <a:buFontTx/>
+                <a:buNone/>
+              </a:pPr>
+              <a:r>
+                <a:rPr lang="en-US" altLang="en-US" sz="2000" b="0">
+                  <a:solidFill>
+                    <a:schemeClr val="bg1"/>
+                  </a:solidFill>
+                </a:rPr>
+                <a:t>TCP</a:t>
+              </a:r>
+            </a:p>
+          </p:txBody>
+        </p:sp>
+        <p:sp>
+          <p:nvSpPr>
+            <p:cNvPr id="36" name="Rectangle 26"/>
+            <p:cNvSpPr>
+              <a:spLocks noChangeArrowheads="1"/>
+            </p:cNvSpPr>
+            <p:nvPr/>
+          </p:nvSpPr>
+          <p:spPr bwMode="auto">
+            <a:xfrm>
+              <a:off x="10280069" y="3196977"/>
+              <a:ext cx="685800" cy="381000"/>
+            </a:xfrm>
+            <a:prstGeom prst="rect">
+              <a:avLst/>
+            </a:prstGeom>
+            <a:solidFill>
+              <a:srgbClr val="FFFFFF"/>
+            </a:solidFill>
+            <a:ln w="9525">
+              <a:solidFill>
+                <a:schemeClr val="tx1"/>
+              </a:solidFill>
+              <a:miter lim="800000"/>
+              <a:headEnd/>
+              <a:tailEnd/>
+            </a:ln>
+          </p:spPr>
+          <p:txBody>
+            <a:bodyPr wrap="none" lIns="91420" tIns="45712" rIns="91420" bIns="45712" anchor="ctr"/>
+            <a:lstStyle>
+              <a:lvl1pPr>
+                <a:spcBef>
+                  <a:spcPct val="50000"/>
+                </a:spcBef>
+                <a:buChar char="•"/>
+                <a:defRPr sz="2800">
+                  <a:solidFill>
+                    <a:srgbClr val="0000FF"/>
+                  </a:solidFill>
+                  <a:latin typeface="Arial" charset="0"/>
+                  <a:ea typeface="ＭＳ Ｐゴシック" charset="-128"/>
+                  <a:cs typeface="Arial" charset="0"/>
+                </a:defRPr>
+              </a:lvl1pPr>
+              <a:lvl2pPr marL="742950" indent="-285750">
+                <a:spcBef>
+                  <a:spcPct val="10000"/>
+                </a:spcBef>
+                <a:buFont typeface="Helvetica" charset="0"/>
+                <a:buChar char="–"/>
+                <a:defRPr sz="2400">
+                  <a:solidFill>
+                    <a:schemeClr val="accent2"/>
+                  </a:solidFill>
+                  <a:latin typeface="Arial" charset="0"/>
+                  <a:ea typeface="Arial" charset="0"/>
+                  <a:cs typeface="Arial" charset="0"/>
+                </a:defRPr>
+              </a:lvl2pPr>
+              <a:lvl3pPr marL="1143000" indent="-228600">
+                <a:spcBef>
+                  <a:spcPct val="10000"/>
+                </a:spcBef>
+                <a:buFont typeface="Wingdings" charset="2"/>
+                <a:buChar char=""/>
+                <a:defRPr sz="2000">
+                  <a:solidFill>
+                    <a:schemeClr val="tx1"/>
+                  </a:solidFill>
+                  <a:latin typeface="Arial" charset="0"/>
+                  <a:ea typeface="Arial" charset="0"/>
+                  <a:cs typeface="Arial" charset="0"/>
+                </a:defRPr>
+              </a:lvl3pPr>
+              <a:lvl4pPr marL="1600200" indent="-228600">
+                <a:spcBef>
+                  <a:spcPct val="10000"/>
+                </a:spcBef>
+                <a:buChar char="•"/>
+                <a:defRPr sz="2000">
+                  <a:solidFill>
+                    <a:schemeClr val="accent2"/>
+                  </a:solidFill>
+                  <a:latin typeface="Helvetica" charset="0"/>
+                  <a:ea typeface="Arial" charset="0"/>
+                  <a:cs typeface="Arial" charset="0"/>
+                </a:defRPr>
+              </a:lvl4pPr>
+              <a:lvl5pPr marL="2057400" indent="-228600">
+                <a:spcBef>
+                  <a:spcPct val="10000"/>
+                </a:spcBef>
+                <a:buChar char="•"/>
+                <a:defRPr sz="2000">
+                  <a:solidFill>
+                    <a:schemeClr val="tx1"/>
+                  </a:solidFill>
+                  <a:latin typeface="Helvetica" charset="0"/>
+                  <a:ea typeface="Arial" charset="0"/>
+                  <a:cs typeface="Arial" charset="0"/>
+                </a:defRPr>
+              </a:lvl5pPr>
+              <a:lvl6pPr marL="2514600" indent="-228600" eaLnBrk="0" fontAlgn="base" hangingPunct="0">
+                <a:spcBef>
+                  <a:spcPct val="10000"/>
+                </a:spcBef>
+                <a:spcAft>
+                  <a:spcPct val="0"/>
+                </a:spcAft>
+                <a:buChar char="•"/>
+                <a:defRPr sz="2000">
+                  <a:solidFill>
+                    <a:schemeClr val="tx1"/>
+                  </a:solidFill>
+                  <a:latin typeface="Helvetica" charset="0"/>
+                  <a:ea typeface="Arial" charset="0"/>
+                  <a:cs typeface="Arial" charset="0"/>
+                </a:defRPr>
+              </a:lvl6pPr>
+              <a:lvl7pPr marL="2971800" indent="-228600" eaLnBrk="0" fontAlgn="base" hangingPunct="0">
+                <a:spcBef>
+                  <a:spcPct val="10000"/>
+                </a:spcBef>
+                <a:spcAft>
+                  <a:spcPct val="0"/>
+                </a:spcAft>
+                <a:buChar char="•"/>
+                <a:defRPr sz="2000">
+                  <a:solidFill>
+                    <a:schemeClr val="tx1"/>
+                  </a:solidFill>
+                  <a:latin typeface="Helvetica" charset="0"/>
+                  <a:ea typeface="Arial" charset="0"/>
+                  <a:cs typeface="Arial" charset="0"/>
+                </a:defRPr>
+              </a:lvl7pPr>
+              <a:lvl8pPr marL="3429000" indent="-228600" eaLnBrk="0" fontAlgn="base" hangingPunct="0">
+                <a:spcBef>
+                  <a:spcPct val="10000"/>
+                </a:spcBef>
+                <a:spcAft>
+                  <a:spcPct val="0"/>
+                </a:spcAft>
+                <a:buChar char="•"/>
+                <a:defRPr sz="2000">
+                  <a:solidFill>
+                    <a:schemeClr val="tx1"/>
+                  </a:solidFill>
+                  <a:latin typeface="Helvetica" charset="0"/>
+                  <a:ea typeface="Arial" charset="0"/>
+                  <a:cs typeface="Arial" charset="0"/>
+                </a:defRPr>
+              </a:lvl8pPr>
+              <a:lvl9pPr marL="3886200" indent="-228600" eaLnBrk="0" fontAlgn="base" hangingPunct="0">
+                <a:spcBef>
+                  <a:spcPct val="10000"/>
+                </a:spcBef>
+                <a:spcAft>
+                  <a:spcPct val="0"/>
+                </a:spcAft>
+                <a:buChar char="•"/>
+                <a:defRPr sz="2000">
+                  <a:solidFill>
+                    <a:schemeClr val="tx1"/>
+                  </a:solidFill>
+                  <a:latin typeface="Helvetica" charset="0"/>
+                  <a:ea typeface="Arial" charset="0"/>
+                  <a:cs typeface="Arial" charset="0"/>
+                </a:defRPr>
+              </a:lvl9pPr>
+            </a:lstStyle>
+            <a:p>
+              <a:pPr algn="ctr" eaLnBrk="1" hangingPunct="1">
+                <a:spcBef>
+                  <a:spcPct val="0"/>
+                </a:spcBef>
+                <a:buFontTx/>
+                <a:buNone/>
+              </a:pPr>
+              <a:r>
+                <a:rPr lang="en-US" altLang="en-US" sz="2000" b="0">
+                  <a:solidFill>
+                    <a:srgbClr val="000000"/>
+                  </a:solidFill>
+                </a:rPr>
+                <a:t>UDP</a:t>
+              </a:r>
+            </a:p>
+          </p:txBody>
+        </p:sp>
+        <p:sp>
+          <p:nvSpPr>
+            <p:cNvPr id="37" name="Rectangle 27"/>
+            <p:cNvSpPr>
+              <a:spLocks noChangeArrowheads="1"/>
+            </p:cNvSpPr>
+            <p:nvPr/>
+          </p:nvSpPr>
+          <p:spPr bwMode="auto">
+            <a:xfrm>
+              <a:off x="9441869" y="3958977"/>
+              <a:ext cx="685800" cy="381000"/>
+            </a:xfrm>
+            <a:prstGeom prst="rect">
+              <a:avLst/>
+            </a:prstGeom>
+            <a:solidFill>
+              <a:schemeClr val="accent1"/>
+            </a:solidFill>
+            <a:ln w="9525">
+              <a:solidFill>
+                <a:schemeClr val="tx1"/>
+              </a:solidFill>
+              <a:miter lim="800000"/>
+              <a:headEnd/>
+              <a:tailEnd/>
+            </a:ln>
+          </p:spPr>
+          <p:txBody>
+            <a:bodyPr wrap="none" lIns="91420" tIns="45712" rIns="91420" bIns="45712" anchor="ctr"/>
+            <a:lstStyle>
+              <a:lvl1pPr>
+                <a:spcBef>
+                  <a:spcPct val="50000"/>
+                </a:spcBef>
+                <a:buChar char="•"/>
+                <a:defRPr sz="2800">
+                  <a:solidFill>
+                    <a:srgbClr val="0000FF"/>
+                  </a:solidFill>
+                  <a:latin typeface="Arial" charset="0"/>
+                  <a:ea typeface="ＭＳ Ｐゴシック" charset="-128"/>
+                  <a:cs typeface="Arial" charset="0"/>
+                </a:defRPr>
+              </a:lvl1pPr>
+              <a:lvl2pPr marL="742950" indent="-285750">
+                <a:spcBef>
+                  <a:spcPct val="10000"/>
+                </a:spcBef>
+                <a:buFont typeface="Helvetica" charset="0"/>
+                <a:buChar char="–"/>
+                <a:defRPr sz="2400">
+                  <a:solidFill>
+                    <a:schemeClr val="accent2"/>
+                  </a:solidFill>
+                  <a:latin typeface="Arial" charset="0"/>
+                  <a:ea typeface="Arial" charset="0"/>
+                  <a:cs typeface="Arial" charset="0"/>
+                </a:defRPr>
+              </a:lvl2pPr>
+              <a:lvl3pPr marL="1143000" indent="-228600">
+                <a:spcBef>
+                  <a:spcPct val="10000"/>
+                </a:spcBef>
+                <a:buFont typeface="Wingdings" charset="2"/>
+                <a:buChar char=""/>
+                <a:defRPr sz="2000">
+                  <a:solidFill>
+                    <a:schemeClr val="tx1"/>
+                  </a:solidFill>
+                  <a:latin typeface="Arial" charset="0"/>
+                  <a:ea typeface="Arial" charset="0"/>
+                  <a:cs typeface="Arial" charset="0"/>
+                </a:defRPr>
+              </a:lvl3pPr>
+              <a:lvl4pPr marL="1600200" indent="-228600">
+                <a:spcBef>
+                  <a:spcPct val="10000"/>
+                </a:spcBef>
+                <a:buChar char="•"/>
+                <a:defRPr sz="2000">
+                  <a:solidFill>
+                    <a:schemeClr val="accent2"/>
+                  </a:solidFill>
+                  <a:latin typeface="Helvetica" charset="0"/>
+                  <a:ea typeface="Arial" charset="0"/>
+                  <a:cs typeface="Arial" charset="0"/>
+                </a:defRPr>
+              </a:lvl4pPr>
+              <a:lvl5pPr marL="2057400" indent="-228600">
+                <a:spcBef>
+                  <a:spcPct val="10000"/>
+                </a:spcBef>
+                <a:buChar char="•"/>
+                <a:defRPr sz="2000">
+                  <a:solidFill>
+                    <a:schemeClr val="tx1"/>
+                  </a:solidFill>
+                  <a:latin typeface="Helvetica" charset="0"/>
+                  <a:ea typeface="Arial" charset="0"/>
+                  <a:cs typeface="Arial" charset="0"/>
+                </a:defRPr>
+              </a:lvl5pPr>
+              <a:lvl6pPr marL="2514600" indent="-228600" eaLnBrk="0" fontAlgn="base" hangingPunct="0">
+                <a:spcBef>
+                  <a:spcPct val="10000"/>
+                </a:spcBef>
+                <a:spcAft>
+                  <a:spcPct val="0"/>
+                </a:spcAft>
+                <a:buChar char="•"/>
+                <a:defRPr sz="2000">
+                  <a:solidFill>
+                    <a:schemeClr val="tx1"/>
+                  </a:solidFill>
+                  <a:latin typeface="Helvetica" charset="0"/>
+                  <a:ea typeface="Arial" charset="0"/>
+                  <a:cs typeface="Arial" charset="0"/>
+                </a:defRPr>
+              </a:lvl6pPr>
+              <a:lvl7pPr marL="2971800" indent="-228600" eaLnBrk="0" fontAlgn="base" hangingPunct="0">
+                <a:spcBef>
+                  <a:spcPct val="10000"/>
+                </a:spcBef>
+                <a:spcAft>
+                  <a:spcPct val="0"/>
+                </a:spcAft>
+                <a:buChar char="•"/>
+                <a:defRPr sz="2000">
+                  <a:solidFill>
+                    <a:schemeClr val="tx1"/>
+                  </a:solidFill>
+                  <a:latin typeface="Helvetica" charset="0"/>
+                  <a:ea typeface="Arial" charset="0"/>
+                  <a:cs typeface="Arial" charset="0"/>
+                </a:defRPr>
+              </a:lvl7pPr>
+              <a:lvl8pPr marL="3429000" indent="-228600" eaLnBrk="0" fontAlgn="base" hangingPunct="0">
+                <a:spcBef>
+                  <a:spcPct val="10000"/>
+                </a:spcBef>
+                <a:spcAft>
+                  <a:spcPct val="0"/>
+                </a:spcAft>
+                <a:buChar char="•"/>
+                <a:defRPr sz="2000">
+                  <a:solidFill>
+                    <a:schemeClr val="tx1"/>
+                  </a:solidFill>
+                  <a:latin typeface="Helvetica" charset="0"/>
+                  <a:ea typeface="Arial" charset="0"/>
+                  <a:cs typeface="Arial" charset="0"/>
+                </a:defRPr>
+              </a:lvl8pPr>
+              <a:lvl9pPr marL="3886200" indent="-228600" eaLnBrk="0" fontAlgn="base" hangingPunct="0">
+                <a:spcBef>
+                  <a:spcPct val="10000"/>
+                </a:spcBef>
+                <a:spcAft>
+                  <a:spcPct val="0"/>
+                </a:spcAft>
+                <a:buChar char="•"/>
+                <a:defRPr sz="2000">
+                  <a:solidFill>
+                    <a:schemeClr val="tx1"/>
+                  </a:solidFill>
+                  <a:latin typeface="Helvetica" charset="0"/>
+                  <a:ea typeface="Arial" charset="0"/>
+                  <a:cs typeface="Arial" charset="0"/>
+                </a:defRPr>
+              </a:lvl9pPr>
+            </a:lstStyle>
+            <a:p>
+              <a:pPr algn="ctr" eaLnBrk="1" hangingPunct="1">
+                <a:spcBef>
+                  <a:spcPct val="0"/>
+                </a:spcBef>
+                <a:buFontTx/>
+                <a:buNone/>
+              </a:pPr>
+              <a:r>
+                <a:rPr lang="en-US" altLang="en-US" sz="2000" b="0">
+                  <a:solidFill>
+                    <a:schemeClr val="bg1"/>
+                  </a:solidFill>
+                </a:rPr>
+                <a:t>IP</a:t>
+              </a:r>
+            </a:p>
+          </p:txBody>
+        </p:sp>
+        <p:sp>
+          <p:nvSpPr>
+            <p:cNvPr id="38" name="Rectangle 28"/>
+            <p:cNvSpPr>
+              <a:spLocks noChangeArrowheads="1"/>
+            </p:cNvSpPr>
+            <p:nvPr/>
+          </p:nvSpPr>
+          <p:spPr bwMode="auto">
+            <a:xfrm>
+              <a:off x="8070269" y="4720977"/>
+              <a:ext cx="685800" cy="381000"/>
+            </a:xfrm>
+            <a:prstGeom prst="rect">
+              <a:avLst/>
+            </a:prstGeom>
+            <a:solidFill>
+              <a:schemeClr val="folHlink"/>
+            </a:solidFill>
+            <a:ln w="9525">
+              <a:solidFill>
+                <a:schemeClr val="tx1"/>
+              </a:solidFill>
+              <a:miter lim="800000"/>
+              <a:headEnd/>
+              <a:tailEnd/>
+            </a:ln>
+          </p:spPr>
+          <p:txBody>
+            <a:bodyPr wrap="none" lIns="91420" tIns="45712" rIns="91420" bIns="45712" anchor="ctr"/>
+            <a:lstStyle>
+              <a:lvl1pPr>
+                <a:spcBef>
+                  <a:spcPct val="50000"/>
+                </a:spcBef>
+                <a:buChar char="•"/>
+                <a:defRPr sz="2800">
+                  <a:solidFill>
+                    <a:srgbClr val="0000FF"/>
+                  </a:solidFill>
+                  <a:latin typeface="Arial" charset="0"/>
+                  <a:ea typeface="ＭＳ Ｐゴシック" charset="-128"/>
+                  <a:cs typeface="Arial" charset="0"/>
+                </a:defRPr>
+              </a:lvl1pPr>
+              <a:lvl2pPr marL="742950" indent="-285750">
+                <a:spcBef>
+                  <a:spcPct val="10000"/>
+                </a:spcBef>
+                <a:buFont typeface="Helvetica" charset="0"/>
+                <a:buChar char="–"/>
+                <a:defRPr sz="2400">
+                  <a:solidFill>
+                    <a:schemeClr val="accent2"/>
+                  </a:solidFill>
+                  <a:latin typeface="Arial" charset="0"/>
+                  <a:ea typeface="Arial" charset="0"/>
+                  <a:cs typeface="Arial" charset="0"/>
+                </a:defRPr>
+              </a:lvl2pPr>
+              <a:lvl3pPr marL="1143000" indent="-228600">
+                <a:spcBef>
+                  <a:spcPct val="10000"/>
+                </a:spcBef>
+                <a:buFont typeface="Wingdings" charset="2"/>
+                <a:buChar char=""/>
+                <a:defRPr sz="2000">
+                  <a:solidFill>
+                    <a:schemeClr val="tx1"/>
+                  </a:solidFill>
+                  <a:latin typeface="Arial" charset="0"/>
+                  <a:ea typeface="Arial" charset="0"/>
+                  <a:cs typeface="Arial" charset="0"/>
+                </a:defRPr>
+              </a:lvl3pPr>
+              <a:lvl4pPr marL="1600200" indent="-228600">
+                <a:spcBef>
+                  <a:spcPct val="10000"/>
+                </a:spcBef>
+                <a:buChar char="•"/>
+                <a:defRPr sz="2000">
+                  <a:solidFill>
+                    <a:schemeClr val="accent2"/>
+                  </a:solidFill>
+                  <a:latin typeface="Helvetica" charset="0"/>
+                  <a:ea typeface="Arial" charset="0"/>
+                  <a:cs typeface="Arial" charset="0"/>
+                </a:defRPr>
+              </a:lvl4pPr>
+              <a:lvl5pPr marL="2057400" indent="-228600">
+                <a:spcBef>
+                  <a:spcPct val="10000"/>
+                </a:spcBef>
+                <a:buChar char="•"/>
+                <a:defRPr sz="2000">
+                  <a:solidFill>
+                    <a:schemeClr val="tx1"/>
+                  </a:solidFill>
+                  <a:latin typeface="Helvetica" charset="0"/>
+                  <a:ea typeface="Arial" charset="0"/>
+                  <a:cs typeface="Arial" charset="0"/>
+                </a:defRPr>
+              </a:lvl5pPr>
+              <a:lvl6pPr marL="2514600" indent="-228600" eaLnBrk="0" fontAlgn="base" hangingPunct="0">
+                <a:spcBef>
+                  <a:spcPct val="10000"/>
+                </a:spcBef>
+                <a:spcAft>
+                  <a:spcPct val="0"/>
+                </a:spcAft>
+                <a:buChar char="•"/>
+                <a:defRPr sz="2000">
+                  <a:solidFill>
+                    <a:schemeClr val="tx1"/>
+                  </a:solidFill>
+                  <a:latin typeface="Helvetica" charset="0"/>
+                  <a:ea typeface="Arial" charset="0"/>
+                  <a:cs typeface="Arial" charset="0"/>
+                </a:defRPr>
+              </a:lvl6pPr>
+              <a:lvl7pPr marL="2971800" indent="-228600" eaLnBrk="0" fontAlgn="base" hangingPunct="0">
+                <a:spcBef>
+                  <a:spcPct val="10000"/>
+                </a:spcBef>
+                <a:spcAft>
+                  <a:spcPct val="0"/>
+                </a:spcAft>
+                <a:buChar char="•"/>
+                <a:defRPr sz="2000">
+                  <a:solidFill>
+                    <a:schemeClr val="tx1"/>
+                  </a:solidFill>
+                  <a:latin typeface="Helvetica" charset="0"/>
+                  <a:ea typeface="Arial" charset="0"/>
+                  <a:cs typeface="Arial" charset="0"/>
+                </a:defRPr>
+              </a:lvl7pPr>
+              <a:lvl8pPr marL="3429000" indent="-228600" eaLnBrk="0" fontAlgn="base" hangingPunct="0">
+                <a:spcBef>
+                  <a:spcPct val="10000"/>
+                </a:spcBef>
+                <a:spcAft>
+                  <a:spcPct val="0"/>
+                </a:spcAft>
+                <a:buChar char="•"/>
+                <a:defRPr sz="2000">
+                  <a:solidFill>
+                    <a:schemeClr val="tx1"/>
+                  </a:solidFill>
+                  <a:latin typeface="Helvetica" charset="0"/>
+                  <a:ea typeface="Arial" charset="0"/>
+                  <a:cs typeface="Arial" charset="0"/>
+                </a:defRPr>
+              </a:lvl8pPr>
+              <a:lvl9pPr marL="3886200" indent="-228600" eaLnBrk="0" fontAlgn="base" hangingPunct="0">
+                <a:spcBef>
+                  <a:spcPct val="10000"/>
+                </a:spcBef>
+                <a:spcAft>
+                  <a:spcPct val="0"/>
+                </a:spcAft>
+                <a:buChar char="•"/>
+                <a:defRPr sz="2000">
+                  <a:solidFill>
+                    <a:schemeClr val="tx1"/>
+                  </a:solidFill>
+                  <a:latin typeface="Helvetica" charset="0"/>
+                  <a:ea typeface="Arial" charset="0"/>
+                  <a:cs typeface="Arial" charset="0"/>
+                </a:defRPr>
+              </a:lvl9pPr>
+            </a:lstStyle>
+            <a:p>
+              <a:pPr algn="ctr" eaLnBrk="1" hangingPunct="1">
+                <a:spcBef>
+                  <a:spcPct val="0"/>
+                </a:spcBef>
+                <a:buFontTx/>
+                <a:buNone/>
+              </a:pPr>
+              <a:r>
+                <a:rPr lang="en-US" altLang="en-US" sz="2000" b="0" dirty="0">
+                  <a:solidFill>
+                    <a:schemeClr val="bg1"/>
+                  </a:solidFill>
+                </a:rPr>
+                <a:t>Ether</a:t>
+              </a:r>
+              <a:endParaRPr lang="en-US" altLang="en-US" sz="2000" b="0" baseline="-25000" dirty="0">
+                <a:solidFill>
+                  <a:schemeClr val="bg1"/>
+                </a:solidFill>
+              </a:endParaRPr>
+            </a:p>
+          </p:txBody>
+        </p:sp>
+        <p:sp>
+          <p:nvSpPr>
+            <p:cNvPr id="39" name="Rectangle 29"/>
+            <p:cNvSpPr>
+              <a:spLocks noChangeArrowheads="1"/>
+            </p:cNvSpPr>
+            <p:nvPr/>
+          </p:nvSpPr>
+          <p:spPr bwMode="auto">
+            <a:xfrm>
+              <a:off x="9213269" y="4720977"/>
+              <a:ext cx="685800" cy="381000"/>
+            </a:xfrm>
+            <a:prstGeom prst="rect">
+              <a:avLst/>
+            </a:prstGeom>
+            <a:solidFill>
+              <a:srgbClr val="FFFFFF"/>
+            </a:solidFill>
+            <a:ln w="9525">
+              <a:solidFill>
+                <a:schemeClr val="tx1"/>
+              </a:solidFill>
+              <a:miter lim="800000"/>
+              <a:headEnd/>
+              <a:tailEnd/>
+            </a:ln>
+          </p:spPr>
+          <p:txBody>
+            <a:bodyPr wrap="none" lIns="91420" tIns="45712" rIns="91420" bIns="45712" anchor="ctr"/>
+            <a:lstStyle>
+              <a:lvl1pPr>
+                <a:spcBef>
+                  <a:spcPct val="50000"/>
+                </a:spcBef>
+                <a:buChar char="•"/>
+                <a:defRPr sz="2800">
+                  <a:solidFill>
+                    <a:srgbClr val="0000FF"/>
+                  </a:solidFill>
+                  <a:latin typeface="Arial" charset="0"/>
+                  <a:ea typeface="ＭＳ Ｐゴシック" charset="-128"/>
+                  <a:cs typeface="Arial" charset="0"/>
+                </a:defRPr>
+              </a:lvl1pPr>
+              <a:lvl2pPr marL="742950" indent="-285750">
+                <a:spcBef>
+                  <a:spcPct val="10000"/>
+                </a:spcBef>
+                <a:buFont typeface="Helvetica" charset="0"/>
+                <a:buChar char="–"/>
+                <a:defRPr sz="2400">
+                  <a:solidFill>
+                    <a:schemeClr val="accent2"/>
+                  </a:solidFill>
+                  <a:latin typeface="Arial" charset="0"/>
+                  <a:ea typeface="Arial" charset="0"/>
+                  <a:cs typeface="Arial" charset="0"/>
+                </a:defRPr>
+              </a:lvl2pPr>
+              <a:lvl3pPr marL="1143000" indent="-228600">
+                <a:spcBef>
+                  <a:spcPct val="10000"/>
+                </a:spcBef>
+                <a:buFont typeface="Wingdings" charset="2"/>
+                <a:buChar char=""/>
+                <a:defRPr sz="2000">
+                  <a:solidFill>
+                    <a:schemeClr val="tx1"/>
+                  </a:solidFill>
+                  <a:latin typeface="Arial" charset="0"/>
+                  <a:ea typeface="Arial" charset="0"/>
+                  <a:cs typeface="Arial" charset="0"/>
+                </a:defRPr>
+              </a:lvl3pPr>
+              <a:lvl4pPr marL="1600200" indent="-228600">
+                <a:spcBef>
+                  <a:spcPct val="10000"/>
+                </a:spcBef>
+                <a:buChar char="•"/>
+                <a:defRPr sz="2000">
+                  <a:solidFill>
+                    <a:schemeClr val="accent2"/>
+                  </a:solidFill>
+                  <a:latin typeface="Helvetica" charset="0"/>
+                  <a:ea typeface="Arial" charset="0"/>
+                  <a:cs typeface="Arial" charset="0"/>
+                </a:defRPr>
+              </a:lvl4pPr>
+              <a:lvl5pPr marL="2057400" indent="-228600">
+                <a:spcBef>
+                  <a:spcPct val="10000"/>
+                </a:spcBef>
+                <a:buChar char="•"/>
+                <a:defRPr sz="2000">
+                  <a:solidFill>
+                    <a:schemeClr val="tx1"/>
+                  </a:solidFill>
+                  <a:latin typeface="Helvetica" charset="0"/>
+                  <a:ea typeface="Arial" charset="0"/>
+                  <a:cs typeface="Arial" charset="0"/>
+                </a:defRPr>
+              </a:lvl5pPr>
+              <a:lvl6pPr marL="2514600" indent="-228600" eaLnBrk="0" fontAlgn="base" hangingPunct="0">
+                <a:spcBef>
+                  <a:spcPct val="10000"/>
+                </a:spcBef>
+                <a:spcAft>
+                  <a:spcPct val="0"/>
+                </a:spcAft>
+                <a:buChar char="•"/>
+                <a:defRPr sz="2000">
+                  <a:solidFill>
+                    <a:schemeClr val="tx1"/>
+                  </a:solidFill>
+                  <a:latin typeface="Helvetica" charset="0"/>
+                  <a:ea typeface="Arial" charset="0"/>
+                  <a:cs typeface="Arial" charset="0"/>
+                </a:defRPr>
+              </a:lvl6pPr>
+              <a:lvl7pPr marL="2971800" indent="-228600" eaLnBrk="0" fontAlgn="base" hangingPunct="0">
+                <a:spcBef>
+                  <a:spcPct val="10000"/>
+                </a:spcBef>
+                <a:spcAft>
+                  <a:spcPct val="0"/>
+                </a:spcAft>
+                <a:buChar char="•"/>
+                <a:defRPr sz="2000">
+                  <a:solidFill>
+                    <a:schemeClr val="tx1"/>
+                  </a:solidFill>
+                  <a:latin typeface="Helvetica" charset="0"/>
+                  <a:ea typeface="Arial" charset="0"/>
+                  <a:cs typeface="Arial" charset="0"/>
+                </a:defRPr>
+              </a:lvl7pPr>
+              <a:lvl8pPr marL="3429000" indent="-228600" eaLnBrk="0" fontAlgn="base" hangingPunct="0">
+                <a:spcBef>
+                  <a:spcPct val="10000"/>
+                </a:spcBef>
+                <a:spcAft>
+                  <a:spcPct val="0"/>
+                </a:spcAft>
+                <a:buChar char="•"/>
+                <a:defRPr sz="2000">
+                  <a:solidFill>
+                    <a:schemeClr val="tx1"/>
+                  </a:solidFill>
+                  <a:latin typeface="Helvetica" charset="0"/>
+                  <a:ea typeface="Arial" charset="0"/>
+                  <a:cs typeface="Arial" charset="0"/>
+                </a:defRPr>
+              </a:lvl8pPr>
+              <a:lvl9pPr marL="3886200" indent="-228600" eaLnBrk="0" fontAlgn="base" hangingPunct="0">
+                <a:spcBef>
+                  <a:spcPct val="10000"/>
+                </a:spcBef>
+                <a:spcAft>
+                  <a:spcPct val="0"/>
+                </a:spcAft>
+                <a:buChar char="•"/>
+                <a:defRPr sz="2000">
+                  <a:solidFill>
+                    <a:schemeClr val="tx1"/>
+                  </a:solidFill>
+                  <a:latin typeface="Helvetica" charset="0"/>
+                  <a:ea typeface="Arial" charset="0"/>
+                  <a:cs typeface="Arial" charset="0"/>
+                </a:defRPr>
+              </a:lvl9pPr>
+            </a:lstStyle>
+            <a:p>
+              <a:pPr algn="ctr" eaLnBrk="1" hangingPunct="1">
+                <a:spcBef>
+                  <a:spcPct val="0"/>
+                </a:spcBef>
+                <a:buFontTx/>
+                <a:buNone/>
+              </a:pPr>
+              <a:r>
+                <a:rPr lang="en-US" altLang="en-US" sz="2000" b="0" dirty="0">
+                  <a:solidFill>
+                    <a:srgbClr val="000000"/>
+                  </a:solidFill>
+                </a:rPr>
+                <a:t>ATM</a:t>
+              </a:r>
+              <a:endParaRPr lang="en-US" altLang="en-US" sz="2000" b="0" baseline="-25000" dirty="0">
+                <a:solidFill>
+                  <a:srgbClr val="000000"/>
+                </a:solidFill>
+              </a:endParaRPr>
+            </a:p>
+          </p:txBody>
+        </p:sp>
+        <p:sp>
+          <p:nvSpPr>
+            <p:cNvPr id="40" name="Rectangle 30"/>
+            <p:cNvSpPr>
+              <a:spLocks noChangeArrowheads="1"/>
+            </p:cNvSpPr>
+            <p:nvPr/>
+          </p:nvSpPr>
+          <p:spPr bwMode="auto">
+            <a:xfrm>
+              <a:off x="10813469" y="4720977"/>
+              <a:ext cx="685800" cy="381000"/>
+            </a:xfrm>
+            <a:prstGeom prst="rect">
+              <a:avLst/>
+            </a:prstGeom>
+            <a:solidFill>
+              <a:srgbClr val="FFFFFF"/>
+            </a:solidFill>
+            <a:ln w="9525">
+              <a:solidFill>
+                <a:schemeClr val="tx1"/>
+              </a:solidFill>
+              <a:miter lim="800000"/>
+              <a:headEnd/>
+              <a:tailEnd/>
+            </a:ln>
+          </p:spPr>
+          <p:txBody>
+            <a:bodyPr wrap="none" lIns="91420" tIns="45712" rIns="91420" bIns="45712" anchor="ctr"/>
+            <a:lstStyle>
+              <a:lvl1pPr>
+                <a:spcBef>
+                  <a:spcPct val="50000"/>
+                </a:spcBef>
+                <a:buChar char="•"/>
+                <a:defRPr sz="2800">
+                  <a:solidFill>
+                    <a:srgbClr val="0000FF"/>
+                  </a:solidFill>
+                  <a:latin typeface="Arial" charset="0"/>
+                  <a:ea typeface="ＭＳ Ｐゴシック" charset="-128"/>
+                  <a:cs typeface="Arial" charset="0"/>
+                </a:defRPr>
+              </a:lvl1pPr>
+              <a:lvl2pPr marL="742950" indent="-285750">
+                <a:spcBef>
+                  <a:spcPct val="10000"/>
+                </a:spcBef>
+                <a:buFont typeface="Helvetica" charset="0"/>
+                <a:buChar char="–"/>
+                <a:defRPr sz="2400">
+                  <a:solidFill>
+                    <a:schemeClr val="accent2"/>
+                  </a:solidFill>
+                  <a:latin typeface="Arial" charset="0"/>
+                  <a:ea typeface="Arial" charset="0"/>
+                  <a:cs typeface="Arial" charset="0"/>
+                </a:defRPr>
+              </a:lvl2pPr>
+              <a:lvl3pPr marL="1143000" indent="-228600">
+                <a:spcBef>
+                  <a:spcPct val="10000"/>
+                </a:spcBef>
+                <a:buFont typeface="Wingdings" charset="2"/>
+                <a:buChar char=""/>
+                <a:defRPr sz="2000">
+                  <a:solidFill>
+                    <a:schemeClr val="tx1"/>
+                  </a:solidFill>
+                  <a:latin typeface="Arial" charset="0"/>
+                  <a:ea typeface="Arial" charset="0"/>
+                  <a:cs typeface="Arial" charset="0"/>
+                </a:defRPr>
+              </a:lvl3pPr>
+              <a:lvl4pPr marL="1600200" indent="-228600">
+                <a:spcBef>
+                  <a:spcPct val="10000"/>
+                </a:spcBef>
+                <a:buChar char="•"/>
+                <a:defRPr sz="2000">
+                  <a:solidFill>
+                    <a:schemeClr val="accent2"/>
+                  </a:solidFill>
+                  <a:latin typeface="Helvetica" charset="0"/>
+                  <a:ea typeface="Arial" charset="0"/>
+                  <a:cs typeface="Arial" charset="0"/>
+                </a:defRPr>
+              </a:lvl4pPr>
+              <a:lvl5pPr marL="2057400" indent="-228600">
+                <a:spcBef>
+                  <a:spcPct val="10000"/>
+                </a:spcBef>
+                <a:buChar char="•"/>
+                <a:defRPr sz="2000">
+                  <a:solidFill>
+                    <a:schemeClr val="tx1"/>
+                  </a:solidFill>
+                  <a:latin typeface="Helvetica" charset="0"/>
+                  <a:ea typeface="Arial" charset="0"/>
+                  <a:cs typeface="Arial" charset="0"/>
+                </a:defRPr>
+              </a:lvl5pPr>
+              <a:lvl6pPr marL="2514600" indent="-228600" eaLnBrk="0" fontAlgn="base" hangingPunct="0">
+                <a:spcBef>
+                  <a:spcPct val="10000"/>
+                </a:spcBef>
+                <a:spcAft>
+                  <a:spcPct val="0"/>
+                </a:spcAft>
+                <a:buChar char="•"/>
+                <a:defRPr sz="2000">
+                  <a:solidFill>
+                    <a:schemeClr val="tx1"/>
+                  </a:solidFill>
+                  <a:latin typeface="Helvetica" charset="0"/>
+                  <a:ea typeface="Arial" charset="0"/>
+                  <a:cs typeface="Arial" charset="0"/>
+                </a:defRPr>
+              </a:lvl6pPr>
+              <a:lvl7pPr marL="2971800" indent="-228600" eaLnBrk="0" fontAlgn="base" hangingPunct="0">
+                <a:spcBef>
+                  <a:spcPct val="10000"/>
+                </a:spcBef>
+                <a:spcAft>
+                  <a:spcPct val="0"/>
+                </a:spcAft>
+                <a:buChar char="•"/>
+                <a:defRPr sz="2000">
+                  <a:solidFill>
+                    <a:schemeClr val="tx1"/>
+                  </a:solidFill>
+                  <a:latin typeface="Helvetica" charset="0"/>
+                  <a:ea typeface="Arial" charset="0"/>
+                  <a:cs typeface="Arial" charset="0"/>
+                </a:defRPr>
+              </a:lvl7pPr>
+              <a:lvl8pPr marL="3429000" indent="-228600" eaLnBrk="0" fontAlgn="base" hangingPunct="0">
+                <a:spcBef>
+                  <a:spcPct val="10000"/>
+                </a:spcBef>
+                <a:spcAft>
+                  <a:spcPct val="0"/>
+                </a:spcAft>
+                <a:buChar char="•"/>
+                <a:defRPr sz="2000">
+                  <a:solidFill>
+                    <a:schemeClr val="tx1"/>
+                  </a:solidFill>
+                  <a:latin typeface="Helvetica" charset="0"/>
+                  <a:ea typeface="Arial" charset="0"/>
+                  <a:cs typeface="Arial" charset="0"/>
+                </a:defRPr>
+              </a:lvl8pPr>
+              <a:lvl9pPr marL="3886200" indent="-228600" eaLnBrk="0" fontAlgn="base" hangingPunct="0">
+                <a:spcBef>
+                  <a:spcPct val="10000"/>
+                </a:spcBef>
+                <a:spcAft>
+                  <a:spcPct val="0"/>
+                </a:spcAft>
+                <a:buChar char="•"/>
+                <a:defRPr sz="2000">
+                  <a:solidFill>
+                    <a:schemeClr val="tx1"/>
+                  </a:solidFill>
+                  <a:latin typeface="Helvetica" charset="0"/>
+                  <a:ea typeface="Arial" charset="0"/>
+                  <a:cs typeface="Arial" charset="0"/>
+                </a:defRPr>
+              </a:lvl9pPr>
+            </a:lstStyle>
+            <a:p>
+              <a:pPr algn="ctr" eaLnBrk="1" hangingPunct="1">
+                <a:spcBef>
+                  <a:spcPct val="0"/>
+                </a:spcBef>
+                <a:buFontTx/>
+                <a:buNone/>
+              </a:pPr>
+              <a:r>
+                <a:rPr lang="en-US" altLang="en-US" sz="2000" dirty="0" err="1">
+                  <a:solidFill>
+                    <a:srgbClr val="000000"/>
+                  </a:solidFill>
+                </a:rPr>
+                <a:t>WiFi</a:t>
+              </a:r>
+              <a:endParaRPr lang="en-US" altLang="en-US" sz="2000" b="0" baseline="-25000" dirty="0">
+                <a:solidFill>
+                  <a:srgbClr val="000000"/>
+                </a:solidFill>
+              </a:endParaRPr>
+            </a:p>
+          </p:txBody>
+        </p:sp>
+        <p:sp>
+          <p:nvSpPr>
+            <p:cNvPr id="41" name="Rectangle 31"/>
+            <p:cNvSpPr>
+              <a:spLocks noChangeArrowheads="1"/>
+            </p:cNvSpPr>
+            <p:nvPr/>
+          </p:nvSpPr>
+          <p:spPr bwMode="auto">
+            <a:xfrm>
+              <a:off x="9975269" y="4720977"/>
+              <a:ext cx="685800" cy="381000"/>
+            </a:xfrm>
+            <a:prstGeom prst="rect">
+              <a:avLst/>
+            </a:prstGeom>
+            <a:solidFill>
+              <a:srgbClr val="FFFFFF"/>
+            </a:solidFill>
+            <a:ln>
+              <a:noFill/>
+            </a:ln>
+            <a:extLst>
+              <a:ext uri="{91240B29-F687-4F45-9708-019B960494DF}">
+                <a14:hiddenLine xmlns:a14="http://schemas.microsoft.com/office/drawing/2010/main" w="9525">
+                  <a:solidFill>
+                    <a:srgbClr val="000000"/>
+                  </a:solidFill>
+                  <a:miter lim="800000"/>
+                  <a:headEnd/>
+                  <a:tailEnd/>
+                </a14:hiddenLine>
+              </a:ext>
+            </a:extLst>
+          </p:spPr>
+          <p:txBody>
+            <a:bodyPr wrap="none" lIns="91420" tIns="45712" rIns="91420" bIns="45712" anchor="ctr"/>
+            <a:lstStyle>
+              <a:lvl1pPr>
+                <a:spcBef>
+                  <a:spcPct val="50000"/>
+                </a:spcBef>
+                <a:buChar char="•"/>
+                <a:defRPr sz="2800">
+                  <a:solidFill>
+                    <a:srgbClr val="0000FF"/>
+                  </a:solidFill>
+                  <a:latin typeface="Arial" charset="0"/>
+                  <a:ea typeface="ＭＳ Ｐゴシック" charset="-128"/>
+                  <a:cs typeface="Arial" charset="0"/>
+                </a:defRPr>
+              </a:lvl1pPr>
+              <a:lvl2pPr marL="742950" indent="-285750">
+                <a:spcBef>
+                  <a:spcPct val="10000"/>
+                </a:spcBef>
+                <a:buFont typeface="Helvetica" charset="0"/>
+                <a:buChar char="–"/>
+                <a:defRPr sz="2400">
+                  <a:solidFill>
+                    <a:schemeClr val="accent2"/>
+                  </a:solidFill>
+                  <a:latin typeface="Arial" charset="0"/>
+                  <a:ea typeface="Arial" charset="0"/>
+                  <a:cs typeface="Arial" charset="0"/>
+                </a:defRPr>
+              </a:lvl2pPr>
+              <a:lvl3pPr marL="1143000" indent="-228600">
+                <a:spcBef>
+                  <a:spcPct val="10000"/>
+                </a:spcBef>
+                <a:buFont typeface="Wingdings" charset="2"/>
+                <a:buChar char=""/>
+                <a:defRPr sz="2000">
+                  <a:solidFill>
+                    <a:schemeClr val="tx1"/>
+                  </a:solidFill>
+                  <a:latin typeface="Arial" charset="0"/>
+                  <a:ea typeface="Arial" charset="0"/>
+                  <a:cs typeface="Arial" charset="0"/>
+                </a:defRPr>
+              </a:lvl3pPr>
+              <a:lvl4pPr marL="1600200" indent="-228600">
+                <a:spcBef>
+                  <a:spcPct val="10000"/>
+                </a:spcBef>
+                <a:buChar char="•"/>
+                <a:defRPr sz="2000">
+                  <a:solidFill>
+                    <a:schemeClr val="accent2"/>
+                  </a:solidFill>
+                  <a:latin typeface="Helvetica" charset="0"/>
+                  <a:ea typeface="Arial" charset="0"/>
+                  <a:cs typeface="Arial" charset="0"/>
+                </a:defRPr>
+              </a:lvl4pPr>
+              <a:lvl5pPr marL="2057400" indent="-228600">
+                <a:spcBef>
+                  <a:spcPct val="10000"/>
+                </a:spcBef>
+                <a:buChar char="•"/>
+                <a:defRPr sz="2000">
+                  <a:solidFill>
+                    <a:schemeClr val="tx1"/>
+                  </a:solidFill>
+                  <a:latin typeface="Helvetica" charset="0"/>
+                  <a:ea typeface="Arial" charset="0"/>
+                  <a:cs typeface="Arial" charset="0"/>
+                </a:defRPr>
+              </a:lvl5pPr>
+              <a:lvl6pPr marL="2514600" indent="-228600" eaLnBrk="0" fontAlgn="base" hangingPunct="0">
+                <a:spcBef>
+                  <a:spcPct val="10000"/>
+                </a:spcBef>
+                <a:spcAft>
+                  <a:spcPct val="0"/>
+                </a:spcAft>
+                <a:buChar char="•"/>
+                <a:defRPr sz="2000">
+                  <a:solidFill>
+                    <a:schemeClr val="tx1"/>
+                  </a:solidFill>
+                  <a:latin typeface="Helvetica" charset="0"/>
+                  <a:ea typeface="Arial" charset="0"/>
+                  <a:cs typeface="Arial" charset="0"/>
+                </a:defRPr>
+              </a:lvl6pPr>
+              <a:lvl7pPr marL="2971800" indent="-228600" eaLnBrk="0" fontAlgn="base" hangingPunct="0">
+                <a:spcBef>
+                  <a:spcPct val="10000"/>
+                </a:spcBef>
+                <a:spcAft>
+                  <a:spcPct val="0"/>
+                </a:spcAft>
+                <a:buChar char="•"/>
+                <a:defRPr sz="2000">
+                  <a:solidFill>
+                    <a:schemeClr val="tx1"/>
+                  </a:solidFill>
+                  <a:latin typeface="Helvetica" charset="0"/>
+                  <a:ea typeface="Arial" charset="0"/>
+                  <a:cs typeface="Arial" charset="0"/>
+                </a:defRPr>
+              </a:lvl7pPr>
+              <a:lvl8pPr marL="3429000" indent="-228600" eaLnBrk="0" fontAlgn="base" hangingPunct="0">
+                <a:spcBef>
+                  <a:spcPct val="10000"/>
+                </a:spcBef>
+                <a:spcAft>
+                  <a:spcPct val="0"/>
+                </a:spcAft>
+                <a:buChar char="•"/>
+                <a:defRPr sz="2000">
+                  <a:solidFill>
+                    <a:schemeClr val="tx1"/>
+                  </a:solidFill>
+                  <a:latin typeface="Helvetica" charset="0"/>
+                  <a:ea typeface="Arial" charset="0"/>
+                  <a:cs typeface="Arial" charset="0"/>
+                </a:defRPr>
+              </a:lvl8pPr>
+              <a:lvl9pPr marL="3886200" indent="-228600" eaLnBrk="0" fontAlgn="base" hangingPunct="0">
+                <a:spcBef>
+                  <a:spcPct val="10000"/>
+                </a:spcBef>
+                <a:spcAft>
+                  <a:spcPct val="0"/>
+                </a:spcAft>
+                <a:buChar char="•"/>
+                <a:defRPr sz="2000">
+                  <a:solidFill>
+                    <a:schemeClr val="tx1"/>
+                  </a:solidFill>
+                  <a:latin typeface="Helvetica" charset="0"/>
+                  <a:ea typeface="Arial" charset="0"/>
+                  <a:cs typeface="Arial" charset="0"/>
+                </a:defRPr>
+              </a:lvl9pPr>
+            </a:lstStyle>
+            <a:p>
+              <a:pPr algn="ctr" eaLnBrk="1" hangingPunct="1">
+                <a:spcBef>
+                  <a:spcPct val="0"/>
+                </a:spcBef>
+                <a:buFontTx/>
+                <a:buNone/>
+              </a:pPr>
+              <a:r>
+                <a:rPr lang="en-US" altLang="en-US" sz="2000" b="0">
+                  <a:solidFill>
+                    <a:srgbClr val="000000"/>
+                  </a:solidFill>
+                </a:rPr>
+                <a:t>…</a:t>
+              </a:r>
+              <a:endParaRPr lang="en-US" altLang="en-US" sz="2000" b="0" baseline="-25000">
+                <a:solidFill>
+                  <a:srgbClr val="000000"/>
+                </a:solidFill>
+              </a:endParaRPr>
+            </a:p>
+          </p:txBody>
+        </p:sp>
+        <p:cxnSp>
+          <p:nvCxnSpPr>
+            <p:cNvPr id="42" name="AutoShape 32"/>
+            <p:cNvCxnSpPr>
+              <a:cxnSpLocks noChangeShapeType="1"/>
+            </p:cNvCxnSpPr>
+            <p:nvPr/>
+          </p:nvCxnSpPr>
+          <p:spPr bwMode="auto">
+            <a:xfrm>
+              <a:off x="8489369" y="2892177"/>
+              <a:ext cx="381000" cy="304800"/>
+            </a:xfrm>
+            <a:prstGeom prst="straightConnector1">
+              <a:avLst/>
+            </a:prstGeom>
+            <a:noFill/>
+            <a:ln w="9525">
+              <a:solidFill>
+                <a:srgbClr val="000000"/>
+              </a:solidFill>
+              <a:round/>
+              <a:headEnd/>
+              <a:tailEnd/>
+            </a:ln>
+            <a:extLst>
+              <a:ext uri="{909E8E84-426E-40DD-AFC4-6F175D3DCCD1}">
+                <a14:hiddenFill xmlns:a14="http://schemas.microsoft.com/office/drawing/2010/main">
+                  <a:noFill/>
+                </a14:hiddenFill>
+              </a:ext>
+            </a:extLst>
+          </p:spPr>
+        </p:cxnSp>
+        <p:cxnSp>
+          <p:nvCxnSpPr>
+            <p:cNvPr id="43" name="AutoShape 33"/>
+            <p:cNvCxnSpPr>
+              <a:cxnSpLocks noChangeShapeType="1"/>
+            </p:cNvCxnSpPr>
+            <p:nvPr/>
+          </p:nvCxnSpPr>
+          <p:spPr bwMode="auto">
+            <a:xfrm flipH="1">
+              <a:off x="8870369" y="2892177"/>
+              <a:ext cx="419100" cy="304800"/>
+            </a:xfrm>
+            <a:prstGeom prst="straightConnector1">
+              <a:avLst/>
+            </a:prstGeom>
+            <a:noFill/>
+            <a:ln w="9525">
+              <a:solidFill>
+                <a:srgbClr val="000000"/>
+              </a:solidFill>
+              <a:round/>
+              <a:headEnd/>
+              <a:tailEnd/>
+            </a:ln>
+            <a:extLst>
+              <a:ext uri="{909E8E84-426E-40DD-AFC4-6F175D3DCCD1}">
+                <a14:hiddenFill xmlns:a14="http://schemas.microsoft.com/office/drawing/2010/main">
+                  <a:noFill/>
+                </a14:hiddenFill>
+              </a:ext>
+            </a:extLst>
+          </p:spPr>
+        </p:cxnSp>
+        <p:cxnSp>
+          <p:nvCxnSpPr>
+            <p:cNvPr id="44" name="AutoShape 34"/>
+            <p:cNvCxnSpPr>
+              <a:cxnSpLocks noChangeShapeType="1"/>
+            </p:cNvCxnSpPr>
+            <p:nvPr/>
+          </p:nvCxnSpPr>
+          <p:spPr bwMode="auto">
+            <a:xfrm>
+              <a:off x="10165769" y="2892177"/>
+              <a:ext cx="419100" cy="304800"/>
+            </a:xfrm>
+            <a:prstGeom prst="straightConnector1">
+              <a:avLst/>
+            </a:prstGeom>
+            <a:noFill/>
+            <a:ln w="9525">
+              <a:solidFill>
+                <a:srgbClr val="000000"/>
+              </a:solidFill>
+              <a:round/>
+              <a:headEnd/>
+              <a:tailEnd/>
+            </a:ln>
+            <a:extLst>
+              <a:ext uri="{909E8E84-426E-40DD-AFC4-6F175D3DCCD1}">
+                <a14:hiddenFill xmlns:a14="http://schemas.microsoft.com/office/drawing/2010/main">
+                  <a:noFill/>
+                </a14:hiddenFill>
+              </a:ext>
+            </a:extLst>
+          </p:spPr>
+        </p:cxnSp>
+        <p:cxnSp>
+          <p:nvCxnSpPr>
+            <p:cNvPr id="45" name="AutoShape 35"/>
+            <p:cNvCxnSpPr>
+              <a:cxnSpLocks noChangeShapeType="1"/>
+            </p:cNvCxnSpPr>
+            <p:nvPr/>
+          </p:nvCxnSpPr>
+          <p:spPr bwMode="auto">
+            <a:xfrm flipH="1">
+              <a:off x="10584869" y="2892177"/>
+              <a:ext cx="419100" cy="304800"/>
+            </a:xfrm>
+            <a:prstGeom prst="straightConnector1">
+              <a:avLst/>
+            </a:prstGeom>
+            <a:noFill/>
+            <a:ln w="9525">
+              <a:solidFill>
+                <a:srgbClr val="000000"/>
+              </a:solidFill>
+              <a:round/>
+              <a:headEnd/>
+              <a:tailEnd/>
+            </a:ln>
+            <a:extLst>
+              <a:ext uri="{909E8E84-426E-40DD-AFC4-6F175D3DCCD1}">
+                <a14:hiddenFill xmlns:a14="http://schemas.microsoft.com/office/drawing/2010/main">
+                  <a:noFill/>
+                </a14:hiddenFill>
+              </a:ext>
+            </a:extLst>
+          </p:spPr>
+        </p:cxnSp>
+        <p:cxnSp>
+          <p:nvCxnSpPr>
+            <p:cNvPr id="46" name="AutoShape 36"/>
+            <p:cNvCxnSpPr>
+              <a:cxnSpLocks noChangeShapeType="1"/>
+            </p:cNvCxnSpPr>
+            <p:nvPr/>
+          </p:nvCxnSpPr>
+          <p:spPr bwMode="auto">
+            <a:xfrm>
+              <a:off x="8870369" y="3577977"/>
+              <a:ext cx="914400" cy="381000"/>
+            </a:xfrm>
+            <a:prstGeom prst="straightConnector1">
+              <a:avLst/>
+            </a:prstGeom>
+            <a:noFill/>
+            <a:ln w="9525">
+              <a:solidFill>
+                <a:srgbClr val="000000"/>
+              </a:solidFill>
+              <a:round/>
+              <a:headEnd/>
+              <a:tailEnd/>
+            </a:ln>
+            <a:extLst>
+              <a:ext uri="{909E8E84-426E-40DD-AFC4-6F175D3DCCD1}">
+                <a14:hiddenFill xmlns:a14="http://schemas.microsoft.com/office/drawing/2010/main">
+                  <a:noFill/>
+                </a14:hiddenFill>
+              </a:ext>
+            </a:extLst>
+          </p:spPr>
+        </p:cxnSp>
+        <p:cxnSp>
+          <p:nvCxnSpPr>
+            <p:cNvPr id="47" name="AutoShape 37"/>
+            <p:cNvCxnSpPr>
+              <a:cxnSpLocks noChangeShapeType="1"/>
+            </p:cNvCxnSpPr>
+            <p:nvPr/>
+          </p:nvCxnSpPr>
+          <p:spPr bwMode="auto">
+            <a:xfrm flipH="1">
+              <a:off x="9784769" y="3577977"/>
+              <a:ext cx="838200" cy="381000"/>
+            </a:xfrm>
+            <a:prstGeom prst="straightConnector1">
+              <a:avLst/>
+            </a:prstGeom>
+            <a:noFill/>
+            <a:ln w="9525">
+              <a:solidFill>
+                <a:srgbClr val="000000"/>
+              </a:solidFill>
+              <a:round/>
+              <a:headEnd/>
+              <a:tailEnd/>
+            </a:ln>
+            <a:extLst>
+              <a:ext uri="{909E8E84-426E-40DD-AFC4-6F175D3DCCD1}">
+                <a14:hiddenFill xmlns:a14="http://schemas.microsoft.com/office/drawing/2010/main">
+                  <a:noFill/>
+                </a14:hiddenFill>
+              </a:ext>
+            </a:extLst>
+          </p:spPr>
+        </p:cxnSp>
+        <p:cxnSp>
+          <p:nvCxnSpPr>
+            <p:cNvPr id="48" name="AutoShape 38"/>
+            <p:cNvCxnSpPr>
+              <a:cxnSpLocks noChangeShapeType="1"/>
+            </p:cNvCxnSpPr>
+            <p:nvPr/>
+          </p:nvCxnSpPr>
+          <p:spPr bwMode="auto">
+            <a:xfrm>
+              <a:off x="9784769" y="4339977"/>
+              <a:ext cx="1371600" cy="381000"/>
+            </a:xfrm>
+            <a:prstGeom prst="straightConnector1">
+              <a:avLst/>
+            </a:prstGeom>
+            <a:noFill/>
+            <a:ln w="9525">
+              <a:solidFill>
+                <a:srgbClr val="000000"/>
+              </a:solidFill>
+              <a:round/>
+              <a:headEnd/>
+              <a:tailEnd/>
+            </a:ln>
+            <a:extLst>
+              <a:ext uri="{909E8E84-426E-40DD-AFC4-6F175D3DCCD1}">
+                <a14:hiddenFill xmlns:a14="http://schemas.microsoft.com/office/drawing/2010/main">
+                  <a:noFill/>
+                </a14:hiddenFill>
+              </a:ext>
+            </a:extLst>
+          </p:spPr>
+        </p:cxnSp>
+        <p:cxnSp>
+          <p:nvCxnSpPr>
+            <p:cNvPr id="49" name="AutoShape 39"/>
+            <p:cNvCxnSpPr>
+              <a:cxnSpLocks noChangeShapeType="1"/>
+            </p:cNvCxnSpPr>
+            <p:nvPr/>
+          </p:nvCxnSpPr>
+          <p:spPr bwMode="auto">
+            <a:xfrm flipH="1">
+              <a:off x="8413169" y="4339977"/>
+              <a:ext cx="1371600" cy="381000"/>
+            </a:xfrm>
+            <a:prstGeom prst="straightConnector1">
+              <a:avLst/>
+            </a:prstGeom>
+            <a:noFill/>
+            <a:ln w="9525">
+              <a:solidFill>
+                <a:srgbClr val="000000"/>
+              </a:solidFill>
+              <a:round/>
+              <a:headEnd/>
+              <a:tailEnd/>
+            </a:ln>
+            <a:extLst>
+              <a:ext uri="{909E8E84-426E-40DD-AFC4-6F175D3DCCD1}">
+                <a14:hiddenFill xmlns:a14="http://schemas.microsoft.com/office/drawing/2010/main">
+                  <a:noFill/>
+                </a14:hiddenFill>
+              </a:ext>
+            </a:extLst>
+          </p:spPr>
+        </p:cxnSp>
+        <p:cxnSp>
+          <p:nvCxnSpPr>
+            <p:cNvPr id="50" name="AutoShape 40"/>
+            <p:cNvCxnSpPr>
+              <a:cxnSpLocks noChangeShapeType="1"/>
+            </p:cNvCxnSpPr>
+            <p:nvPr/>
+          </p:nvCxnSpPr>
+          <p:spPr bwMode="auto">
+            <a:xfrm flipH="1">
+              <a:off x="9556169" y="4339977"/>
+              <a:ext cx="228600" cy="381000"/>
+            </a:xfrm>
+            <a:prstGeom prst="straightConnector1">
+              <a:avLst/>
+            </a:prstGeom>
+            <a:noFill/>
+            <a:ln w="9525">
+              <a:solidFill>
+                <a:srgbClr val="000000"/>
+              </a:solidFill>
+              <a:round/>
+              <a:headEnd/>
+              <a:tailEnd/>
+            </a:ln>
+            <a:extLst>
+              <a:ext uri="{909E8E84-426E-40DD-AFC4-6F175D3DCCD1}">
+                <a14:hiddenFill xmlns:a14="http://schemas.microsoft.com/office/drawing/2010/main">
+                  <a:noFill/>
+                </a14:hiddenFill>
+              </a:ext>
+            </a:extLst>
+          </p:spPr>
+        </p:cxnSp>
+      </p:grpSp>
+      <p:sp>
+        <p:nvSpPr>
+          <p:cNvPr id="72" name="TextBox 71"/>
+          <p:cNvSpPr txBox="1"/>
+          <p:nvPr/>
+        </p:nvSpPr>
+        <p:spPr>
+          <a:xfrm>
+            <a:off x="7828637" y="664241"/>
+            <a:ext cx="3889668" cy="1292662"/>
+          </a:xfrm>
+          <a:prstGeom prst="rect">
+            <a:avLst/>
+          </a:prstGeom>
+          <a:noFill/>
+        </p:spPr>
+        <p:txBody>
+          <a:bodyPr wrap="square" rtlCol="0">
+            <a:spAutoFit/>
+          </a:bodyPr>
+          <a:lstStyle/>
+          <a:p>
+            <a:pPr algn="ctr"/>
+            <a:r>
+              <a:rPr lang="en-US" sz="2600" dirty="0">
+                <a:latin typeface="Helvetica" charset="0"/>
+                <a:ea typeface="Helvetica" charset="0"/>
+                <a:cs typeface="Helvetica" charset="0"/>
+              </a:rPr>
+              <a:t>Protocols “stacked” in endpoint and router software/hardware</a:t>
+            </a:r>
+          </a:p>
+        </p:txBody>
+      </p:sp>
+      <p:cxnSp>
+        <p:nvCxnSpPr>
+          <p:cNvPr id="74" name="Straight Arrow Connector 73"/>
+          <p:cNvCxnSpPr/>
+          <p:nvPr/>
+        </p:nvCxnSpPr>
+        <p:spPr>
+          <a:xfrm flipH="1">
+            <a:off x="6802583" y="1274618"/>
+            <a:ext cx="1343886" cy="374073"/>
+          </a:xfrm>
+          <a:prstGeom prst="straightConnector1">
+            <a:avLst/>
+          </a:prstGeom>
+          <a:ln w="63500">
+            <a:solidFill>
+              <a:schemeClr val="tx1"/>
+            </a:solidFill>
+            <a:tailEnd type="triangle"/>
+          </a:ln>
+        </p:spPr>
+        <p:style>
+          <a:lnRef idx="1">
+            <a:schemeClr val="accent1"/>
+          </a:lnRef>
+          <a:fillRef idx="0">
+            <a:schemeClr val="accent1"/>
+          </a:fillRef>
+          <a:effectRef idx="0">
+            <a:schemeClr val="accent1"/>
+          </a:effectRef>
+          <a:fontRef idx="minor">
+            <a:schemeClr val="tx1"/>
+          </a:fontRef>
+        </p:style>
+      </p:cxnSp>
+      <p:sp>
+        <p:nvSpPr>
+          <p:cNvPr id="76" name="TextBox 75"/>
+          <p:cNvSpPr txBox="1"/>
+          <p:nvPr/>
+        </p:nvSpPr>
+        <p:spPr>
+          <a:xfrm>
+            <a:off x="7794004" y="5137691"/>
+            <a:ext cx="3935595" cy="1692771"/>
+          </a:xfrm>
+          <a:prstGeom prst="rect">
+            <a:avLst/>
+          </a:prstGeom>
+          <a:noFill/>
+        </p:spPr>
+        <p:txBody>
+          <a:bodyPr wrap="square" rtlCol="0">
+            <a:spAutoFit/>
+          </a:bodyPr>
+          <a:lstStyle/>
+          <a:p>
+            <a:pPr algn="ctr"/>
+            <a:r>
+              <a:rPr lang="en-US" sz="2600" dirty="0">
+                <a:latin typeface="Helvetica" charset="0"/>
+                <a:ea typeface="Helvetica" charset="0"/>
+                <a:cs typeface="Helvetica" charset="0"/>
+              </a:rPr>
+              <a:t>IP is the “thin waist” of the Internet, enabling</a:t>
+            </a:r>
+          </a:p>
+          <a:p>
+            <a:pPr algn="ctr"/>
+            <a:r>
+              <a:rPr lang="en-US" sz="2600" dirty="0">
+                <a:latin typeface="Helvetica" charset="0"/>
+                <a:ea typeface="Helvetica" charset="0"/>
+                <a:cs typeface="Helvetica" charset="0"/>
+              </a:rPr>
+              <a:t>interoperability across apps &amp; network media</a:t>
+            </a:r>
+          </a:p>
+        </p:txBody>
+      </p:sp>
+    </p:spTree>
+    <p:extLst>
+      <p:ext uri="{BB962C8B-B14F-4D97-AF65-F5344CB8AC3E}">
+        <p14:creationId xmlns:p14="http://schemas.microsoft.com/office/powerpoint/2010/main" val="4091681052"/>
+      </p:ext>
+    </p:extLst>
+  </p:cSld>
+  <p:clrMapOvr>
+    <a:masterClrMapping/>
+  </p:clrMapOvr>
+  <p:timing>
+    <p:tnLst>
+      <p:par>
+        <p:cTn id="1" dur="indefinite" restart="never" nodeType="tmRoot">
+          <p:childTnLst>
+            <p:seq concurrent="1" nextAc="seek">
+              <p:cTn id="2" dur="indefinite" nodeType="mainSeq">
+                <p:childTnLst>
+                  <p:par>
+                    <p:cTn id="3" fill="hold">
+                      <p:stCondLst>
+                        <p:cond delay="indefinite"/>
+                      </p:stCondLst>
+                      <p:childTnLst>
+                        <p:par>
+                          <p:cTn id="4" fill="hold">
+                            <p:stCondLst>
+                              <p:cond delay="0"/>
+                            </p:stCondLst>
+                            <p:childTnLst>
+                              <p:par>
+                                <p:cTn id="5" presetID="1" presetClass="entr" presetSubtype="0" fill="hold" nodeType="clickEffect">
+                                  <p:stCondLst>
+                                    <p:cond delay="0"/>
+                                  </p:stCondLst>
+                                  <p:childTnLst>
+                                    <p:set>
+                                      <p:cBhvr>
+                                        <p:cTn id="6" dur="1" fill="hold">
+                                          <p:stCondLst>
+                                            <p:cond delay="0"/>
+                                          </p:stCondLst>
+                                        </p:cTn>
+                                        <p:tgtEl>
+                                          <p:spTgt spid="74"/>
+                                        </p:tgtEl>
+                                        <p:attrNameLst>
+                                          <p:attrName>style.visibility</p:attrName>
+                                        </p:attrNameLst>
+                                      </p:cBhvr>
+                                      <p:to>
+                                        <p:strVal val="visible"/>
+                                      </p:to>
+                                    </p:set>
+                                  </p:childTnLst>
+                                </p:cTn>
+                              </p:par>
+                              <p:par>
+                                <p:cTn id="7" presetID="1" presetClass="entr" presetSubtype="0" fill="hold" grpId="0" nodeType="withEffect">
+                                  <p:stCondLst>
+                                    <p:cond delay="0"/>
+                                  </p:stCondLst>
+                                  <p:childTnLst>
+                                    <p:set>
+                                      <p:cBhvr>
+                                        <p:cTn id="8" dur="1" fill="hold">
+                                          <p:stCondLst>
+                                            <p:cond delay="0"/>
+                                          </p:stCondLst>
+                                        </p:cTn>
+                                        <p:tgtEl>
+                                          <p:spTgt spid="72"/>
+                                        </p:tgtEl>
+                                        <p:attrNameLst>
+                                          <p:attrName>style.visibility</p:attrName>
+                                        </p:attrNameLst>
+                                      </p:cBhvr>
+                                      <p:to>
+                                        <p:strVal val="visible"/>
+                                      </p:to>
+                                    </p:set>
+                                  </p:childTnLst>
+                                </p:cTn>
+                              </p:par>
+                            </p:childTnLst>
+                          </p:cTn>
+                        </p:par>
+                      </p:childTnLst>
+                    </p:cTn>
+                  </p:par>
+                  <p:par>
+                    <p:cTn id="9" fill="hold">
+                      <p:stCondLst>
+                        <p:cond delay="indefinite"/>
+                      </p:stCondLst>
+                      <p:childTnLst>
+                        <p:par>
+                          <p:cTn id="10" fill="hold">
+                            <p:stCondLst>
+                              <p:cond delay="0"/>
+                            </p:stCondLst>
+                            <p:childTnLst>
+                              <p:par>
+                                <p:cTn id="11" presetID="1" presetClass="entr" presetSubtype="0" fill="hold" nodeType="clickEffect">
+                                  <p:stCondLst>
+                                    <p:cond delay="0"/>
+                                  </p:stCondLst>
+                                  <p:childTnLst>
+                                    <p:set>
+                                      <p:cBhvr>
+                                        <p:cTn id="12" dur="1" fill="hold">
+                                          <p:stCondLst>
+                                            <p:cond delay="0"/>
+                                          </p:stCondLst>
+                                        </p:cTn>
+                                        <p:tgtEl>
+                                          <p:spTgt spid="70"/>
+                                        </p:tgtEl>
+                                        <p:attrNameLst>
+                                          <p:attrName>style.visibility</p:attrName>
+                                        </p:attrNameLst>
+                                      </p:cBhvr>
+                                      <p:to>
+                                        <p:strVal val="visible"/>
+                                      </p:to>
+                                    </p:set>
+                                  </p:childTnLst>
+                                </p:cTn>
+                              </p:par>
+                            </p:childTnLst>
+                          </p:cTn>
+                        </p:par>
+                      </p:childTnLst>
+                    </p:cTn>
+                  </p:par>
+                  <p:par>
+                    <p:cTn id="13" fill="hold">
+                      <p:stCondLst>
+                        <p:cond delay="indefinite"/>
+                      </p:stCondLst>
+                      <p:childTnLst>
+                        <p:par>
+                          <p:cTn id="14" fill="hold">
+                            <p:stCondLst>
+                              <p:cond delay="0"/>
+                            </p:stCondLst>
+                            <p:childTnLst>
+                              <p:par>
+                                <p:cTn id="15" presetID="1" presetClass="entr" presetSubtype="0" fill="hold" grpId="0" nodeType="clickEffect">
+                                  <p:stCondLst>
+                                    <p:cond delay="0"/>
+                                  </p:stCondLst>
+                                  <p:childTnLst>
+                                    <p:set>
+                                      <p:cBhvr>
+                                        <p:cTn id="16" dur="1" fill="hold">
+                                          <p:stCondLst>
+                                            <p:cond delay="0"/>
+                                          </p:stCondLst>
+                                        </p:cTn>
+                                        <p:tgtEl>
+                                          <p:spTgt spid="76"/>
+                                        </p:tgtEl>
+                                        <p:attrNameLst>
+                                          <p:attrName>style.visibility</p:attrName>
+                                        </p:attrNameLst>
+                                      </p:cBhvr>
+                                      <p:to>
+                                        <p:strVal val="visible"/>
+                                      </p:to>
+                                    </p:set>
+                                  </p:childTnLst>
+                                </p:cTn>
+                              </p:par>
+                            </p:childTnLst>
+                          </p:cTn>
+                        </p:par>
+                      </p:childTnLst>
+                    </p:cTn>
+                  </p:par>
+                </p:childTnLst>
+              </p:cTn>
+              <p:prevCondLst>
+                <p:cond evt="onPrev" delay="0">
+                  <p:tgtEl>
+                    <p:sldTgt/>
+                  </p:tgtEl>
+                </p:cond>
+              </p:prevCondLst>
+              <p:nextCondLst>
+                <p:cond evt="onNext" delay="0">
+                  <p:tgtEl>
+                    <p:sldTgt/>
+                  </p:tgtEl>
+                </p:cond>
+              </p:nextCondLst>
+            </p:seq>
+          </p:childTnLst>
+        </p:cTn>
+      </p:par>
+    </p:tnLst>
+    <p:bldLst>
+      <p:bldP spid="72" grpId="0"/>
+      <p:bldP spid="76" grpId="0"/>
+    </p:bldLst>
+  </p:timing>
+</p:sld>
+</file>
+
+<file path=ppt/slides/slide11.xml><?xml version="1.0" encoding="utf-8"?>
+<p:sld xmlns:a="http://schemas.openxmlformats.org/drawingml/2006/main" xmlns:r="http://schemas.openxmlformats.org/officeDocument/2006/relationships" xmlns:p="http://schemas.openxmlformats.org/presentationml/2006/main">
+  <p:cSld>
+    <p:spTree>
+      <p:nvGrpSpPr>
+        <p:cNvPr id="1" name=""/>
+        <p:cNvGrpSpPr/>
+        <p:nvPr/>
+      </p:nvGrpSpPr>
+      <p:grpSpPr>
+        <a:xfrm>
+          <a:off x="0" y="0"/>
+          <a:ext cx="0" cy="0"/>
+          <a:chOff x="0" y="0"/>
+          <a:chExt cx="0" cy="0"/>
+        </a:xfrm>
+      </p:grpSpPr>
       <p:grpSp>
         <p:nvGrpSpPr>
           <p:cNvPr id="5" name="Group 4"/>
@@ -4470,7 +8503,7 @@
           <a:effectLst/>
           <a:extLst>
             <a:ext uri="{909E8E84-426E-40dd-AFC4-6F175D3DCCD1}">
-              <a14:hiddenFill xmlns="" xmlns:a14="http://schemas.microsoft.com/office/drawing/2010/main">
+              <a14:hiddenFill xmlns:a14="http://schemas.microsoft.com/office/drawing/2010/main" xmlns="">
                 <a:blipFill dpi="0" rotWithShape="0">
                   <a:blip/>
                   <a:srcRect/>
@@ -4481,7 +8514,7 @@
               </a14:hiddenFill>
             </a:ext>
             <a:ext uri="{91240B29-F687-4f45-9708-019B960494DF}">
-              <a14:hiddenLine xmlns="" xmlns:a14="http://schemas.microsoft.com/office/drawing/2010/main" w="9525">
+              <a14:hiddenLine xmlns:a14="http://schemas.microsoft.com/office/drawing/2010/main" xmlns="" w="9525">
                 <a:solidFill>
                   <a:srgbClr val="000000"/>
                 </a:solidFill>
@@ -4491,7 +8524,7 @@
               </a14:hiddenLine>
             </a:ext>
             <a:ext uri="{AF507438-7753-43e0-B8FC-AC1667EBCBE1}">
-              <a14:hiddenEffects xmlns="" xmlns:a14="http://schemas.microsoft.com/office/drawing/2010/main">
+              <a14:hiddenEffects xmlns:a14="http://schemas.microsoft.com/office/drawing/2010/main" xmlns="">
                 <a:effectLst>
                   <a:outerShdw blurRad="63500" dist="38099" dir="2700000" algn="ctr" rotWithShape="0">
                     <a:srgbClr val="000000">
@@ -10288,7 +14321,7 @@
 </p:sld>
 </file>
 
-<file path=ppt/slides/slide11.xml><?xml version="1.0" encoding="utf-8"?>
+<file path=ppt/slides/slide12.xml><?xml version="1.0" encoding="utf-8"?>
 <p:sld xmlns:a="http://schemas.openxmlformats.org/drawingml/2006/main" xmlns:r="http://schemas.openxmlformats.org/officeDocument/2006/relationships" xmlns:p="http://schemas.openxmlformats.org/presentationml/2006/main">
   <p:cSld>
     <p:spTree>
@@ -11279,7 +15312,7 @@
           <a:effectLst/>
           <a:extLst>
             <a:ext uri="{909E8E84-426E-40dd-AFC4-6F175D3DCCD1}">
-              <a14:hiddenFill xmlns="" xmlns:a14="http://schemas.microsoft.com/office/drawing/2010/main">
+              <a14:hiddenFill xmlns:a14="http://schemas.microsoft.com/office/drawing/2010/main" xmlns="">
                 <a:blipFill dpi="0" rotWithShape="0">
                   <a:blip/>
                   <a:srcRect/>
@@ -11290,7 +15323,7 @@
               </a14:hiddenFill>
             </a:ext>
             <a:ext uri="{91240B29-F687-4f45-9708-019B960494DF}">
-              <a14:hiddenLine xmlns="" xmlns:a14="http://schemas.microsoft.com/office/drawing/2010/main" w="9525">
+              <a14:hiddenLine xmlns:a14="http://schemas.microsoft.com/office/drawing/2010/main" xmlns="" w="9525">
                 <a:solidFill>
                   <a:srgbClr val="000000"/>
                 </a:solidFill>
@@ -11300,7 +15333,7 @@
               </a14:hiddenLine>
             </a:ext>
             <a:ext uri="{AF507438-7753-43e0-B8FC-AC1667EBCBE1}">
-              <a14:hiddenEffects xmlns="" xmlns:a14="http://schemas.microsoft.com/office/drawing/2010/main">
+              <a14:hiddenEffects xmlns:a14="http://schemas.microsoft.com/office/drawing/2010/main" xmlns="">
                 <a:effectLst>
                   <a:outerShdw blurRad="63500" dist="38099" dir="2700000" algn="ctr" rotWithShape="0">
                     <a:srgbClr val="000000">
@@ -12946,7 +16979,7 @@
           <a:effectLst/>
           <a:extLst>
             <a:ext uri="{909E8E84-426E-40dd-AFC4-6F175D3DCCD1}">
-              <a14:hiddenFill xmlns:a14="http://schemas.microsoft.com/office/drawing/2010/main" xmlns="">
+              <a14:hiddenFill xmlns="" xmlns:a14="http://schemas.microsoft.com/office/drawing/2010/main">
                 <a:blipFill dpi="0" rotWithShape="0">
                   <a:blip/>
                   <a:srcRect/>
@@ -12957,7 +16990,7 @@
               </a14:hiddenFill>
             </a:ext>
             <a:ext uri="{91240B29-F687-4f45-9708-019B960494DF}">
-              <a14:hiddenLine xmlns:a14="http://schemas.microsoft.com/office/drawing/2010/main" xmlns="" w="9525">
+              <a14:hiddenLine xmlns="" xmlns:a14="http://schemas.microsoft.com/office/drawing/2010/main" w="9525">
                 <a:solidFill>
                   <a:srgbClr val="000000"/>
                 </a:solidFill>
@@ -12967,7 +17000,7 @@
               </a14:hiddenLine>
             </a:ext>
             <a:ext uri="{AF507438-7753-43e0-B8FC-AC1667EBCBE1}">
-              <a14:hiddenEffects xmlns:a14="http://schemas.microsoft.com/office/drawing/2010/main" xmlns="">
+              <a14:hiddenEffects xmlns="" xmlns:a14="http://schemas.microsoft.com/office/drawing/2010/main">
                 <a:effectLst>
                   <a:outerShdw blurRad="63500" dist="38099" dir="2700000" algn="ctr" rotWithShape="0">
                     <a:srgbClr val="000000">
@@ -13016,7 +17049,7 @@
           <a:effectLst/>
           <a:extLst>
             <a:ext uri="{909E8E84-426E-40dd-AFC4-6F175D3DCCD1}">
-              <a14:hiddenFill xmlns:a14="http://schemas.microsoft.com/office/drawing/2010/main" xmlns="">
+              <a14:hiddenFill xmlns="" xmlns:a14="http://schemas.microsoft.com/office/drawing/2010/main">
                 <a:blipFill dpi="0" rotWithShape="0">
                   <a:blip/>
                   <a:srcRect/>
@@ -13027,7 +17060,7 @@
               </a14:hiddenFill>
             </a:ext>
             <a:ext uri="{91240B29-F687-4f45-9708-019B960494DF}">
-              <a14:hiddenLine xmlns:a14="http://schemas.microsoft.com/office/drawing/2010/main" xmlns="" w="9525">
+              <a14:hiddenLine xmlns="" xmlns:a14="http://schemas.microsoft.com/office/drawing/2010/main" w="9525">
                 <a:solidFill>
                   <a:srgbClr val="000000"/>
                 </a:solidFill>
@@ -13037,7 +17070,7 @@
               </a14:hiddenLine>
             </a:ext>
             <a:ext uri="{AF507438-7753-43e0-B8FC-AC1667EBCBE1}">
-              <a14:hiddenEffects xmlns:a14="http://schemas.microsoft.com/office/drawing/2010/main" xmlns="">
+              <a14:hiddenEffects xmlns="" xmlns:a14="http://schemas.microsoft.com/office/drawing/2010/main">
                 <a:effectLst>
                   <a:outerShdw blurRad="63500" dist="38099" dir="2700000" algn="ctr" rotWithShape="0">
                     <a:srgbClr val="000000">
@@ -13465,7 +17498,7 @@
 </p:sld>
 </file>
 
-<file path=ppt/slides/slide12.xml><?xml version="1.0" encoding="utf-8"?>
+<file path=ppt/slides/slide13.xml><?xml version="1.0" encoding="utf-8"?>
 <p:sld xmlns:a="http://schemas.openxmlformats.org/drawingml/2006/main" xmlns:r="http://schemas.openxmlformats.org/officeDocument/2006/relationships" xmlns:p="http://schemas.openxmlformats.org/presentationml/2006/main">
   <p:cSld>
     <p:spTree>
@@ -14456,7 +18489,7 @@
           <a:effectLst/>
           <a:extLst>
             <a:ext uri="{909E8E84-426E-40dd-AFC4-6F175D3DCCD1}">
-              <a14:hiddenFill xmlns="" xmlns:a14="http://schemas.microsoft.com/office/drawing/2010/main">
+              <a14:hiddenFill xmlns:a14="http://schemas.microsoft.com/office/drawing/2010/main" xmlns="">
                 <a:blipFill dpi="0" rotWithShape="0">
                   <a:blip/>
                   <a:srcRect/>
@@ -14467,7 +18500,7 @@
               </a14:hiddenFill>
             </a:ext>
             <a:ext uri="{91240B29-F687-4f45-9708-019B960494DF}">
-              <a14:hiddenLine xmlns="" xmlns:a14="http://schemas.microsoft.com/office/drawing/2010/main" w="9525">
+              <a14:hiddenLine xmlns:a14="http://schemas.microsoft.com/office/drawing/2010/main" xmlns="" w="9525">
                 <a:solidFill>
                   <a:srgbClr val="000000"/>
                 </a:solidFill>
@@ -14477,7 +18510,7 @@
               </a14:hiddenLine>
             </a:ext>
             <a:ext uri="{AF507438-7753-43e0-B8FC-AC1667EBCBE1}">
-              <a14:hiddenEffects xmlns="" xmlns:a14="http://schemas.microsoft.com/office/drawing/2010/main">
+              <a14:hiddenEffects xmlns:a14="http://schemas.microsoft.com/office/drawing/2010/main" xmlns="">
                 <a:effectLst>
                   <a:outerShdw blurRad="63500" dist="38099" dir="2700000" algn="ctr" rotWithShape="0">
                     <a:srgbClr val="000000">
@@ -16123,7 +20156,7 @@
           <a:effectLst/>
           <a:extLst>
             <a:ext uri="{909E8E84-426E-40dd-AFC4-6F175D3DCCD1}">
-              <a14:hiddenFill xmlns:a14="http://schemas.microsoft.com/office/drawing/2010/main" xmlns="">
+              <a14:hiddenFill xmlns="" xmlns:a14="http://schemas.microsoft.com/office/drawing/2010/main">
                 <a:blipFill dpi="0" rotWithShape="0">
                   <a:blip/>
                   <a:srcRect/>
@@ -16134,7 +20167,7 @@
               </a14:hiddenFill>
             </a:ext>
             <a:ext uri="{91240B29-F687-4f45-9708-019B960494DF}">
-              <a14:hiddenLine xmlns:a14="http://schemas.microsoft.com/office/drawing/2010/main" xmlns="" w="9525">
+              <a14:hiddenLine xmlns="" xmlns:a14="http://schemas.microsoft.com/office/drawing/2010/main" w="9525">
                 <a:solidFill>
                   <a:srgbClr val="000000"/>
                 </a:solidFill>
@@ -16144,7 +20177,7 @@
               </a14:hiddenLine>
             </a:ext>
             <a:ext uri="{AF507438-7753-43e0-B8FC-AC1667EBCBE1}">
-              <a14:hiddenEffects xmlns:a14="http://schemas.microsoft.com/office/drawing/2010/main" xmlns="">
+              <a14:hiddenEffects xmlns="" xmlns:a14="http://schemas.microsoft.com/office/drawing/2010/main">
                 <a:effectLst>
                   <a:outerShdw blurRad="63500" dist="38099" dir="2700000" algn="ctr" rotWithShape="0">
                     <a:srgbClr val="000000">
@@ -16193,7 +20226,7 @@
           <a:effectLst/>
           <a:extLst>
             <a:ext uri="{909E8E84-426E-40dd-AFC4-6F175D3DCCD1}">
-              <a14:hiddenFill xmlns:a14="http://schemas.microsoft.com/office/drawing/2010/main" xmlns="">
+              <a14:hiddenFill xmlns="" xmlns:a14="http://schemas.microsoft.com/office/drawing/2010/main">
                 <a:blipFill dpi="0" rotWithShape="0">
                   <a:blip/>
                   <a:srcRect/>
@@ -16204,7 +20237,7 @@
               </a14:hiddenFill>
             </a:ext>
             <a:ext uri="{91240B29-F687-4f45-9708-019B960494DF}">
-              <a14:hiddenLine xmlns:a14="http://schemas.microsoft.com/office/drawing/2010/main" xmlns="" w="9525">
+              <a14:hiddenLine xmlns="" xmlns:a14="http://schemas.microsoft.com/office/drawing/2010/main" w="9525">
                 <a:solidFill>
                   <a:srgbClr val="000000"/>
                 </a:solidFill>
@@ -16214,7 +20247,7 @@
               </a14:hiddenLine>
             </a:ext>
             <a:ext uri="{AF507438-7753-43e0-B8FC-AC1667EBCBE1}">
-              <a14:hiddenEffects xmlns:a14="http://schemas.microsoft.com/office/drawing/2010/main" xmlns="">
+              <a14:hiddenEffects xmlns="" xmlns:a14="http://schemas.microsoft.com/office/drawing/2010/main">
                 <a:effectLst>
                   <a:outerShdw blurRad="63500" dist="38099" dir="2700000" algn="ctr" rotWithShape="0">
                     <a:srgbClr val="000000">
@@ -16399,7 +20432,7 @@
 </p:sld>
 </file>
 
-<file path=ppt/slides/slide13.xml><?xml version="1.0" encoding="utf-8"?>
+<file path=ppt/slides/slide14.xml><?xml version="1.0" encoding="utf-8"?>
 <p:sld xmlns:a="http://schemas.openxmlformats.org/drawingml/2006/main" xmlns:r="http://schemas.openxmlformats.org/officeDocument/2006/relationships" xmlns:p="http://schemas.openxmlformats.org/presentationml/2006/main">
   <p:cSld>
     <p:spTree>
@@ -16471,36 +20504,6 @@
       </p:sp>
       <p:pic>
         <p:nvPicPr>
-          <p:cNvPr id="4" name="Picture 3">
-            <a:extLst>
-              <a:ext uri="{FF2B5EF4-FFF2-40B4-BE49-F238E27FC236}">
-                <a16:creationId xmlns:a16="http://schemas.microsoft.com/office/drawing/2014/main" id="{AE7B39F5-03FF-C644-9AD4-898EBC5E4C1E}"/>
-              </a:ext>
-            </a:extLst>
-          </p:cNvPr>
-          <p:cNvPicPr>
-            <a:picLocks noChangeAspect="1"/>
-          </p:cNvPicPr>
-          <p:nvPr/>
-        </p:nvPicPr>
-        <p:blipFill>
-          <a:blip r:embed="rId2"/>
-          <a:stretch>
-            <a:fillRect/>
-          </a:stretch>
-        </p:blipFill>
-        <p:spPr>
-          <a:xfrm>
-            <a:off x="6759144" y="453298"/>
-            <a:ext cx="5282964" cy="781834"/>
-          </a:xfrm>
-          <a:prstGeom prst="rect">
-            <a:avLst/>
-          </a:prstGeom>
-        </p:spPr>
-      </p:pic>
-      <p:pic>
-        <p:nvPicPr>
           <p:cNvPr id="5" name="Picture 4">
             <a:extLst>
               <a:ext uri="{FF2B5EF4-FFF2-40B4-BE49-F238E27FC236}">
@@ -16514,7 +20517,7 @@
           <p:nvPr/>
         </p:nvPicPr>
         <p:blipFill>
-          <a:blip r:embed="rId3"/>
+          <a:blip r:embed="rId2"/>
           <a:stretch>
             <a:fillRect/>
           </a:stretch>
@@ -16544,7 +20547,7 @@
           <p:nvPr/>
         </p:nvPicPr>
         <p:blipFill>
-          <a:blip r:embed="rId4"/>
+          <a:blip r:embed="rId3"/>
           <a:stretch>
             <a:fillRect/>
           </a:stretch>
@@ -16553,6 +20556,36 @@
           <a:xfrm>
             <a:off x="2236573" y="4827248"/>
             <a:ext cx="7896996" cy="1788636"/>
+          </a:xfrm>
+          <a:prstGeom prst="rect">
+            <a:avLst/>
+          </a:prstGeom>
+        </p:spPr>
+      </p:pic>
+      <p:pic>
+        <p:nvPicPr>
+          <p:cNvPr id="7" name="Picture 6">
+            <a:extLst>
+              <a:ext uri="{FF2B5EF4-FFF2-40B4-BE49-F238E27FC236}">
+                <a16:creationId xmlns:a16="http://schemas.microsoft.com/office/drawing/2014/main" id="{5A3F4B57-4397-124F-8CC5-63700B0E4CE0}"/>
+              </a:ext>
+            </a:extLst>
+          </p:cNvPr>
+          <p:cNvPicPr>
+            <a:picLocks noChangeAspect="1"/>
+          </p:cNvPicPr>
+          <p:nvPr/>
+        </p:nvPicPr>
+        <p:blipFill>
+          <a:blip r:embed="rId4"/>
+          <a:stretch>
+            <a:fillRect/>
+          </a:stretch>
+        </p:blipFill>
+        <p:spPr>
+          <a:xfrm>
+            <a:off x="8622577" y="481806"/>
+            <a:ext cx="2146300" cy="546100"/>
           </a:xfrm>
           <a:prstGeom prst="rect">
             <a:avLst/>
@@ -16603,7 +20636,7 @@
                                           </p:stCondLst>
                                         </p:cTn>
                                         <p:tgtEl>
-                                          <p:spTgt spid="4"/>
+                                          <p:spTgt spid="7"/>
                                         </p:tgtEl>
                                         <p:attrNameLst>
                                           <p:attrName>style.visibility</p:attrName>
@@ -16764,6 +20797,1261 @@
             <p:ph type="title"/>
           </p:nvPr>
         </p:nvSpPr>
+        <p:spPr/>
+        <p:txBody>
+          <a:bodyPr/>
+          <a:lstStyle/>
+          <a:p>
+            <a:r>
+              <a:rPr lang="en-US" dirty="0"/>
+              <a:t>What happens when you browse?</a:t>
+            </a:r>
+          </a:p>
+        </p:txBody>
+      </p:sp>
+      <p:grpSp>
+        <p:nvGrpSpPr>
+          <p:cNvPr id="15" name="Group 14"/>
+          <p:cNvGrpSpPr/>
+          <p:nvPr/>
+        </p:nvGrpSpPr>
+        <p:grpSpPr>
+          <a:xfrm>
+            <a:off x="563447" y="2502444"/>
+            <a:ext cx="11109709" cy="2306056"/>
+            <a:chOff x="563447" y="2411004"/>
+            <a:chExt cx="11109709" cy="2306056"/>
+          </a:xfrm>
+        </p:grpSpPr>
+        <p:pic>
+          <p:nvPicPr>
+            <p:cNvPr id="16" name="Picture 15"/>
+            <p:cNvPicPr>
+              <a:picLocks noChangeAspect="1"/>
+            </p:cNvPicPr>
+            <p:nvPr/>
+          </p:nvPicPr>
+          <p:blipFill>
+            <a:blip r:embed="rId2">
+              <a:extLst>
+                <a:ext uri="{28A0092B-C50C-407E-A947-70E740481C1C}">
+                  <a14:useLocalDpi xmlns:a14="http://schemas.microsoft.com/office/drawing/2010/main" val="0"/>
+                </a:ext>
+              </a:extLst>
+            </a:blip>
+            <a:stretch>
+              <a:fillRect/>
+            </a:stretch>
+          </p:blipFill>
+          <p:spPr>
+            <a:xfrm>
+              <a:off x="8213208" y="2411004"/>
+              <a:ext cx="3459948" cy="2306056"/>
+            </a:xfrm>
+            <a:prstGeom prst="rect">
+              <a:avLst/>
+            </a:prstGeom>
+          </p:spPr>
+        </p:pic>
+        <p:grpSp>
+          <p:nvGrpSpPr>
+            <p:cNvPr id="17" name="Group 16"/>
+            <p:cNvGrpSpPr/>
+            <p:nvPr/>
+          </p:nvGrpSpPr>
+          <p:grpSpPr>
+            <a:xfrm>
+              <a:off x="3508223" y="3601517"/>
+              <a:ext cx="3974373" cy="1115543"/>
+              <a:chOff x="3151779" y="2249903"/>
+              <a:chExt cx="3974373" cy="2231085"/>
+            </a:xfrm>
+          </p:grpSpPr>
+          <p:sp>
+            <p:nvSpPr>
+              <p:cNvPr id="21" name="Cloud 20"/>
+              <p:cNvSpPr/>
+              <p:nvPr/>
+            </p:nvSpPr>
+            <p:spPr>
+              <a:xfrm>
+                <a:off x="3151779" y="2249903"/>
+                <a:ext cx="3974373" cy="2231085"/>
+              </a:xfrm>
+              <a:prstGeom prst="cloud">
+                <a:avLst/>
+              </a:prstGeom>
+              <a:noFill/>
+              <a:ln w="63500">
+                <a:solidFill>
+                  <a:schemeClr val="tx1"/>
+                </a:solidFill>
+              </a:ln>
+            </p:spPr>
+            <p:style>
+              <a:lnRef idx="2">
+                <a:schemeClr val="accent1">
+                  <a:shade val="50000"/>
+                </a:schemeClr>
+              </a:lnRef>
+              <a:fillRef idx="1">
+                <a:schemeClr val="accent1"/>
+              </a:fillRef>
+              <a:effectRef idx="0">
+                <a:schemeClr val="accent1"/>
+              </a:effectRef>
+              <a:fontRef idx="minor">
+                <a:schemeClr val="lt1"/>
+              </a:fontRef>
+            </p:style>
+            <p:txBody>
+              <a:bodyPr rtlCol="0" anchor="ctr"/>
+              <a:lstStyle/>
+              <a:p>
+                <a:pPr algn="ctr"/>
+                <a:endParaRPr lang="en-US"/>
+              </a:p>
+            </p:txBody>
+          </p:sp>
+          <p:sp>
+            <p:nvSpPr>
+              <p:cNvPr id="22" name="TextBox 21"/>
+              <p:cNvSpPr txBox="1"/>
+              <p:nvPr/>
+            </p:nvSpPr>
+            <p:spPr>
+              <a:xfrm>
+                <a:off x="3466508" y="2787861"/>
+                <a:ext cx="3371278" cy="492444"/>
+              </a:xfrm>
+              <a:prstGeom prst="rect">
+                <a:avLst/>
+              </a:prstGeom>
+              <a:noFill/>
+            </p:spPr>
+            <p:txBody>
+              <a:bodyPr wrap="square" rtlCol="0">
+                <a:spAutoFit/>
+              </a:bodyPr>
+              <a:lstStyle/>
+              <a:p>
+                <a:pPr algn="ctr"/>
+                <a:r>
+                  <a:rPr lang="en-US" sz="2600" dirty="0"/>
+                  <a:t>The Internet</a:t>
+                </a:r>
+              </a:p>
+            </p:txBody>
+          </p:sp>
+        </p:grpSp>
+        <p:pic>
+          <p:nvPicPr>
+            <p:cNvPr id="18" name="Picture 17"/>
+            <p:cNvPicPr>
+              <a:picLocks noChangeAspect="1"/>
+            </p:cNvPicPr>
+            <p:nvPr/>
+          </p:nvPicPr>
+          <p:blipFill>
+            <a:blip r:embed="rId3">
+              <a:extLst>
+                <a:ext uri="{28A0092B-C50C-407E-A947-70E740481C1C}">
+                  <a14:useLocalDpi xmlns:a14="http://schemas.microsoft.com/office/drawing/2010/main" val="0"/>
+                </a:ext>
+              </a:extLst>
+            </a:blip>
+            <a:stretch>
+              <a:fillRect/>
+            </a:stretch>
+          </p:blipFill>
+          <p:spPr>
+            <a:xfrm>
+              <a:off x="563447" y="3345273"/>
+              <a:ext cx="1548282" cy="1371787"/>
+            </a:xfrm>
+            <a:prstGeom prst="rect">
+              <a:avLst/>
+            </a:prstGeom>
+          </p:spPr>
+        </p:pic>
+        <p:cxnSp>
+          <p:nvCxnSpPr>
+            <p:cNvPr id="19" name="Straight Connector 18"/>
+            <p:cNvCxnSpPr>
+              <a:cxnSpLocks/>
+            </p:cNvCxnSpPr>
+            <p:nvPr/>
+          </p:nvCxnSpPr>
+          <p:spPr>
+            <a:xfrm flipH="1" flipV="1">
+              <a:off x="2196325" y="4113900"/>
+              <a:ext cx="1311898" cy="2818"/>
+            </a:xfrm>
+            <a:prstGeom prst="line">
+              <a:avLst/>
+            </a:prstGeom>
+            <a:ln w="50800">
+              <a:solidFill>
+                <a:schemeClr val="tx1"/>
+              </a:solidFill>
+            </a:ln>
+          </p:spPr>
+          <p:style>
+            <a:lnRef idx="1">
+              <a:schemeClr val="accent1"/>
+            </a:lnRef>
+            <a:fillRef idx="0">
+              <a:schemeClr val="accent1"/>
+            </a:fillRef>
+            <a:effectRef idx="0">
+              <a:schemeClr val="accent1"/>
+            </a:effectRef>
+            <a:fontRef idx="minor">
+              <a:schemeClr val="tx1"/>
+            </a:fontRef>
+          </p:style>
+        </p:cxnSp>
+        <p:cxnSp>
+          <p:nvCxnSpPr>
+            <p:cNvPr id="20" name="Straight Connector 19"/>
+            <p:cNvCxnSpPr>
+              <a:cxnSpLocks/>
+            </p:cNvCxnSpPr>
+            <p:nvPr/>
+          </p:nvCxnSpPr>
+          <p:spPr>
+            <a:xfrm flipV="1">
+              <a:off x="7475839" y="4098007"/>
+              <a:ext cx="722129" cy="16918"/>
+            </a:xfrm>
+            <a:prstGeom prst="line">
+              <a:avLst/>
+            </a:prstGeom>
+            <a:ln w="50800">
+              <a:solidFill>
+                <a:schemeClr val="tx1"/>
+              </a:solidFill>
+            </a:ln>
+          </p:spPr>
+          <p:style>
+            <a:lnRef idx="1">
+              <a:schemeClr val="accent1"/>
+            </a:lnRef>
+            <a:fillRef idx="0">
+              <a:schemeClr val="accent1"/>
+            </a:fillRef>
+            <a:effectRef idx="0">
+              <a:schemeClr val="accent1"/>
+            </a:effectRef>
+            <a:fontRef idx="minor">
+              <a:schemeClr val="tx1"/>
+            </a:fontRef>
+          </p:style>
+        </p:cxnSp>
+      </p:grpSp>
+      <p:pic>
+        <p:nvPicPr>
+          <p:cNvPr id="23" name="Picture 22"/>
+          <p:cNvPicPr>
+            <a:picLocks noChangeAspect="1"/>
+          </p:cNvPicPr>
+          <p:nvPr/>
+        </p:nvPicPr>
+        <p:blipFill>
+          <a:blip r:embed="rId4">
+            <a:extLst>
+              <a:ext uri="{28A0092B-C50C-407E-A947-70E740481C1C}">
+                <a14:useLocalDpi xmlns:a14="http://schemas.microsoft.com/office/drawing/2010/main" val="0"/>
+              </a:ext>
+            </a:extLst>
+          </a:blip>
+          <a:stretch>
+            <a:fillRect/>
+          </a:stretch>
+        </p:blipFill>
+        <p:spPr>
+          <a:xfrm>
+            <a:off x="591636" y="3352547"/>
+            <a:ext cx="881534" cy="687078"/>
+          </a:xfrm>
+          <a:prstGeom prst="rect">
+            <a:avLst/>
+          </a:prstGeom>
+        </p:spPr>
+      </p:pic>
+      <p:pic>
+        <p:nvPicPr>
+          <p:cNvPr id="24" name="Picture 23"/>
+          <p:cNvPicPr>
+            <a:picLocks noChangeAspect="1"/>
+          </p:cNvPicPr>
+          <p:nvPr/>
+        </p:nvPicPr>
+        <p:blipFill>
+          <a:blip r:embed="rId5">
+            <a:extLst>
+              <a:ext uri="{28A0092B-C50C-407E-A947-70E740481C1C}">
+                <a14:useLocalDpi xmlns:a14="http://schemas.microsoft.com/office/drawing/2010/main" val="0"/>
+              </a:ext>
+            </a:extLst>
+          </a:blip>
+          <a:stretch>
+            <a:fillRect/>
+          </a:stretch>
+        </p:blipFill>
+        <p:spPr>
+          <a:xfrm>
+            <a:off x="8989758" y="1492360"/>
+            <a:ext cx="2145601" cy="762253"/>
+          </a:xfrm>
+          <a:prstGeom prst="rect">
+            <a:avLst/>
+          </a:prstGeom>
+        </p:spPr>
+      </p:pic>
+      <p:sp>
+        <p:nvSpPr>
+          <p:cNvPr id="3" name="TextBox 2"/>
+          <p:cNvSpPr txBox="1"/>
+          <p:nvPr/>
+        </p:nvSpPr>
+        <p:spPr>
+          <a:xfrm>
+            <a:off x="745530" y="1465969"/>
+            <a:ext cx="7452438" cy="1292662"/>
+          </a:xfrm>
+          <a:prstGeom prst="rect">
+            <a:avLst/>
+          </a:prstGeom>
+          <a:noFill/>
+        </p:spPr>
+        <p:txBody>
+          <a:bodyPr wrap="square" rtlCol="0">
+            <a:spAutoFit/>
+          </a:bodyPr>
+          <a:lstStyle/>
+          <a:p>
+            <a:r>
+              <a:rPr lang="en-US" sz="2600" dirty="0">
+                <a:latin typeface="Helvetica" charset="0"/>
+                <a:ea typeface="Helvetica" charset="0"/>
+                <a:cs typeface="Helvetica" charset="0"/>
+              </a:rPr>
+              <a:t>(1) Send a query to </a:t>
+            </a:r>
+            <a:r>
+              <a:rPr lang="en-US" sz="2600" dirty="0" err="1">
+                <a:latin typeface="Helvetica" charset="0"/>
+                <a:ea typeface="Helvetica" charset="0"/>
+                <a:cs typeface="Helvetica" charset="0"/>
+              </a:rPr>
+              <a:t>google.com</a:t>
+            </a:r>
+            <a:r>
+              <a:rPr lang="en-US" sz="2600" dirty="0">
+                <a:latin typeface="Helvetica" charset="0"/>
+                <a:ea typeface="Helvetica" charset="0"/>
+                <a:cs typeface="Helvetica" charset="0"/>
+              </a:rPr>
+              <a:t> with keywords</a:t>
+            </a:r>
+          </a:p>
+          <a:p>
+            <a:r>
+              <a:rPr lang="en-US" sz="2600" dirty="0">
+                <a:latin typeface="Helvetica" charset="0"/>
+                <a:ea typeface="Helvetica" charset="0"/>
+                <a:cs typeface="Helvetica" charset="0"/>
+              </a:rPr>
+              <a:t>(2) Google churns on your request</a:t>
+            </a:r>
+          </a:p>
+          <a:p>
+            <a:r>
+              <a:rPr lang="en-US" sz="2600" dirty="0">
+                <a:latin typeface="Helvetica" charset="0"/>
+                <a:ea typeface="Helvetica" charset="0"/>
+                <a:cs typeface="Helvetica" charset="0"/>
+              </a:rPr>
+              <a:t>(3) Receive &amp; display the response!</a:t>
+            </a:r>
+          </a:p>
+        </p:txBody>
+      </p:sp>
+      <p:pic>
+        <p:nvPicPr>
+          <p:cNvPr id="14" name="Picture 13"/>
+          <p:cNvPicPr>
+            <a:picLocks noChangeAspect="1"/>
+          </p:cNvPicPr>
+          <p:nvPr/>
+        </p:nvPicPr>
+        <p:blipFill>
+          <a:blip r:embed="rId6">
+            <a:extLst>
+              <a:ext uri="{28A0092B-C50C-407E-A947-70E740481C1C}">
+                <a14:useLocalDpi xmlns:a14="http://schemas.microsoft.com/office/drawing/2010/main" val="0"/>
+              </a:ext>
+            </a:extLst>
+          </a:blip>
+          <a:stretch>
+            <a:fillRect/>
+          </a:stretch>
+        </p:blipFill>
+        <p:spPr>
+          <a:xfrm>
+            <a:off x="2413483" y="3237114"/>
+            <a:ext cx="575951" cy="351331"/>
+          </a:xfrm>
+          <a:prstGeom prst="rect">
+            <a:avLst/>
+          </a:prstGeom>
+        </p:spPr>
+      </p:pic>
+      <p:pic>
+        <p:nvPicPr>
+          <p:cNvPr id="26" name="Picture 25"/>
+          <p:cNvPicPr>
+            <a:picLocks noChangeAspect="1"/>
+          </p:cNvPicPr>
+          <p:nvPr/>
+        </p:nvPicPr>
+        <p:blipFill>
+          <a:blip r:embed="rId6">
+            <a:extLst>
+              <a:ext uri="{28A0092B-C50C-407E-A947-70E740481C1C}">
+                <a14:useLocalDpi xmlns:a14="http://schemas.microsoft.com/office/drawing/2010/main" val="0"/>
+              </a:ext>
+            </a:extLst>
+          </a:blip>
+          <a:stretch>
+            <a:fillRect/>
+          </a:stretch>
+        </p:blipFill>
+        <p:spPr>
+          <a:xfrm>
+            <a:off x="7475839" y="4884447"/>
+            <a:ext cx="575951" cy="351331"/>
+          </a:xfrm>
+          <a:prstGeom prst="rect">
+            <a:avLst/>
+          </a:prstGeom>
+        </p:spPr>
+      </p:pic>
+      <p:pic>
+        <p:nvPicPr>
+          <p:cNvPr id="28" name="Picture 27"/>
+          <p:cNvPicPr>
+            <a:picLocks noChangeAspect="1"/>
+          </p:cNvPicPr>
+          <p:nvPr/>
+        </p:nvPicPr>
+        <p:blipFill>
+          <a:blip r:embed="rId6">
+            <a:extLst>
+              <a:ext uri="{28A0092B-C50C-407E-A947-70E740481C1C}">
+                <a14:useLocalDpi xmlns:a14="http://schemas.microsoft.com/office/drawing/2010/main" val="0"/>
+              </a:ext>
+            </a:extLst>
+          </a:blip>
+          <a:stretch>
+            <a:fillRect/>
+          </a:stretch>
+        </p:blipFill>
+        <p:spPr>
+          <a:xfrm>
+            <a:off x="7628239" y="5036847"/>
+            <a:ext cx="575951" cy="351331"/>
+          </a:xfrm>
+          <a:prstGeom prst="rect">
+            <a:avLst/>
+          </a:prstGeom>
+        </p:spPr>
+      </p:pic>
+      <p:pic>
+        <p:nvPicPr>
+          <p:cNvPr id="29" name="Picture 28"/>
+          <p:cNvPicPr>
+            <a:picLocks noChangeAspect="1"/>
+          </p:cNvPicPr>
+          <p:nvPr/>
+        </p:nvPicPr>
+        <p:blipFill>
+          <a:blip r:embed="rId6">
+            <a:extLst>
+              <a:ext uri="{28A0092B-C50C-407E-A947-70E740481C1C}">
+                <a14:useLocalDpi xmlns:a14="http://schemas.microsoft.com/office/drawing/2010/main" val="0"/>
+              </a:ext>
+            </a:extLst>
+          </a:blip>
+          <a:stretch>
+            <a:fillRect/>
+          </a:stretch>
+        </p:blipFill>
+        <p:spPr>
+          <a:xfrm>
+            <a:off x="7780639" y="5189247"/>
+            <a:ext cx="575951" cy="351331"/>
+          </a:xfrm>
+          <a:prstGeom prst="rect">
+            <a:avLst/>
+          </a:prstGeom>
+        </p:spPr>
+      </p:pic>
+      <p:pic>
+        <p:nvPicPr>
+          <p:cNvPr id="30" name="Picture 29"/>
+          <p:cNvPicPr>
+            <a:picLocks noChangeAspect="1"/>
+          </p:cNvPicPr>
+          <p:nvPr/>
+        </p:nvPicPr>
+        <p:blipFill>
+          <a:blip r:embed="rId6">
+            <a:extLst>
+              <a:ext uri="{28A0092B-C50C-407E-A947-70E740481C1C}">
+                <a14:useLocalDpi xmlns:a14="http://schemas.microsoft.com/office/drawing/2010/main" val="0"/>
+              </a:ext>
+            </a:extLst>
+          </a:blip>
+          <a:stretch>
+            <a:fillRect/>
+          </a:stretch>
+        </p:blipFill>
+        <p:spPr>
+          <a:xfrm>
+            <a:off x="7933039" y="5341647"/>
+            <a:ext cx="575951" cy="351331"/>
+          </a:xfrm>
+          <a:prstGeom prst="rect">
+            <a:avLst/>
+          </a:prstGeom>
+        </p:spPr>
+      </p:pic>
+      <p:pic>
+        <p:nvPicPr>
+          <p:cNvPr id="31" name="Picture 30"/>
+          <p:cNvPicPr>
+            <a:picLocks noChangeAspect="1"/>
+          </p:cNvPicPr>
+          <p:nvPr/>
+        </p:nvPicPr>
+        <p:blipFill>
+          <a:blip r:embed="rId6">
+            <a:extLst>
+              <a:ext uri="{28A0092B-C50C-407E-A947-70E740481C1C}">
+                <a14:useLocalDpi xmlns:a14="http://schemas.microsoft.com/office/drawing/2010/main" val="0"/>
+              </a:ext>
+            </a:extLst>
+          </a:blip>
+          <a:stretch>
+            <a:fillRect/>
+          </a:stretch>
+        </p:blipFill>
+        <p:spPr>
+          <a:xfrm>
+            <a:off x="8085439" y="5494047"/>
+            <a:ext cx="575951" cy="351331"/>
+          </a:xfrm>
+          <a:prstGeom prst="rect">
+            <a:avLst/>
+          </a:prstGeom>
+        </p:spPr>
+      </p:pic>
+      <p:pic>
+        <p:nvPicPr>
+          <p:cNvPr id="4" name="Picture 3"/>
+          <p:cNvPicPr>
+            <a:picLocks noChangeAspect="1"/>
+          </p:cNvPicPr>
+          <p:nvPr/>
+        </p:nvPicPr>
+        <p:blipFill>
+          <a:blip r:embed="rId7">
+            <a:extLst>
+              <a:ext uri="{28A0092B-C50C-407E-A947-70E740481C1C}">
+                <a14:useLocalDpi xmlns:a14="http://schemas.microsoft.com/office/drawing/2010/main" val="0"/>
+              </a:ext>
+            </a:extLst>
+          </a:blip>
+          <a:stretch>
+            <a:fillRect/>
+          </a:stretch>
+        </p:blipFill>
+        <p:spPr>
+          <a:xfrm>
+            <a:off x="8989758" y="5036847"/>
+            <a:ext cx="2332528" cy="1539151"/>
+          </a:xfrm>
+          <a:prstGeom prst="rect">
+            <a:avLst/>
+          </a:prstGeom>
+        </p:spPr>
+      </p:pic>
+    </p:spTree>
+    <p:extLst>
+      <p:ext uri="{BB962C8B-B14F-4D97-AF65-F5344CB8AC3E}">
+        <p14:creationId xmlns:p14="http://schemas.microsoft.com/office/powerpoint/2010/main" val="2643799112"/>
+      </p:ext>
+    </p:extLst>
+  </p:cSld>
+  <p:clrMapOvr>
+    <a:masterClrMapping/>
+  </p:clrMapOvr>
+  <p:timing>
+    <p:tnLst>
+      <p:par>
+        <p:cTn id="1" dur="indefinite" restart="never" nodeType="tmRoot">
+          <p:childTnLst>
+            <p:seq concurrent="1" nextAc="seek">
+              <p:cTn id="2" dur="indefinite" nodeType="mainSeq">
+                <p:childTnLst>
+                  <p:par>
+                    <p:cTn id="3" fill="hold">
+                      <p:stCondLst>
+                        <p:cond delay="indefinite"/>
+                      </p:stCondLst>
+                      <p:childTnLst>
+                        <p:par>
+                          <p:cTn id="4" fill="hold">
+                            <p:stCondLst>
+                              <p:cond delay="0"/>
+                            </p:stCondLst>
+                            <p:childTnLst>
+                              <p:par>
+                                <p:cTn id="5" presetID="1" presetClass="entr" presetSubtype="0" fill="hold" nodeType="clickEffect">
+                                  <p:stCondLst>
+                                    <p:cond delay="0"/>
+                                  </p:stCondLst>
+                                  <p:childTnLst>
+                                    <p:set>
+                                      <p:cBhvr>
+                                        <p:cTn id="6" dur="1" fill="hold">
+                                          <p:stCondLst>
+                                            <p:cond delay="0"/>
+                                          </p:stCondLst>
+                                        </p:cTn>
+                                        <p:tgtEl>
+                                          <p:spTgt spid="3">
+                                            <p:txEl>
+                                              <p:pRg st="0" end="0"/>
+                                            </p:txEl>
+                                          </p:spTgt>
+                                        </p:tgtEl>
+                                        <p:attrNameLst>
+                                          <p:attrName>style.visibility</p:attrName>
+                                        </p:attrNameLst>
+                                      </p:cBhvr>
+                                      <p:to>
+                                        <p:strVal val="visible"/>
+                                      </p:to>
+                                    </p:set>
+                                  </p:childTnLst>
+                                </p:cTn>
+                              </p:par>
+                              <p:par>
+                                <p:cTn id="7" presetID="1" presetClass="entr" presetSubtype="0" fill="hold" nodeType="withEffect">
+                                  <p:stCondLst>
+                                    <p:cond delay="0"/>
+                                  </p:stCondLst>
+                                  <p:childTnLst>
+                                    <p:set>
+                                      <p:cBhvr>
+                                        <p:cTn id="8" dur="1" fill="hold">
+                                          <p:stCondLst>
+                                            <p:cond delay="0"/>
+                                          </p:stCondLst>
+                                        </p:cTn>
+                                        <p:tgtEl>
+                                          <p:spTgt spid="3">
+                                            <p:txEl>
+                                              <p:pRg st="1" end="1"/>
+                                            </p:txEl>
+                                          </p:spTgt>
+                                        </p:tgtEl>
+                                        <p:attrNameLst>
+                                          <p:attrName>style.visibility</p:attrName>
+                                        </p:attrNameLst>
+                                      </p:cBhvr>
+                                      <p:to>
+                                        <p:strVal val="visible"/>
+                                      </p:to>
+                                    </p:set>
+                                  </p:childTnLst>
+                                </p:cTn>
+                              </p:par>
+                              <p:par>
+                                <p:cTn id="9" presetID="1" presetClass="entr" presetSubtype="0" fill="hold" nodeType="withEffect">
+                                  <p:stCondLst>
+                                    <p:cond delay="0"/>
+                                  </p:stCondLst>
+                                  <p:childTnLst>
+                                    <p:set>
+                                      <p:cBhvr>
+                                        <p:cTn id="10" dur="1" fill="hold">
+                                          <p:stCondLst>
+                                            <p:cond delay="0"/>
+                                          </p:stCondLst>
+                                        </p:cTn>
+                                        <p:tgtEl>
+                                          <p:spTgt spid="3">
+                                            <p:txEl>
+                                              <p:pRg st="2" end="2"/>
+                                            </p:txEl>
+                                          </p:spTgt>
+                                        </p:tgtEl>
+                                        <p:attrNameLst>
+                                          <p:attrName>style.visibility</p:attrName>
+                                        </p:attrNameLst>
+                                      </p:cBhvr>
+                                      <p:to>
+                                        <p:strVal val="visible"/>
+                                      </p:to>
+                                    </p:set>
+                                  </p:childTnLst>
+                                </p:cTn>
+                              </p:par>
+                            </p:childTnLst>
+                          </p:cTn>
+                        </p:par>
+                      </p:childTnLst>
+                    </p:cTn>
+                  </p:par>
+                  <p:par>
+                    <p:cTn id="11" fill="hold">
+                      <p:stCondLst>
+                        <p:cond delay="indefinite"/>
+                      </p:stCondLst>
+                      <p:childTnLst>
+                        <p:par>
+                          <p:cTn id="12" fill="hold">
+                            <p:stCondLst>
+                              <p:cond delay="0"/>
+                            </p:stCondLst>
+                            <p:childTnLst>
+                              <p:par>
+                                <p:cTn id="13" presetID="1" presetClass="entr" presetSubtype="0" fill="hold" nodeType="clickEffect">
+                                  <p:stCondLst>
+                                    <p:cond delay="0"/>
+                                  </p:stCondLst>
+                                  <p:childTnLst>
+                                    <p:set>
+                                      <p:cBhvr>
+                                        <p:cTn id="14" dur="1" fill="hold">
+                                          <p:stCondLst>
+                                            <p:cond delay="0"/>
+                                          </p:stCondLst>
+                                        </p:cTn>
+                                        <p:tgtEl>
+                                          <p:spTgt spid="14"/>
+                                        </p:tgtEl>
+                                        <p:attrNameLst>
+                                          <p:attrName>style.visibility</p:attrName>
+                                        </p:attrNameLst>
+                                      </p:cBhvr>
+                                      <p:to>
+                                        <p:strVal val="visible"/>
+                                      </p:to>
+                                    </p:set>
+                                  </p:childTnLst>
+                                </p:cTn>
+                              </p:par>
+                            </p:childTnLst>
+                          </p:cTn>
+                        </p:par>
+                      </p:childTnLst>
+                    </p:cTn>
+                  </p:par>
+                  <p:par>
+                    <p:cTn id="15" fill="hold">
+                      <p:stCondLst>
+                        <p:cond delay="indefinite"/>
+                      </p:stCondLst>
+                      <p:childTnLst>
+                        <p:par>
+                          <p:cTn id="16" fill="hold">
+                            <p:stCondLst>
+                              <p:cond delay="0"/>
+                            </p:stCondLst>
+                            <p:childTnLst>
+                              <p:par>
+                                <p:cTn id="17" presetID="0" presetClass="path" presetSubtype="0" accel="50000" decel="50000" fill="hold" nodeType="clickEffect">
+                                  <p:stCondLst>
+                                    <p:cond delay="0"/>
+                                  </p:stCondLst>
+                                  <p:childTnLst>
+                                    <p:animMotion origin="layout" path="M -2.08333E-6 -2.77556E-17 L 0.4099 -0.0088 " pathEditMode="relative" rAng="0" ptsTypes="AA">
+                                      <p:cBhvr>
+                                        <p:cTn id="18" dur="2000" fill="hold"/>
+                                        <p:tgtEl>
+                                          <p:spTgt spid="14"/>
+                                        </p:tgtEl>
+                                        <p:attrNameLst>
+                                          <p:attrName>ppt_x</p:attrName>
+                                          <p:attrName>ppt_y</p:attrName>
+                                        </p:attrNameLst>
+                                      </p:cBhvr>
+                                      <p:rCtr x="20495" y="-440"/>
+                                    </p:animMotion>
+                                  </p:childTnLst>
+                                </p:cTn>
+                              </p:par>
+                            </p:childTnLst>
+                          </p:cTn>
+                        </p:par>
+                      </p:childTnLst>
+                    </p:cTn>
+                  </p:par>
+                  <p:par>
+                    <p:cTn id="19" fill="hold">
+                      <p:stCondLst>
+                        <p:cond delay="indefinite"/>
+                      </p:stCondLst>
+                      <p:childTnLst>
+                        <p:par>
+                          <p:cTn id="20" fill="hold">
+                            <p:stCondLst>
+                              <p:cond delay="0"/>
+                            </p:stCondLst>
+                            <p:childTnLst>
+                              <p:par>
+                                <p:cTn id="21" presetID="1" presetClass="entr" presetSubtype="0" fill="hold" nodeType="clickEffect">
+                                  <p:stCondLst>
+                                    <p:cond delay="0"/>
+                                  </p:stCondLst>
+                                  <p:childTnLst>
+                                    <p:set>
+                                      <p:cBhvr>
+                                        <p:cTn id="22" dur="1" fill="hold">
+                                          <p:stCondLst>
+                                            <p:cond delay="0"/>
+                                          </p:stCondLst>
+                                        </p:cTn>
+                                        <p:tgtEl>
+                                          <p:spTgt spid="4"/>
+                                        </p:tgtEl>
+                                        <p:attrNameLst>
+                                          <p:attrName>style.visibility</p:attrName>
+                                        </p:attrNameLst>
+                                      </p:cBhvr>
+                                      <p:to>
+                                        <p:strVal val="visible"/>
+                                      </p:to>
+                                    </p:set>
+                                  </p:childTnLst>
+                                </p:cTn>
+                              </p:par>
+                            </p:childTnLst>
+                          </p:cTn>
+                        </p:par>
+                      </p:childTnLst>
+                    </p:cTn>
+                  </p:par>
+                  <p:par>
+                    <p:cTn id="23" fill="hold">
+                      <p:stCondLst>
+                        <p:cond delay="indefinite"/>
+                      </p:stCondLst>
+                      <p:childTnLst>
+                        <p:par>
+                          <p:cTn id="24" fill="hold">
+                            <p:stCondLst>
+                              <p:cond delay="0"/>
+                            </p:stCondLst>
+                            <p:childTnLst>
+                              <p:par>
+                                <p:cTn id="25" presetID="1" presetClass="exit" presetSubtype="0" fill="hold" nodeType="clickEffect">
+                                  <p:stCondLst>
+                                    <p:cond delay="0"/>
+                                  </p:stCondLst>
+                                  <p:childTnLst>
+                                    <p:set>
+                                      <p:cBhvr>
+                                        <p:cTn id="26" dur="1" fill="hold">
+                                          <p:stCondLst>
+                                            <p:cond delay="0"/>
+                                          </p:stCondLst>
+                                        </p:cTn>
+                                        <p:tgtEl>
+                                          <p:spTgt spid="4"/>
+                                        </p:tgtEl>
+                                        <p:attrNameLst>
+                                          <p:attrName>style.visibility</p:attrName>
+                                        </p:attrNameLst>
+                                      </p:cBhvr>
+                                      <p:to>
+                                        <p:strVal val="hidden"/>
+                                      </p:to>
+                                    </p:set>
+                                  </p:childTnLst>
+                                </p:cTn>
+                              </p:par>
+                              <p:par>
+                                <p:cTn id="27" presetID="1" presetClass="entr" presetSubtype="0" fill="hold" nodeType="withEffect">
+                                  <p:stCondLst>
+                                    <p:cond delay="0"/>
+                                  </p:stCondLst>
+                                  <p:childTnLst>
+                                    <p:set>
+                                      <p:cBhvr>
+                                        <p:cTn id="28" dur="1" fill="hold">
+                                          <p:stCondLst>
+                                            <p:cond delay="0"/>
+                                          </p:stCondLst>
+                                        </p:cTn>
+                                        <p:tgtEl>
+                                          <p:spTgt spid="26"/>
+                                        </p:tgtEl>
+                                        <p:attrNameLst>
+                                          <p:attrName>style.visibility</p:attrName>
+                                        </p:attrNameLst>
+                                      </p:cBhvr>
+                                      <p:to>
+                                        <p:strVal val="visible"/>
+                                      </p:to>
+                                    </p:set>
+                                  </p:childTnLst>
+                                </p:cTn>
+                              </p:par>
+                              <p:par>
+                                <p:cTn id="29" presetID="1" presetClass="entr" presetSubtype="0" fill="hold" nodeType="withEffect">
+                                  <p:stCondLst>
+                                    <p:cond delay="0"/>
+                                  </p:stCondLst>
+                                  <p:childTnLst>
+                                    <p:set>
+                                      <p:cBhvr>
+                                        <p:cTn id="30" dur="1" fill="hold">
+                                          <p:stCondLst>
+                                            <p:cond delay="0"/>
+                                          </p:stCondLst>
+                                        </p:cTn>
+                                        <p:tgtEl>
+                                          <p:spTgt spid="28"/>
+                                        </p:tgtEl>
+                                        <p:attrNameLst>
+                                          <p:attrName>style.visibility</p:attrName>
+                                        </p:attrNameLst>
+                                      </p:cBhvr>
+                                      <p:to>
+                                        <p:strVal val="visible"/>
+                                      </p:to>
+                                    </p:set>
+                                  </p:childTnLst>
+                                </p:cTn>
+                              </p:par>
+                              <p:par>
+                                <p:cTn id="31" presetID="1" presetClass="entr" presetSubtype="0" fill="hold" nodeType="withEffect">
+                                  <p:stCondLst>
+                                    <p:cond delay="0"/>
+                                  </p:stCondLst>
+                                  <p:childTnLst>
+                                    <p:set>
+                                      <p:cBhvr>
+                                        <p:cTn id="32" dur="1" fill="hold">
+                                          <p:stCondLst>
+                                            <p:cond delay="0"/>
+                                          </p:stCondLst>
+                                        </p:cTn>
+                                        <p:tgtEl>
+                                          <p:spTgt spid="29"/>
+                                        </p:tgtEl>
+                                        <p:attrNameLst>
+                                          <p:attrName>style.visibility</p:attrName>
+                                        </p:attrNameLst>
+                                      </p:cBhvr>
+                                      <p:to>
+                                        <p:strVal val="visible"/>
+                                      </p:to>
+                                    </p:set>
+                                  </p:childTnLst>
+                                </p:cTn>
+                              </p:par>
+                              <p:par>
+                                <p:cTn id="33" presetID="1" presetClass="entr" presetSubtype="0" fill="hold" nodeType="withEffect">
+                                  <p:stCondLst>
+                                    <p:cond delay="0"/>
+                                  </p:stCondLst>
+                                  <p:childTnLst>
+                                    <p:set>
+                                      <p:cBhvr>
+                                        <p:cTn id="34" dur="1" fill="hold">
+                                          <p:stCondLst>
+                                            <p:cond delay="0"/>
+                                          </p:stCondLst>
+                                        </p:cTn>
+                                        <p:tgtEl>
+                                          <p:spTgt spid="30"/>
+                                        </p:tgtEl>
+                                        <p:attrNameLst>
+                                          <p:attrName>style.visibility</p:attrName>
+                                        </p:attrNameLst>
+                                      </p:cBhvr>
+                                      <p:to>
+                                        <p:strVal val="visible"/>
+                                      </p:to>
+                                    </p:set>
+                                  </p:childTnLst>
+                                </p:cTn>
+                              </p:par>
+                              <p:par>
+                                <p:cTn id="35" presetID="1" presetClass="entr" presetSubtype="0" fill="hold" nodeType="withEffect">
+                                  <p:stCondLst>
+                                    <p:cond delay="0"/>
+                                  </p:stCondLst>
+                                  <p:childTnLst>
+                                    <p:set>
+                                      <p:cBhvr>
+                                        <p:cTn id="36" dur="1" fill="hold">
+                                          <p:stCondLst>
+                                            <p:cond delay="0"/>
+                                          </p:stCondLst>
+                                        </p:cTn>
+                                        <p:tgtEl>
+                                          <p:spTgt spid="31"/>
+                                        </p:tgtEl>
+                                        <p:attrNameLst>
+                                          <p:attrName>style.visibility</p:attrName>
+                                        </p:attrNameLst>
+                                      </p:cBhvr>
+                                      <p:to>
+                                        <p:strVal val="visible"/>
+                                      </p:to>
+                                    </p:set>
+                                  </p:childTnLst>
+                                </p:cTn>
+                              </p:par>
+                            </p:childTnLst>
+                          </p:cTn>
+                        </p:par>
+                      </p:childTnLst>
+                    </p:cTn>
+                  </p:par>
+                  <p:par>
+                    <p:cTn id="37" fill="hold">
+                      <p:stCondLst>
+                        <p:cond delay="indefinite"/>
+                      </p:stCondLst>
+                      <p:childTnLst>
+                        <p:par>
+                          <p:cTn id="38" fill="hold">
+                            <p:stCondLst>
+                              <p:cond delay="0"/>
+                            </p:stCondLst>
+                            <p:childTnLst>
+                              <p:par>
+                                <p:cTn id="39" presetID="0" presetClass="path" presetSubtype="0" accel="50000" decel="50000" fill="hold" nodeType="clickEffect">
+                                  <p:stCondLst>
+                                    <p:cond delay="0"/>
+                                  </p:stCondLst>
+                                  <p:childTnLst>
+                                    <p:animMotion origin="layout" path="M 1.25E-6 -1.48148E-6 L -0.41927 0.00255 " pathEditMode="relative" rAng="0" ptsTypes="AA">
+                                      <p:cBhvr>
+                                        <p:cTn id="40" dur="2000" fill="hold"/>
+                                        <p:tgtEl>
+                                          <p:spTgt spid="26"/>
+                                        </p:tgtEl>
+                                        <p:attrNameLst>
+                                          <p:attrName>ppt_x</p:attrName>
+                                          <p:attrName>ppt_y</p:attrName>
+                                        </p:attrNameLst>
+                                      </p:cBhvr>
+                                      <p:rCtr x="-20964" y="116"/>
+                                    </p:animMotion>
+                                  </p:childTnLst>
+                                </p:cTn>
+                              </p:par>
+                              <p:par>
+                                <p:cTn id="41" presetID="0" presetClass="path" presetSubtype="0" accel="50000" decel="50000" fill="hold" nodeType="withEffect">
+                                  <p:stCondLst>
+                                    <p:cond delay="0"/>
+                                  </p:stCondLst>
+                                  <p:childTnLst>
+                                    <p:animMotion origin="layout" path="M 1.25E-6 -1.48148E-6 L -0.41927 0.00255 " pathEditMode="relative" rAng="0" ptsTypes="AA">
+                                      <p:cBhvr>
+                                        <p:cTn id="42" dur="2000" fill="hold"/>
+                                        <p:tgtEl>
+                                          <p:spTgt spid="28"/>
+                                        </p:tgtEl>
+                                        <p:attrNameLst>
+                                          <p:attrName>ppt_x</p:attrName>
+                                          <p:attrName>ppt_y</p:attrName>
+                                        </p:attrNameLst>
+                                      </p:cBhvr>
+                                      <p:rCtr x="-20964" y="116"/>
+                                    </p:animMotion>
+                                  </p:childTnLst>
+                                </p:cTn>
+                              </p:par>
+                              <p:par>
+                                <p:cTn id="43" presetID="0" presetClass="path" presetSubtype="0" accel="50000" decel="50000" fill="hold" nodeType="withEffect">
+                                  <p:stCondLst>
+                                    <p:cond delay="0"/>
+                                  </p:stCondLst>
+                                  <p:childTnLst>
+                                    <p:animMotion origin="layout" path="M 1.25E-6 -1.48148E-6 L -0.41927 0.00255 " pathEditMode="relative" rAng="0" ptsTypes="AA">
+                                      <p:cBhvr>
+                                        <p:cTn id="44" dur="2000" fill="hold"/>
+                                        <p:tgtEl>
+                                          <p:spTgt spid="29"/>
+                                        </p:tgtEl>
+                                        <p:attrNameLst>
+                                          <p:attrName>ppt_x</p:attrName>
+                                          <p:attrName>ppt_y</p:attrName>
+                                        </p:attrNameLst>
+                                      </p:cBhvr>
+                                      <p:rCtr x="-20964" y="116"/>
+                                    </p:animMotion>
+                                  </p:childTnLst>
+                                </p:cTn>
+                              </p:par>
+                              <p:par>
+                                <p:cTn id="45" presetID="0" presetClass="path" presetSubtype="0" accel="50000" decel="50000" fill="hold" nodeType="withEffect">
+                                  <p:stCondLst>
+                                    <p:cond delay="0"/>
+                                  </p:stCondLst>
+                                  <p:childTnLst>
+                                    <p:animMotion origin="layout" path="M 1.25E-6 -1.48148E-6 L -0.41927 0.00255 " pathEditMode="relative" rAng="0" ptsTypes="AA">
+                                      <p:cBhvr>
+                                        <p:cTn id="46" dur="2000" fill="hold"/>
+                                        <p:tgtEl>
+                                          <p:spTgt spid="30"/>
+                                        </p:tgtEl>
+                                        <p:attrNameLst>
+                                          <p:attrName>ppt_x</p:attrName>
+                                          <p:attrName>ppt_y</p:attrName>
+                                        </p:attrNameLst>
+                                      </p:cBhvr>
+                                      <p:rCtr x="-20964" y="116"/>
+                                    </p:animMotion>
+                                  </p:childTnLst>
+                                </p:cTn>
+                              </p:par>
+                              <p:par>
+                                <p:cTn id="47" presetID="0" presetClass="path" presetSubtype="0" accel="50000" decel="50000" fill="hold" nodeType="withEffect">
+                                  <p:stCondLst>
+                                    <p:cond delay="0"/>
+                                  </p:stCondLst>
+                                  <p:childTnLst>
+                                    <p:animMotion origin="layout" path="M 1.25E-6 -1.48148E-6 L -0.41927 0.00255 " pathEditMode="relative" rAng="0" ptsTypes="AA">
+                                      <p:cBhvr>
+                                        <p:cTn id="48" dur="2000" fill="hold"/>
+                                        <p:tgtEl>
+                                          <p:spTgt spid="31"/>
+                                        </p:tgtEl>
+                                        <p:attrNameLst>
+                                          <p:attrName>ppt_x</p:attrName>
+                                          <p:attrName>ppt_y</p:attrName>
+                                        </p:attrNameLst>
+                                      </p:cBhvr>
+                                      <p:rCtr x="-20964" y="116"/>
+                                    </p:animMotion>
+                                  </p:childTnLst>
+                                </p:cTn>
+                              </p:par>
+                            </p:childTnLst>
+                          </p:cTn>
+                        </p:par>
+                      </p:childTnLst>
+                    </p:cTn>
+                  </p:par>
+                  <p:par>
+                    <p:cTn id="49" fill="hold">
+                      <p:stCondLst>
+                        <p:cond delay="indefinite"/>
+                      </p:stCondLst>
+                      <p:childTnLst>
+                        <p:par>
+                          <p:cTn id="50" fill="hold">
+                            <p:stCondLst>
+                              <p:cond delay="0"/>
+                            </p:stCondLst>
+                            <p:childTnLst>
+                              <p:par>
+                                <p:cTn id="51" presetID="3" presetClass="emph" presetSubtype="2" fill="hold" nodeType="clickEffect">
+                                  <p:stCondLst>
+                                    <p:cond delay="0"/>
+                                  </p:stCondLst>
+                                  <p:childTnLst>
+                                    <p:animClr clrSpc="rgb" dir="cw">
+                                      <p:cBhvr override="childStyle">
+                                        <p:cTn id="52" dur="500" fill="hold"/>
+                                        <p:tgtEl>
+                                          <p:spTgt spid="3">
+                                            <p:txEl>
+                                              <p:pRg st="0" end="0"/>
+                                            </p:txEl>
+                                          </p:spTgt>
+                                        </p:tgtEl>
+                                        <p:attrNameLst>
+                                          <p:attrName>style.color</p:attrName>
+                                        </p:attrNameLst>
+                                      </p:cBhvr>
+                                      <p:to>
+                                        <a:srgbClr val="EF2E1C"/>
+                                      </p:to>
+                                    </p:animClr>
+                                  </p:childTnLst>
+                                </p:cTn>
+                              </p:par>
+                            </p:childTnLst>
+                          </p:cTn>
+                        </p:par>
+                      </p:childTnLst>
+                    </p:cTn>
+                  </p:par>
+                </p:childTnLst>
+              </p:cTn>
+              <p:prevCondLst>
+                <p:cond evt="onPrev" delay="0">
+                  <p:tgtEl>
+                    <p:sldTgt/>
+                  </p:tgtEl>
+                </p:cond>
+              </p:prevCondLst>
+              <p:nextCondLst>
+                <p:cond evt="onNext" delay="0">
+                  <p:tgtEl>
+                    <p:sldTgt/>
+                  </p:tgtEl>
+                </p:cond>
+              </p:nextCondLst>
+            </p:seq>
+          </p:childTnLst>
+        </p:cTn>
+      </p:par>
+    </p:tnLst>
+  </p:timing>
+</p:sld>
+</file>
+
+<file path=ppt/slides/slide3.xml><?xml version="1.0" encoding="utf-8"?>
+<p:sld xmlns:a="http://schemas.openxmlformats.org/drawingml/2006/main" xmlns:r="http://schemas.openxmlformats.org/officeDocument/2006/relationships" xmlns:p="http://schemas.openxmlformats.org/presentationml/2006/main">
+  <p:cSld>
+    <p:spTree>
+      <p:nvGrpSpPr>
+        <p:cNvPr id="1" name=""/>
+        <p:cNvGrpSpPr/>
+        <p:nvPr/>
+      </p:nvGrpSpPr>
+      <p:grpSpPr>
+        <a:xfrm>
+          <a:off x="0" y="0"/>
+          <a:ext cx="0" cy="0"/>
+          <a:chOff x="0" y="0"/>
+          <a:chExt cx="0" cy="0"/>
+        </a:xfrm>
+      </p:grpSpPr>
+      <p:sp>
+        <p:nvSpPr>
+          <p:cNvPr id="2" name="Title 1"/>
+          <p:cNvSpPr>
+            <a:spLocks noGrp="1"/>
+          </p:cNvSpPr>
+          <p:nvPr>
+            <p:ph type="title"/>
+          </p:nvPr>
+        </p:nvSpPr>
         <p:spPr>
           <a:xfrm>
             <a:off x="964247" y="2468880"/>
@@ -16819,7 +22107,7 @@
 </p:sld>
 </file>
 
-<file path=ppt/slides/slide3.xml><?xml version="1.0" encoding="utf-8"?>
+<file path=ppt/slides/slide4.xml><?xml version="1.0" encoding="utf-8"?>
 <p:sld xmlns:a="http://schemas.openxmlformats.org/drawingml/2006/main" xmlns:r="http://schemas.openxmlformats.org/officeDocument/2006/relationships" xmlns:p="http://schemas.openxmlformats.org/presentationml/2006/main">
   <p:cSld>
     <p:spTree>
@@ -16861,7 +22149,7 @@
             <a:pPr algn="ctr"/>
             <a:r>
               <a:rPr lang="en-US" sz="4800" dirty="0"/>
-              <a:t>But how does your laptop know </a:t>
+              <a:t>How does your laptop know </a:t>
             </a:r>
             <a:br>
               <a:rPr lang="en-US" sz="4800" dirty="0"/>
@@ -16981,7 +22269,7 @@
 </p:sld>
 </file>
 
-<file path=ppt/slides/slide4.xml><?xml version="1.0" encoding="utf-8"?>
+<file path=ppt/slides/slide5.xml><?xml version="1.0" encoding="utf-8"?>
 <p:sld xmlns:a="http://schemas.openxmlformats.org/drawingml/2006/main" xmlns:r="http://schemas.openxmlformats.org/officeDocument/2006/relationships" xmlns:p="http://schemas.openxmlformats.org/presentationml/2006/main">
   <p:cSld>
     <p:spTree>
@@ -17023,7 +22311,7 @@
             <a:pPr algn="ctr"/>
             <a:r>
               <a:rPr lang="en-US" sz="4800" dirty="0"/>
-              <a:t>But how does your laptop know </a:t>
+              <a:t>How does your laptop know </a:t>
             </a:r>
             <a:br>
               <a:rPr lang="en-US" sz="4800" dirty="0"/>
@@ -17125,7 +22413,7 @@
 </p:sld>
 </file>
 
-<file path=ppt/slides/slide5.xml><?xml version="1.0" encoding="utf-8"?>
+<file path=ppt/slides/slide6.xml><?xml version="1.0" encoding="utf-8"?>
 <p:sld xmlns:a="http://schemas.openxmlformats.org/drawingml/2006/main" xmlns:r="http://schemas.openxmlformats.org/officeDocument/2006/relationships" xmlns:p="http://schemas.openxmlformats.org/presentationml/2006/main">
   <p:cSld>
     <p:spTree>
@@ -17213,7 +22501,7 @@
 </p:sld>
 </file>
 
-<file path=ppt/slides/slide6.xml><?xml version="1.0" encoding="utf-8"?>
+<file path=ppt/slides/slide7.xml><?xml version="1.0" encoding="utf-8"?>
 <p:sld xmlns:a="http://schemas.openxmlformats.org/drawingml/2006/main" xmlns:r="http://schemas.openxmlformats.org/officeDocument/2006/relationships" xmlns:p="http://schemas.openxmlformats.org/presentationml/2006/main">
   <p:cSld>
     <p:spTree>
@@ -18768,7 +24056,7 @@
 </p:sld>
 </file>
 
-<file path=ppt/slides/slide7.xml><?xml version="1.0" encoding="utf-8"?>
+<file path=ppt/slides/slide8.xml><?xml version="1.0" encoding="utf-8"?>
 <p:sld xmlns:a="http://schemas.openxmlformats.org/drawingml/2006/main" xmlns:r="http://schemas.openxmlformats.org/officeDocument/2006/relationships" xmlns:p="http://schemas.openxmlformats.org/presentationml/2006/main">
   <p:cSld>
     <p:spTree>
@@ -19925,7 +25213,7 @@
           <a:effectLst/>
           <a:extLst>
             <a:ext uri="{909E8E84-426E-40dd-AFC4-6F175D3DCCD1}">
-              <a14:hiddenFill xmlns="" xmlns:a14="http://schemas.microsoft.com/office/drawing/2010/main">
+              <a14:hiddenFill xmlns:a14="http://schemas.microsoft.com/office/drawing/2010/main" xmlns="">
                 <a:blipFill dpi="0" rotWithShape="0">
                   <a:blip/>
                   <a:srcRect/>
@@ -19936,7 +25224,7 @@
               </a14:hiddenFill>
             </a:ext>
             <a:ext uri="{91240B29-F687-4f45-9708-019B960494DF}">
-              <a14:hiddenLine xmlns="" xmlns:a14="http://schemas.microsoft.com/office/drawing/2010/main" w="9525">
+              <a14:hiddenLine xmlns:a14="http://schemas.microsoft.com/office/drawing/2010/main" xmlns="" w="9525">
                 <a:solidFill>
                   <a:srgbClr val="000000"/>
                 </a:solidFill>
@@ -19946,7 +25234,7 @@
               </a14:hiddenLine>
             </a:ext>
             <a:ext uri="{AF507438-7753-43e0-B8FC-AC1667EBCBE1}">
-              <a14:hiddenEffects xmlns="" xmlns:a14="http://schemas.microsoft.com/office/drawing/2010/main">
+              <a14:hiddenEffects xmlns:a14="http://schemas.microsoft.com/office/drawing/2010/main" xmlns="">
                 <a:effectLst>
                   <a:outerShdw blurRad="63500" dist="38099" dir="2700000" algn="ctr" rotWithShape="0">
                     <a:srgbClr val="000000">
@@ -20497,7 +25785,7 @@
 </p:sld>
 </file>
 
-<file path=ppt/slides/slide8.xml><?xml version="1.0" encoding="utf-8"?>
+<file path=ppt/slides/slide9.xml><?xml version="1.0" encoding="utf-8"?>
 <p:sld xmlns:a="http://schemas.openxmlformats.org/drawingml/2006/main" xmlns:r="http://schemas.openxmlformats.org/officeDocument/2006/relationships" xmlns:p="http://schemas.openxmlformats.org/presentationml/2006/main">
   <p:cSld>
     <p:spTree>
@@ -20747,4038 +26035,6 @@
         </p:cTn>
       </p:par>
     </p:tnLst>
-  </p:timing>
-</p:sld>
-</file>
-
-<file path=ppt/slides/slide9.xml><?xml version="1.0" encoding="utf-8"?>
-<p:sld xmlns:a="http://schemas.openxmlformats.org/drawingml/2006/main" xmlns:r="http://schemas.openxmlformats.org/officeDocument/2006/relationships" xmlns:p="http://schemas.openxmlformats.org/presentationml/2006/main">
-  <p:cSld>
-    <p:spTree>
-      <p:nvGrpSpPr>
-        <p:cNvPr id="1" name=""/>
-        <p:cNvGrpSpPr/>
-        <p:nvPr/>
-      </p:nvGrpSpPr>
-      <p:grpSpPr>
-        <a:xfrm>
-          <a:off x="0" y="0"/>
-          <a:ext cx="0" cy="0"/>
-          <a:chOff x="0" y="0"/>
-          <a:chExt cx="0" cy="0"/>
-        </a:xfrm>
-      </p:grpSpPr>
-      <p:sp>
-        <p:nvSpPr>
-          <p:cNvPr id="6" name="Rectangle 4"/>
-          <p:cNvSpPr>
-            <a:spLocks noChangeArrowheads="1"/>
-          </p:cNvSpPr>
-          <p:nvPr/>
-        </p:nvSpPr>
-        <p:spPr bwMode="auto">
-          <a:xfrm>
-            <a:off x="838199" y="5189109"/>
-            <a:ext cx="6561406" cy="1129154"/>
-          </a:xfrm>
-          <a:prstGeom prst="rect">
-            <a:avLst/>
-          </a:prstGeom>
-          <a:solidFill>
-            <a:srgbClr val="660066"/>
-          </a:solidFill>
-          <a:ln w="9525">
-            <a:solidFill>
-              <a:srgbClr val="000000"/>
-            </a:solidFill>
-            <a:miter lim="800000"/>
-            <a:headEnd/>
-            <a:tailEnd/>
-          </a:ln>
-        </p:spPr>
-        <p:txBody>
-          <a:bodyPr wrap="none" lIns="91420" tIns="45712" rIns="91420" bIns="45712" anchor="ctr"/>
-          <a:lstStyle>
-            <a:lvl1pPr>
-              <a:spcBef>
-                <a:spcPct val="50000"/>
-              </a:spcBef>
-              <a:buChar char="•"/>
-              <a:defRPr sz="2800">
-                <a:solidFill>
-                  <a:srgbClr val="0000FF"/>
-                </a:solidFill>
-                <a:latin typeface="Arial" charset="0"/>
-                <a:ea typeface="ＭＳ Ｐゴシック" charset="-128"/>
-                <a:cs typeface="Arial" charset="0"/>
-              </a:defRPr>
-            </a:lvl1pPr>
-            <a:lvl2pPr marL="742950" indent="-285750">
-              <a:spcBef>
-                <a:spcPct val="10000"/>
-              </a:spcBef>
-              <a:buFont typeface="Helvetica" charset="0"/>
-              <a:buChar char="–"/>
-              <a:defRPr sz="2400">
-                <a:solidFill>
-                  <a:schemeClr val="accent2"/>
-                </a:solidFill>
-                <a:latin typeface="Arial" charset="0"/>
-                <a:ea typeface="Arial" charset="0"/>
-                <a:cs typeface="Arial" charset="0"/>
-              </a:defRPr>
-            </a:lvl2pPr>
-            <a:lvl3pPr marL="1143000" indent="-228600">
-              <a:spcBef>
-                <a:spcPct val="10000"/>
-              </a:spcBef>
-              <a:buFont typeface="Wingdings" charset="2"/>
-              <a:buChar char=""/>
-              <a:defRPr sz="2000">
-                <a:solidFill>
-                  <a:schemeClr val="tx1"/>
-                </a:solidFill>
-                <a:latin typeface="Arial" charset="0"/>
-                <a:ea typeface="Arial" charset="0"/>
-                <a:cs typeface="Arial" charset="0"/>
-              </a:defRPr>
-            </a:lvl3pPr>
-            <a:lvl4pPr marL="1600200" indent="-228600">
-              <a:spcBef>
-                <a:spcPct val="10000"/>
-              </a:spcBef>
-              <a:buChar char="•"/>
-              <a:defRPr sz="2000">
-                <a:solidFill>
-                  <a:schemeClr val="accent2"/>
-                </a:solidFill>
-                <a:latin typeface="Helvetica" charset="0"/>
-                <a:ea typeface="Arial" charset="0"/>
-                <a:cs typeface="Arial" charset="0"/>
-              </a:defRPr>
-            </a:lvl4pPr>
-            <a:lvl5pPr marL="2057400" indent="-228600">
-              <a:spcBef>
-                <a:spcPct val="10000"/>
-              </a:spcBef>
-              <a:buChar char="•"/>
-              <a:defRPr sz="2000">
-                <a:solidFill>
-                  <a:schemeClr val="tx1"/>
-                </a:solidFill>
-                <a:latin typeface="Helvetica" charset="0"/>
-                <a:ea typeface="Arial" charset="0"/>
-                <a:cs typeface="Arial" charset="0"/>
-              </a:defRPr>
-            </a:lvl5pPr>
-            <a:lvl6pPr marL="2514600" indent="-228600" eaLnBrk="0" fontAlgn="base" hangingPunct="0">
-              <a:spcBef>
-                <a:spcPct val="10000"/>
-              </a:spcBef>
-              <a:spcAft>
-                <a:spcPct val="0"/>
-              </a:spcAft>
-              <a:buChar char="•"/>
-              <a:defRPr sz="2000">
-                <a:solidFill>
-                  <a:schemeClr val="tx1"/>
-                </a:solidFill>
-                <a:latin typeface="Helvetica" charset="0"/>
-                <a:ea typeface="Arial" charset="0"/>
-                <a:cs typeface="Arial" charset="0"/>
-              </a:defRPr>
-            </a:lvl6pPr>
-            <a:lvl7pPr marL="2971800" indent="-228600" eaLnBrk="0" fontAlgn="base" hangingPunct="0">
-              <a:spcBef>
-                <a:spcPct val="10000"/>
-              </a:spcBef>
-              <a:spcAft>
-                <a:spcPct val="0"/>
-              </a:spcAft>
-              <a:buChar char="•"/>
-              <a:defRPr sz="2000">
-                <a:solidFill>
-                  <a:schemeClr val="tx1"/>
-                </a:solidFill>
-                <a:latin typeface="Helvetica" charset="0"/>
-                <a:ea typeface="Arial" charset="0"/>
-                <a:cs typeface="Arial" charset="0"/>
-              </a:defRPr>
-            </a:lvl7pPr>
-            <a:lvl8pPr marL="3429000" indent="-228600" eaLnBrk="0" fontAlgn="base" hangingPunct="0">
-              <a:spcBef>
-                <a:spcPct val="10000"/>
-              </a:spcBef>
-              <a:spcAft>
-                <a:spcPct val="0"/>
-              </a:spcAft>
-              <a:buChar char="•"/>
-              <a:defRPr sz="2000">
-                <a:solidFill>
-                  <a:schemeClr val="tx1"/>
-                </a:solidFill>
-                <a:latin typeface="Helvetica" charset="0"/>
-                <a:ea typeface="Arial" charset="0"/>
-                <a:cs typeface="Arial" charset="0"/>
-              </a:defRPr>
-            </a:lvl8pPr>
-            <a:lvl9pPr marL="3886200" indent="-228600" eaLnBrk="0" fontAlgn="base" hangingPunct="0">
-              <a:spcBef>
-                <a:spcPct val="10000"/>
-              </a:spcBef>
-              <a:spcAft>
-                <a:spcPct val="0"/>
-              </a:spcAft>
-              <a:buChar char="•"/>
-              <a:defRPr sz="2000">
-                <a:solidFill>
-                  <a:schemeClr val="tx1"/>
-                </a:solidFill>
-                <a:latin typeface="Helvetica" charset="0"/>
-                <a:ea typeface="Arial" charset="0"/>
-                <a:cs typeface="Arial" charset="0"/>
-              </a:defRPr>
-            </a:lvl9pPr>
-          </a:lstStyle>
-          <a:p>
-            <a:pPr algn="ctr" eaLnBrk="1" hangingPunct="1">
-              <a:spcBef>
-                <a:spcPct val="0"/>
-              </a:spcBef>
-              <a:buFontTx/>
-              <a:buNone/>
-            </a:pPr>
-            <a:r>
-              <a:rPr lang="en-US" altLang="en-US" sz="2400" dirty="0">
-                <a:solidFill>
-                  <a:schemeClr val="bg1"/>
-                </a:solidFill>
-              </a:rPr>
-              <a:t>Link: best-effort local </a:t>
-            </a:r>
-            <a:r>
-              <a:rPr lang="en-US" altLang="en-US" sz="2400" dirty="0" err="1">
-                <a:solidFill>
-                  <a:schemeClr val="bg1"/>
-                </a:solidFill>
-              </a:rPr>
-              <a:t>pkt</a:t>
-            </a:r>
-            <a:r>
-              <a:rPr lang="en-US" altLang="en-US" sz="2400" dirty="0">
-                <a:solidFill>
-                  <a:schemeClr val="bg1"/>
-                </a:solidFill>
-              </a:rPr>
-              <a:t> delivery</a:t>
-            </a:r>
-            <a:endParaRPr lang="en-US" altLang="en-US" sz="2400" b="0" dirty="0">
-              <a:solidFill>
-                <a:schemeClr val="bg1"/>
-              </a:solidFill>
-            </a:endParaRPr>
-          </a:p>
-        </p:txBody>
-      </p:sp>
-      <p:sp>
-        <p:nvSpPr>
-          <p:cNvPr id="7" name="Rectangle 5"/>
-          <p:cNvSpPr>
-            <a:spLocks noChangeArrowheads="1"/>
-          </p:cNvSpPr>
-          <p:nvPr/>
-        </p:nvSpPr>
-        <p:spPr bwMode="auto">
-          <a:xfrm>
-            <a:off x="838199" y="4062896"/>
-            <a:ext cx="6561406" cy="1126213"/>
-          </a:xfrm>
-          <a:prstGeom prst="rect">
-            <a:avLst/>
-          </a:prstGeom>
-          <a:solidFill>
-            <a:srgbClr val="3C82C0"/>
-          </a:solidFill>
-          <a:ln w="9525">
-            <a:solidFill>
-              <a:schemeClr val="tx1"/>
-            </a:solidFill>
-            <a:miter lim="800000"/>
-            <a:headEnd/>
-            <a:tailEnd/>
-          </a:ln>
-        </p:spPr>
-        <p:txBody>
-          <a:bodyPr wrap="none" lIns="91420" tIns="45712" rIns="91420" bIns="45712" anchor="ctr"/>
-          <a:lstStyle>
-            <a:lvl1pPr>
-              <a:spcBef>
-                <a:spcPct val="50000"/>
-              </a:spcBef>
-              <a:buChar char="•"/>
-              <a:defRPr sz="2800">
-                <a:solidFill>
-                  <a:srgbClr val="0000FF"/>
-                </a:solidFill>
-                <a:latin typeface="Arial" charset="0"/>
-                <a:ea typeface="ＭＳ Ｐゴシック" charset="-128"/>
-                <a:cs typeface="Arial" charset="0"/>
-              </a:defRPr>
-            </a:lvl1pPr>
-            <a:lvl2pPr marL="742950" indent="-285750">
-              <a:spcBef>
-                <a:spcPct val="10000"/>
-              </a:spcBef>
-              <a:buFont typeface="Helvetica" charset="0"/>
-              <a:buChar char="–"/>
-              <a:defRPr sz="2400">
-                <a:solidFill>
-                  <a:schemeClr val="accent2"/>
-                </a:solidFill>
-                <a:latin typeface="Arial" charset="0"/>
-                <a:ea typeface="Arial" charset="0"/>
-                <a:cs typeface="Arial" charset="0"/>
-              </a:defRPr>
-            </a:lvl2pPr>
-            <a:lvl3pPr marL="1143000" indent="-228600">
-              <a:spcBef>
-                <a:spcPct val="10000"/>
-              </a:spcBef>
-              <a:buFont typeface="Wingdings" charset="2"/>
-              <a:buChar char=""/>
-              <a:defRPr sz="2000">
-                <a:solidFill>
-                  <a:schemeClr val="tx1"/>
-                </a:solidFill>
-                <a:latin typeface="Arial" charset="0"/>
-                <a:ea typeface="Arial" charset="0"/>
-                <a:cs typeface="Arial" charset="0"/>
-              </a:defRPr>
-            </a:lvl3pPr>
-            <a:lvl4pPr marL="1600200" indent="-228600">
-              <a:spcBef>
-                <a:spcPct val="10000"/>
-              </a:spcBef>
-              <a:buChar char="•"/>
-              <a:defRPr sz="2000">
-                <a:solidFill>
-                  <a:schemeClr val="accent2"/>
-                </a:solidFill>
-                <a:latin typeface="Helvetica" charset="0"/>
-                <a:ea typeface="Arial" charset="0"/>
-                <a:cs typeface="Arial" charset="0"/>
-              </a:defRPr>
-            </a:lvl4pPr>
-            <a:lvl5pPr marL="2057400" indent="-228600">
-              <a:spcBef>
-                <a:spcPct val="10000"/>
-              </a:spcBef>
-              <a:buChar char="•"/>
-              <a:defRPr sz="2000">
-                <a:solidFill>
-                  <a:schemeClr val="tx1"/>
-                </a:solidFill>
-                <a:latin typeface="Helvetica" charset="0"/>
-                <a:ea typeface="Arial" charset="0"/>
-                <a:cs typeface="Arial" charset="0"/>
-              </a:defRPr>
-            </a:lvl5pPr>
-            <a:lvl6pPr marL="2514600" indent="-228600" eaLnBrk="0" fontAlgn="base" hangingPunct="0">
-              <a:spcBef>
-                <a:spcPct val="10000"/>
-              </a:spcBef>
-              <a:spcAft>
-                <a:spcPct val="0"/>
-              </a:spcAft>
-              <a:buChar char="•"/>
-              <a:defRPr sz="2000">
-                <a:solidFill>
-                  <a:schemeClr val="tx1"/>
-                </a:solidFill>
-                <a:latin typeface="Helvetica" charset="0"/>
-                <a:ea typeface="Arial" charset="0"/>
-                <a:cs typeface="Arial" charset="0"/>
-              </a:defRPr>
-            </a:lvl6pPr>
-            <a:lvl7pPr marL="2971800" indent="-228600" eaLnBrk="0" fontAlgn="base" hangingPunct="0">
-              <a:spcBef>
-                <a:spcPct val="10000"/>
-              </a:spcBef>
-              <a:spcAft>
-                <a:spcPct val="0"/>
-              </a:spcAft>
-              <a:buChar char="•"/>
-              <a:defRPr sz="2000">
-                <a:solidFill>
-                  <a:schemeClr val="tx1"/>
-                </a:solidFill>
-                <a:latin typeface="Helvetica" charset="0"/>
-                <a:ea typeface="Arial" charset="0"/>
-                <a:cs typeface="Arial" charset="0"/>
-              </a:defRPr>
-            </a:lvl7pPr>
-            <a:lvl8pPr marL="3429000" indent="-228600" eaLnBrk="0" fontAlgn="base" hangingPunct="0">
-              <a:spcBef>
-                <a:spcPct val="10000"/>
-              </a:spcBef>
-              <a:spcAft>
-                <a:spcPct val="0"/>
-              </a:spcAft>
-              <a:buChar char="•"/>
-              <a:defRPr sz="2000">
-                <a:solidFill>
-                  <a:schemeClr val="tx1"/>
-                </a:solidFill>
-                <a:latin typeface="Helvetica" charset="0"/>
-                <a:ea typeface="Arial" charset="0"/>
-                <a:cs typeface="Arial" charset="0"/>
-              </a:defRPr>
-            </a:lvl8pPr>
-            <a:lvl9pPr marL="3886200" indent="-228600" eaLnBrk="0" fontAlgn="base" hangingPunct="0">
-              <a:spcBef>
-                <a:spcPct val="10000"/>
-              </a:spcBef>
-              <a:spcAft>
-                <a:spcPct val="0"/>
-              </a:spcAft>
-              <a:buChar char="•"/>
-              <a:defRPr sz="2000">
-                <a:solidFill>
-                  <a:schemeClr val="tx1"/>
-                </a:solidFill>
-                <a:latin typeface="Helvetica" charset="0"/>
-                <a:ea typeface="Arial" charset="0"/>
-                <a:cs typeface="Arial" charset="0"/>
-              </a:defRPr>
-            </a:lvl9pPr>
-          </a:lstStyle>
-          <a:p>
-            <a:pPr algn="ctr" eaLnBrk="1" hangingPunct="1">
-              <a:spcBef>
-                <a:spcPct val="0"/>
-              </a:spcBef>
-              <a:buFontTx/>
-              <a:buNone/>
-            </a:pPr>
-            <a:r>
-              <a:rPr lang="en-US" altLang="en-US" sz="2400" b="0" dirty="0">
-                <a:solidFill>
-                  <a:srgbClr val="FFFFFF"/>
-                </a:solidFill>
-              </a:rPr>
-              <a:t>Network: best-effort global </a:t>
-            </a:r>
-            <a:r>
-              <a:rPr lang="en-US" altLang="en-US" sz="2400" b="0" dirty="0" err="1">
-                <a:solidFill>
-                  <a:srgbClr val="FFFFFF"/>
-                </a:solidFill>
-              </a:rPr>
-              <a:t>pkt</a:t>
-            </a:r>
-            <a:r>
-              <a:rPr lang="en-US" altLang="en-US" sz="2400" b="0" dirty="0">
-                <a:solidFill>
-                  <a:srgbClr val="FFFFFF"/>
-                </a:solidFill>
-              </a:rPr>
-              <a:t> delivery</a:t>
-            </a:r>
-          </a:p>
-        </p:txBody>
-      </p:sp>
-      <p:sp>
-        <p:nvSpPr>
-          <p:cNvPr id="8" name="Rectangle 6"/>
-          <p:cNvSpPr>
-            <a:spLocks noChangeArrowheads="1"/>
-          </p:cNvSpPr>
-          <p:nvPr/>
-        </p:nvSpPr>
-        <p:spPr bwMode="auto">
-          <a:xfrm>
-            <a:off x="838198" y="2933742"/>
-            <a:ext cx="6561407" cy="1129154"/>
-          </a:xfrm>
-          <a:prstGeom prst="rect">
-            <a:avLst/>
-          </a:prstGeom>
-          <a:solidFill>
-            <a:schemeClr val="accent2"/>
-          </a:solidFill>
-          <a:ln w="9525">
-            <a:solidFill>
-              <a:srgbClr val="000000"/>
-            </a:solidFill>
-            <a:miter lim="800000"/>
-            <a:headEnd/>
-            <a:tailEnd/>
-          </a:ln>
-        </p:spPr>
-        <p:txBody>
-          <a:bodyPr wrap="none" lIns="91420" tIns="45712" rIns="91420" bIns="45712" anchor="ctr"/>
-          <a:lstStyle>
-            <a:lvl1pPr>
-              <a:spcBef>
-                <a:spcPct val="50000"/>
-              </a:spcBef>
-              <a:buChar char="•"/>
-              <a:defRPr sz="2800">
-                <a:solidFill>
-                  <a:srgbClr val="0000FF"/>
-                </a:solidFill>
-                <a:latin typeface="Arial" charset="0"/>
-                <a:ea typeface="ＭＳ Ｐゴシック" charset="-128"/>
-                <a:cs typeface="Arial" charset="0"/>
-              </a:defRPr>
-            </a:lvl1pPr>
-            <a:lvl2pPr marL="742950" indent="-285750">
-              <a:spcBef>
-                <a:spcPct val="10000"/>
-              </a:spcBef>
-              <a:buFont typeface="Helvetica" charset="0"/>
-              <a:buChar char="–"/>
-              <a:defRPr sz="2400">
-                <a:solidFill>
-                  <a:schemeClr val="accent2"/>
-                </a:solidFill>
-                <a:latin typeface="Arial" charset="0"/>
-                <a:ea typeface="Arial" charset="0"/>
-                <a:cs typeface="Arial" charset="0"/>
-              </a:defRPr>
-            </a:lvl2pPr>
-            <a:lvl3pPr marL="1143000" indent="-228600">
-              <a:spcBef>
-                <a:spcPct val="10000"/>
-              </a:spcBef>
-              <a:buFont typeface="Wingdings" charset="2"/>
-              <a:buChar char=""/>
-              <a:defRPr sz="2000">
-                <a:solidFill>
-                  <a:schemeClr val="tx1"/>
-                </a:solidFill>
-                <a:latin typeface="Arial" charset="0"/>
-                <a:ea typeface="Arial" charset="0"/>
-                <a:cs typeface="Arial" charset="0"/>
-              </a:defRPr>
-            </a:lvl3pPr>
-            <a:lvl4pPr marL="1600200" indent="-228600">
-              <a:spcBef>
-                <a:spcPct val="10000"/>
-              </a:spcBef>
-              <a:buChar char="•"/>
-              <a:defRPr sz="2000">
-                <a:solidFill>
-                  <a:schemeClr val="accent2"/>
-                </a:solidFill>
-                <a:latin typeface="Helvetica" charset="0"/>
-                <a:ea typeface="Arial" charset="0"/>
-                <a:cs typeface="Arial" charset="0"/>
-              </a:defRPr>
-            </a:lvl4pPr>
-            <a:lvl5pPr marL="2057400" indent="-228600">
-              <a:spcBef>
-                <a:spcPct val="10000"/>
-              </a:spcBef>
-              <a:buChar char="•"/>
-              <a:defRPr sz="2000">
-                <a:solidFill>
-                  <a:schemeClr val="tx1"/>
-                </a:solidFill>
-                <a:latin typeface="Helvetica" charset="0"/>
-                <a:ea typeface="Arial" charset="0"/>
-                <a:cs typeface="Arial" charset="0"/>
-              </a:defRPr>
-            </a:lvl5pPr>
-            <a:lvl6pPr marL="2514600" indent="-228600" eaLnBrk="0" fontAlgn="base" hangingPunct="0">
-              <a:spcBef>
-                <a:spcPct val="10000"/>
-              </a:spcBef>
-              <a:spcAft>
-                <a:spcPct val="0"/>
-              </a:spcAft>
-              <a:buChar char="•"/>
-              <a:defRPr sz="2000">
-                <a:solidFill>
-                  <a:schemeClr val="tx1"/>
-                </a:solidFill>
-                <a:latin typeface="Helvetica" charset="0"/>
-                <a:ea typeface="Arial" charset="0"/>
-                <a:cs typeface="Arial" charset="0"/>
-              </a:defRPr>
-            </a:lvl6pPr>
-            <a:lvl7pPr marL="2971800" indent="-228600" eaLnBrk="0" fontAlgn="base" hangingPunct="0">
-              <a:spcBef>
-                <a:spcPct val="10000"/>
-              </a:spcBef>
-              <a:spcAft>
-                <a:spcPct val="0"/>
-              </a:spcAft>
-              <a:buChar char="•"/>
-              <a:defRPr sz="2000">
-                <a:solidFill>
-                  <a:schemeClr val="tx1"/>
-                </a:solidFill>
-                <a:latin typeface="Helvetica" charset="0"/>
-                <a:ea typeface="Arial" charset="0"/>
-                <a:cs typeface="Arial" charset="0"/>
-              </a:defRPr>
-            </a:lvl7pPr>
-            <a:lvl8pPr marL="3429000" indent="-228600" eaLnBrk="0" fontAlgn="base" hangingPunct="0">
-              <a:spcBef>
-                <a:spcPct val="10000"/>
-              </a:spcBef>
-              <a:spcAft>
-                <a:spcPct val="0"/>
-              </a:spcAft>
-              <a:buChar char="•"/>
-              <a:defRPr sz="2000">
-                <a:solidFill>
-                  <a:schemeClr val="tx1"/>
-                </a:solidFill>
-                <a:latin typeface="Helvetica" charset="0"/>
-                <a:ea typeface="Arial" charset="0"/>
-                <a:cs typeface="Arial" charset="0"/>
-              </a:defRPr>
-            </a:lvl8pPr>
-            <a:lvl9pPr marL="3886200" indent="-228600" eaLnBrk="0" fontAlgn="base" hangingPunct="0">
-              <a:spcBef>
-                <a:spcPct val="10000"/>
-              </a:spcBef>
-              <a:spcAft>
-                <a:spcPct val="0"/>
-              </a:spcAft>
-              <a:buChar char="•"/>
-              <a:defRPr sz="2000">
-                <a:solidFill>
-                  <a:schemeClr val="tx1"/>
-                </a:solidFill>
-                <a:latin typeface="Helvetica" charset="0"/>
-                <a:ea typeface="Arial" charset="0"/>
-                <a:cs typeface="Arial" charset="0"/>
-              </a:defRPr>
-            </a:lvl9pPr>
-          </a:lstStyle>
-          <a:p>
-            <a:pPr algn="ctr" eaLnBrk="1" hangingPunct="1">
-              <a:spcBef>
-                <a:spcPct val="0"/>
-              </a:spcBef>
-              <a:buFontTx/>
-              <a:buNone/>
-            </a:pPr>
-            <a:r>
-              <a:rPr lang="en-US" altLang="en-US" sz="2400" b="0" dirty="0">
-                <a:solidFill>
-                  <a:srgbClr val="FFFFFF"/>
-                </a:solidFill>
-              </a:rPr>
-              <a:t>Transport: provide guarantees to apps</a:t>
-            </a:r>
-          </a:p>
-        </p:txBody>
-      </p:sp>
-      <p:sp>
-        <p:nvSpPr>
-          <p:cNvPr id="9" name="Rectangle 7"/>
-          <p:cNvSpPr>
-            <a:spLocks noChangeArrowheads="1"/>
-          </p:cNvSpPr>
-          <p:nvPr/>
-        </p:nvSpPr>
-        <p:spPr bwMode="auto">
-          <a:xfrm>
-            <a:off x="838199" y="1801647"/>
-            <a:ext cx="6561406" cy="1132095"/>
-          </a:xfrm>
-          <a:prstGeom prst="rect">
-            <a:avLst/>
-          </a:prstGeom>
-          <a:solidFill>
-            <a:srgbClr val="00D164"/>
-          </a:solidFill>
-          <a:ln w="9525">
-            <a:solidFill>
-              <a:srgbClr val="000000"/>
-            </a:solidFill>
-            <a:miter lim="800000"/>
-            <a:headEnd/>
-            <a:tailEnd/>
-          </a:ln>
-        </p:spPr>
-        <p:txBody>
-          <a:bodyPr wrap="none" lIns="91420" tIns="45712" rIns="91420" bIns="45712" anchor="ctr"/>
-          <a:lstStyle>
-            <a:lvl1pPr>
-              <a:spcBef>
-                <a:spcPct val="50000"/>
-              </a:spcBef>
-              <a:buChar char="•"/>
-              <a:defRPr sz="2800">
-                <a:solidFill>
-                  <a:srgbClr val="0000FF"/>
-                </a:solidFill>
-                <a:latin typeface="Arial" charset="0"/>
-                <a:ea typeface="ＭＳ Ｐゴシック" charset="-128"/>
-                <a:cs typeface="Arial" charset="0"/>
-              </a:defRPr>
-            </a:lvl1pPr>
-            <a:lvl2pPr marL="742950" indent="-285750">
-              <a:spcBef>
-                <a:spcPct val="10000"/>
-              </a:spcBef>
-              <a:buFont typeface="Helvetica" charset="0"/>
-              <a:buChar char="–"/>
-              <a:defRPr sz="2400">
-                <a:solidFill>
-                  <a:schemeClr val="accent2"/>
-                </a:solidFill>
-                <a:latin typeface="Arial" charset="0"/>
-                <a:ea typeface="Arial" charset="0"/>
-                <a:cs typeface="Arial" charset="0"/>
-              </a:defRPr>
-            </a:lvl2pPr>
-            <a:lvl3pPr marL="1143000" indent="-228600">
-              <a:spcBef>
-                <a:spcPct val="10000"/>
-              </a:spcBef>
-              <a:buFont typeface="Wingdings" charset="2"/>
-              <a:buChar char=""/>
-              <a:defRPr sz="2000">
-                <a:solidFill>
-                  <a:schemeClr val="tx1"/>
-                </a:solidFill>
-                <a:latin typeface="Arial" charset="0"/>
-                <a:ea typeface="Arial" charset="0"/>
-                <a:cs typeface="Arial" charset="0"/>
-              </a:defRPr>
-            </a:lvl3pPr>
-            <a:lvl4pPr marL="1600200" indent="-228600">
-              <a:spcBef>
-                <a:spcPct val="10000"/>
-              </a:spcBef>
-              <a:buChar char="•"/>
-              <a:defRPr sz="2000">
-                <a:solidFill>
-                  <a:schemeClr val="accent2"/>
-                </a:solidFill>
-                <a:latin typeface="Helvetica" charset="0"/>
-                <a:ea typeface="Arial" charset="0"/>
-                <a:cs typeface="Arial" charset="0"/>
-              </a:defRPr>
-            </a:lvl4pPr>
-            <a:lvl5pPr marL="2057400" indent="-228600">
-              <a:spcBef>
-                <a:spcPct val="10000"/>
-              </a:spcBef>
-              <a:buChar char="•"/>
-              <a:defRPr sz="2000">
-                <a:solidFill>
-                  <a:schemeClr val="tx1"/>
-                </a:solidFill>
-                <a:latin typeface="Helvetica" charset="0"/>
-                <a:ea typeface="Arial" charset="0"/>
-                <a:cs typeface="Arial" charset="0"/>
-              </a:defRPr>
-            </a:lvl5pPr>
-            <a:lvl6pPr marL="2514600" indent="-228600" eaLnBrk="0" fontAlgn="base" hangingPunct="0">
-              <a:spcBef>
-                <a:spcPct val="10000"/>
-              </a:spcBef>
-              <a:spcAft>
-                <a:spcPct val="0"/>
-              </a:spcAft>
-              <a:buChar char="•"/>
-              <a:defRPr sz="2000">
-                <a:solidFill>
-                  <a:schemeClr val="tx1"/>
-                </a:solidFill>
-                <a:latin typeface="Helvetica" charset="0"/>
-                <a:ea typeface="Arial" charset="0"/>
-                <a:cs typeface="Arial" charset="0"/>
-              </a:defRPr>
-            </a:lvl6pPr>
-            <a:lvl7pPr marL="2971800" indent="-228600" eaLnBrk="0" fontAlgn="base" hangingPunct="0">
-              <a:spcBef>
-                <a:spcPct val="10000"/>
-              </a:spcBef>
-              <a:spcAft>
-                <a:spcPct val="0"/>
-              </a:spcAft>
-              <a:buChar char="•"/>
-              <a:defRPr sz="2000">
-                <a:solidFill>
-                  <a:schemeClr val="tx1"/>
-                </a:solidFill>
-                <a:latin typeface="Helvetica" charset="0"/>
-                <a:ea typeface="Arial" charset="0"/>
-                <a:cs typeface="Arial" charset="0"/>
-              </a:defRPr>
-            </a:lvl7pPr>
-            <a:lvl8pPr marL="3429000" indent="-228600" eaLnBrk="0" fontAlgn="base" hangingPunct="0">
-              <a:spcBef>
-                <a:spcPct val="10000"/>
-              </a:spcBef>
-              <a:spcAft>
-                <a:spcPct val="0"/>
-              </a:spcAft>
-              <a:buChar char="•"/>
-              <a:defRPr sz="2000">
-                <a:solidFill>
-                  <a:schemeClr val="tx1"/>
-                </a:solidFill>
-                <a:latin typeface="Helvetica" charset="0"/>
-                <a:ea typeface="Arial" charset="0"/>
-                <a:cs typeface="Arial" charset="0"/>
-              </a:defRPr>
-            </a:lvl8pPr>
-            <a:lvl9pPr marL="3886200" indent="-228600" eaLnBrk="0" fontAlgn="base" hangingPunct="0">
-              <a:spcBef>
-                <a:spcPct val="10000"/>
-              </a:spcBef>
-              <a:spcAft>
-                <a:spcPct val="0"/>
-              </a:spcAft>
-              <a:buChar char="•"/>
-              <a:defRPr sz="2000">
-                <a:solidFill>
-                  <a:schemeClr val="tx1"/>
-                </a:solidFill>
-                <a:latin typeface="Helvetica" charset="0"/>
-                <a:ea typeface="Arial" charset="0"/>
-                <a:cs typeface="Arial" charset="0"/>
-              </a:defRPr>
-            </a:lvl9pPr>
-          </a:lstStyle>
-          <a:p>
-            <a:pPr algn="ctr" eaLnBrk="1" hangingPunct="1">
-              <a:spcBef>
-                <a:spcPct val="0"/>
-              </a:spcBef>
-              <a:buFontTx/>
-              <a:buNone/>
-            </a:pPr>
-            <a:r>
-              <a:rPr lang="en-US" altLang="en-US" sz="2400" b="0" dirty="0">
-                <a:solidFill>
-                  <a:srgbClr val="FFFFFF"/>
-                </a:solidFill>
-              </a:rPr>
-              <a:t>Apps: useful user-level functions</a:t>
-            </a:r>
-          </a:p>
-        </p:txBody>
-      </p:sp>
-      <p:sp>
-        <p:nvSpPr>
-          <p:cNvPr id="26" name="Title 1"/>
-          <p:cNvSpPr>
-            <a:spLocks noGrp="1"/>
-          </p:cNvSpPr>
-          <p:nvPr>
-            <p:ph type="title"/>
-          </p:nvPr>
-        </p:nvSpPr>
-        <p:spPr>
-          <a:xfrm>
-            <a:off x="838199" y="365125"/>
-            <a:ext cx="10937327" cy="1325563"/>
-          </a:xfrm>
-        </p:spPr>
-        <p:txBody>
-          <a:bodyPr/>
-          <a:lstStyle/>
-          <a:p>
-            <a:r>
-              <a:rPr lang="en-US" dirty="0"/>
-              <a:t>Modularity through layering</a:t>
-            </a:r>
-          </a:p>
-        </p:txBody>
-      </p:sp>
-      <p:grpSp>
-        <p:nvGrpSpPr>
-          <p:cNvPr id="70" name="Group 69"/>
-          <p:cNvGrpSpPr/>
-          <p:nvPr/>
-        </p:nvGrpSpPr>
-        <p:grpSpPr>
-          <a:xfrm>
-            <a:off x="7742505" y="2094351"/>
-            <a:ext cx="4033022" cy="3378730"/>
-            <a:chOff x="7742505" y="2343737"/>
-            <a:chExt cx="4033022" cy="3378730"/>
-          </a:xfrm>
-        </p:grpSpPr>
-        <p:sp>
-          <p:nvSpPr>
-            <p:cNvPr id="62" name="Arc 8"/>
-            <p:cNvSpPr>
-              <a:spLocks/>
-            </p:cNvSpPr>
-            <p:nvPr/>
-          </p:nvSpPr>
-          <p:spPr bwMode="auto">
-            <a:xfrm rot="10800000">
-              <a:off x="9813311" y="2358180"/>
-              <a:ext cx="1962216" cy="1677593"/>
-            </a:xfrm>
-            <a:custGeom>
-              <a:avLst/>
-              <a:gdLst>
-                <a:gd name="T0" fmla="*/ 0 w 21600"/>
-                <a:gd name="T1" fmla="*/ 0 h 21600"/>
-                <a:gd name="T2" fmla="*/ 2147483646 w 21600"/>
-                <a:gd name="T3" fmla="*/ 2147483646 h 21600"/>
-                <a:gd name="T4" fmla="*/ 0 w 21600"/>
-                <a:gd name="T5" fmla="*/ 2147483646 h 21600"/>
-                <a:gd name="T6" fmla="*/ 0 60000 65536"/>
-                <a:gd name="T7" fmla="*/ 0 60000 65536"/>
-                <a:gd name="T8" fmla="*/ 0 60000 65536"/>
-                <a:gd name="T9" fmla="*/ 0 w 21600"/>
-                <a:gd name="T10" fmla="*/ 0 h 21600"/>
-                <a:gd name="T11" fmla="*/ 21600 w 21600"/>
-                <a:gd name="T12" fmla="*/ 21600 h 21600"/>
-              </a:gdLst>
-              <a:ahLst/>
-              <a:cxnLst>
-                <a:cxn ang="T6">
-                  <a:pos x="T0" y="T1"/>
-                </a:cxn>
-                <a:cxn ang="T7">
-                  <a:pos x="T2" y="T3"/>
-                </a:cxn>
-                <a:cxn ang="T8">
-                  <a:pos x="T4" y="T5"/>
-                </a:cxn>
-              </a:cxnLst>
-              <a:rect l="T9" t="T10" r="T11" b="T12"/>
-              <a:pathLst>
-                <a:path w="21600" h="21600" fill="none" extrusionOk="0">
-                  <a:moveTo>
-                    <a:pt x="0" y="-1"/>
-                  </a:moveTo>
-                  <a:cubicBezTo>
-                    <a:pt x="11929" y="-1"/>
-                    <a:pt x="21600" y="9670"/>
-                    <a:pt x="21600" y="21600"/>
-                  </a:cubicBezTo>
-                </a:path>
-                <a:path w="21600" h="21600" stroke="0" extrusionOk="0">
-                  <a:moveTo>
-                    <a:pt x="0" y="-1"/>
-                  </a:moveTo>
-                  <a:cubicBezTo>
-                    <a:pt x="11929" y="-1"/>
-                    <a:pt x="21600" y="9670"/>
-                    <a:pt x="21600" y="21600"/>
-                  </a:cubicBezTo>
-                  <a:lnTo>
-                    <a:pt x="0" y="21600"/>
-                  </a:lnTo>
-                  <a:lnTo>
-                    <a:pt x="0" y="-1"/>
-                  </a:lnTo>
-                  <a:close/>
-                </a:path>
-              </a:pathLst>
-            </a:custGeom>
-            <a:solidFill>
-              <a:schemeClr val="accent2">
-                <a:alpha val="0"/>
-              </a:schemeClr>
-            </a:solidFill>
-            <a:ln w="76200" cap="rnd">
-              <a:solidFill>
-                <a:schemeClr val="accent1"/>
-              </a:solidFill>
-              <a:round/>
-              <a:headEnd/>
-              <a:tailEnd/>
-            </a:ln>
-            <a:scene3d>
-              <a:camera prst="orthographicFront">
-                <a:rot lat="10800000" lon="0" rev="0"/>
-              </a:camera>
-              <a:lightRig rig="threePt" dir="t"/>
-            </a:scene3d>
-          </p:spPr>
-          <p:txBody>
-            <a:bodyPr wrap="none" anchor="ctr"/>
-            <a:lstStyle/>
-            <a:p>
-              <a:endParaRPr lang="en-US"/>
-            </a:p>
-          </p:txBody>
-        </p:sp>
-        <p:sp>
-          <p:nvSpPr>
-            <p:cNvPr id="61" name="Arc 8"/>
-            <p:cNvSpPr>
-              <a:spLocks/>
-            </p:cNvSpPr>
-            <p:nvPr/>
-          </p:nvSpPr>
-          <p:spPr bwMode="auto">
-            <a:xfrm rot="10800000">
-              <a:off x="7746353" y="2343737"/>
-              <a:ext cx="1962216" cy="1677593"/>
-            </a:xfrm>
-            <a:custGeom>
-              <a:avLst/>
-              <a:gdLst>
-                <a:gd name="T0" fmla="*/ 0 w 21600"/>
-                <a:gd name="T1" fmla="*/ 0 h 21600"/>
-                <a:gd name="T2" fmla="*/ 2147483646 w 21600"/>
-                <a:gd name="T3" fmla="*/ 2147483646 h 21600"/>
-                <a:gd name="T4" fmla="*/ 0 w 21600"/>
-                <a:gd name="T5" fmla="*/ 2147483646 h 21600"/>
-                <a:gd name="T6" fmla="*/ 0 60000 65536"/>
-                <a:gd name="T7" fmla="*/ 0 60000 65536"/>
-                <a:gd name="T8" fmla="*/ 0 60000 65536"/>
-                <a:gd name="T9" fmla="*/ 0 w 21600"/>
-                <a:gd name="T10" fmla="*/ 0 h 21600"/>
-                <a:gd name="T11" fmla="*/ 21600 w 21600"/>
-                <a:gd name="T12" fmla="*/ 21600 h 21600"/>
-              </a:gdLst>
-              <a:ahLst/>
-              <a:cxnLst>
-                <a:cxn ang="T6">
-                  <a:pos x="T0" y="T1"/>
-                </a:cxn>
-                <a:cxn ang="T7">
-                  <a:pos x="T2" y="T3"/>
-                </a:cxn>
-                <a:cxn ang="T8">
-                  <a:pos x="T4" y="T5"/>
-                </a:cxn>
-              </a:cxnLst>
-              <a:rect l="T9" t="T10" r="T11" b="T12"/>
-              <a:pathLst>
-                <a:path w="21600" h="21600" fill="none" extrusionOk="0">
-                  <a:moveTo>
-                    <a:pt x="0" y="-1"/>
-                  </a:moveTo>
-                  <a:cubicBezTo>
-                    <a:pt x="11929" y="-1"/>
-                    <a:pt x="21600" y="9670"/>
-                    <a:pt x="21600" y="21600"/>
-                  </a:cubicBezTo>
-                </a:path>
-                <a:path w="21600" h="21600" stroke="0" extrusionOk="0">
-                  <a:moveTo>
-                    <a:pt x="0" y="-1"/>
-                  </a:moveTo>
-                  <a:cubicBezTo>
-                    <a:pt x="11929" y="-1"/>
-                    <a:pt x="21600" y="9670"/>
-                    <a:pt x="21600" y="21600"/>
-                  </a:cubicBezTo>
-                  <a:lnTo>
-                    <a:pt x="0" y="21600"/>
-                  </a:lnTo>
-                  <a:lnTo>
-                    <a:pt x="0" y="-1"/>
-                  </a:lnTo>
-                  <a:close/>
-                </a:path>
-              </a:pathLst>
-            </a:custGeom>
-            <a:solidFill>
-              <a:schemeClr val="accent2">
-                <a:alpha val="0"/>
-              </a:schemeClr>
-            </a:solidFill>
-            <a:ln w="76200" cap="rnd">
-              <a:solidFill>
-                <a:schemeClr val="accent1"/>
-              </a:solidFill>
-              <a:round/>
-              <a:headEnd/>
-              <a:tailEnd/>
-            </a:ln>
-          </p:spPr>
-          <p:txBody>
-            <a:bodyPr wrap="none" anchor="ctr"/>
-            <a:lstStyle/>
-            <a:p>
-              <a:endParaRPr lang="en-US"/>
-            </a:p>
-          </p:txBody>
-        </p:sp>
-        <p:sp>
-          <p:nvSpPr>
-            <p:cNvPr id="63" name="Arc 8"/>
-            <p:cNvSpPr>
-              <a:spLocks/>
-            </p:cNvSpPr>
-            <p:nvPr/>
-          </p:nvSpPr>
-          <p:spPr bwMode="auto">
-            <a:xfrm rot="10800000">
-              <a:off x="10140624" y="4044874"/>
-              <a:ext cx="1634903" cy="1677593"/>
-            </a:xfrm>
-            <a:custGeom>
-              <a:avLst/>
-              <a:gdLst>
-                <a:gd name="T0" fmla="*/ 0 w 21600"/>
-                <a:gd name="T1" fmla="*/ 0 h 21600"/>
-                <a:gd name="T2" fmla="*/ 2147483646 w 21600"/>
-                <a:gd name="T3" fmla="*/ 2147483646 h 21600"/>
-                <a:gd name="T4" fmla="*/ 0 w 21600"/>
-                <a:gd name="T5" fmla="*/ 2147483646 h 21600"/>
-                <a:gd name="T6" fmla="*/ 0 60000 65536"/>
-                <a:gd name="T7" fmla="*/ 0 60000 65536"/>
-                <a:gd name="T8" fmla="*/ 0 60000 65536"/>
-                <a:gd name="T9" fmla="*/ 0 w 21600"/>
-                <a:gd name="T10" fmla="*/ 0 h 21600"/>
-                <a:gd name="T11" fmla="*/ 21600 w 21600"/>
-                <a:gd name="T12" fmla="*/ 21600 h 21600"/>
-              </a:gdLst>
-              <a:ahLst/>
-              <a:cxnLst>
-                <a:cxn ang="T6">
-                  <a:pos x="T0" y="T1"/>
-                </a:cxn>
-                <a:cxn ang="T7">
-                  <a:pos x="T2" y="T3"/>
-                </a:cxn>
-                <a:cxn ang="T8">
-                  <a:pos x="T4" y="T5"/>
-                </a:cxn>
-              </a:cxnLst>
-              <a:rect l="T9" t="T10" r="T11" b="T12"/>
-              <a:pathLst>
-                <a:path w="21600" h="21600" fill="none" extrusionOk="0">
-                  <a:moveTo>
-                    <a:pt x="0" y="-1"/>
-                  </a:moveTo>
-                  <a:cubicBezTo>
-                    <a:pt x="11929" y="-1"/>
-                    <a:pt x="21600" y="9670"/>
-                    <a:pt x="21600" y="21600"/>
-                  </a:cubicBezTo>
-                </a:path>
-                <a:path w="21600" h="21600" stroke="0" extrusionOk="0">
-                  <a:moveTo>
-                    <a:pt x="0" y="-1"/>
-                  </a:moveTo>
-                  <a:cubicBezTo>
-                    <a:pt x="11929" y="-1"/>
-                    <a:pt x="21600" y="9670"/>
-                    <a:pt x="21600" y="21600"/>
-                  </a:cubicBezTo>
-                  <a:lnTo>
-                    <a:pt x="0" y="21600"/>
-                  </a:lnTo>
-                  <a:lnTo>
-                    <a:pt x="0" y="-1"/>
-                  </a:lnTo>
-                  <a:close/>
-                </a:path>
-              </a:pathLst>
-            </a:custGeom>
-            <a:solidFill>
-              <a:schemeClr val="accent2">
-                <a:alpha val="0"/>
-              </a:schemeClr>
-            </a:solidFill>
-            <a:ln w="76200" cap="rnd">
-              <a:solidFill>
-                <a:schemeClr val="accent1"/>
-              </a:solidFill>
-              <a:round/>
-              <a:headEnd/>
-              <a:tailEnd/>
-            </a:ln>
-            <a:scene3d>
-              <a:camera prst="orthographicFront">
-                <a:rot lat="0" lon="0" rev="10800000"/>
-              </a:camera>
-              <a:lightRig rig="threePt" dir="t"/>
-            </a:scene3d>
-          </p:spPr>
-          <p:txBody>
-            <a:bodyPr wrap="none" anchor="ctr"/>
-            <a:lstStyle/>
-            <a:p>
-              <a:endParaRPr lang="en-US"/>
-            </a:p>
-          </p:txBody>
-        </p:sp>
-        <p:sp>
-          <p:nvSpPr>
-            <p:cNvPr id="65" name="Arc 8"/>
-            <p:cNvSpPr>
-              <a:spLocks/>
-            </p:cNvSpPr>
-            <p:nvPr/>
-          </p:nvSpPr>
-          <p:spPr bwMode="auto">
-            <a:xfrm rot="10800000">
-              <a:off x="7742505" y="4033476"/>
-              <a:ext cx="1718414" cy="1677593"/>
-            </a:xfrm>
-            <a:custGeom>
-              <a:avLst/>
-              <a:gdLst>
-                <a:gd name="T0" fmla="*/ 0 w 21600"/>
-                <a:gd name="T1" fmla="*/ 0 h 21600"/>
-                <a:gd name="T2" fmla="*/ 2147483646 w 21600"/>
-                <a:gd name="T3" fmla="*/ 2147483646 h 21600"/>
-                <a:gd name="T4" fmla="*/ 0 w 21600"/>
-                <a:gd name="T5" fmla="*/ 2147483646 h 21600"/>
-                <a:gd name="T6" fmla="*/ 0 60000 65536"/>
-                <a:gd name="T7" fmla="*/ 0 60000 65536"/>
-                <a:gd name="T8" fmla="*/ 0 60000 65536"/>
-                <a:gd name="T9" fmla="*/ 0 w 21600"/>
-                <a:gd name="T10" fmla="*/ 0 h 21600"/>
-                <a:gd name="T11" fmla="*/ 21600 w 21600"/>
-                <a:gd name="T12" fmla="*/ 21600 h 21600"/>
-              </a:gdLst>
-              <a:ahLst/>
-              <a:cxnLst>
-                <a:cxn ang="T6">
-                  <a:pos x="T0" y="T1"/>
-                </a:cxn>
-                <a:cxn ang="T7">
-                  <a:pos x="T2" y="T3"/>
-                </a:cxn>
-                <a:cxn ang="T8">
-                  <a:pos x="T4" y="T5"/>
-                </a:cxn>
-              </a:cxnLst>
-              <a:rect l="T9" t="T10" r="T11" b="T12"/>
-              <a:pathLst>
-                <a:path w="21600" h="21600" fill="none" extrusionOk="0">
-                  <a:moveTo>
-                    <a:pt x="0" y="-1"/>
-                  </a:moveTo>
-                  <a:cubicBezTo>
-                    <a:pt x="11929" y="-1"/>
-                    <a:pt x="21600" y="9670"/>
-                    <a:pt x="21600" y="21600"/>
-                  </a:cubicBezTo>
-                </a:path>
-                <a:path w="21600" h="21600" stroke="0" extrusionOk="0">
-                  <a:moveTo>
-                    <a:pt x="0" y="-1"/>
-                  </a:moveTo>
-                  <a:cubicBezTo>
-                    <a:pt x="11929" y="-1"/>
-                    <a:pt x="21600" y="9670"/>
-                    <a:pt x="21600" y="21600"/>
-                  </a:cubicBezTo>
-                  <a:lnTo>
-                    <a:pt x="0" y="21600"/>
-                  </a:lnTo>
-                  <a:lnTo>
-                    <a:pt x="0" y="-1"/>
-                  </a:lnTo>
-                  <a:close/>
-                </a:path>
-              </a:pathLst>
-            </a:custGeom>
-            <a:solidFill>
-              <a:schemeClr val="accent2">
-                <a:alpha val="0"/>
-              </a:schemeClr>
-            </a:solidFill>
-            <a:ln w="76200" cap="rnd">
-              <a:solidFill>
-                <a:schemeClr val="accent1"/>
-              </a:solidFill>
-              <a:round/>
-              <a:headEnd/>
-              <a:tailEnd/>
-            </a:ln>
-            <a:scene3d>
-              <a:camera prst="orthographicFront">
-                <a:rot lat="10800000" lon="0" rev="10800000"/>
-              </a:camera>
-              <a:lightRig rig="threePt" dir="t"/>
-            </a:scene3d>
-          </p:spPr>
-          <p:txBody>
-            <a:bodyPr wrap="none" anchor="ctr"/>
-            <a:lstStyle/>
-            <a:p>
-              <a:endParaRPr lang="en-US"/>
-            </a:p>
-          </p:txBody>
-        </p:sp>
-        <p:sp>
-          <p:nvSpPr>
-            <p:cNvPr id="31" name="Rectangle 21"/>
-            <p:cNvSpPr>
-              <a:spLocks noChangeArrowheads="1"/>
-            </p:cNvSpPr>
-            <p:nvPr/>
-          </p:nvSpPr>
-          <p:spPr bwMode="auto">
-            <a:xfrm>
-              <a:off x="8146469" y="2511177"/>
-              <a:ext cx="685800" cy="381000"/>
-            </a:xfrm>
-            <a:prstGeom prst="rect">
-              <a:avLst/>
-            </a:prstGeom>
-            <a:solidFill>
-              <a:srgbClr val="00CC66"/>
-            </a:solidFill>
-            <a:ln w="9525">
-              <a:solidFill>
-                <a:schemeClr val="tx1"/>
-              </a:solidFill>
-              <a:miter lim="800000"/>
-              <a:headEnd/>
-              <a:tailEnd/>
-            </a:ln>
-          </p:spPr>
-          <p:txBody>
-            <a:bodyPr wrap="none" lIns="91420" tIns="45712" rIns="91420" bIns="45712" anchor="ctr"/>
-            <a:lstStyle>
-              <a:lvl1pPr>
-                <a:spcBef>
-                  <a:spcPct val="50000"/>
-                </a:spcBef>
-                <a:buChar char="•"/>
-                <a:defRPr sz="2800">
-                  <a:solidFill>
-                    <a:srgbClr val="0000FF"/>
-                  </a:solidFill>
-                  <a:latin typeface="Arial" charset="0"/>
-                  <a:ea typeface="ＭＳ Ｐゴシック" charset="-128"/>
-                  <a:cs typeface="Arial" charset="0"/>
-                </a:defRPr>
-              </a:lvl1pPr>
-              <a:lvl2pPr marL="742950" indent="-285750">
-                <a:spcBef>
-                  <a:spcPct val="10000"/>
-                </a:spcBef>
-                <a:buFont typeface="Helvetica" charset="0"/>
-                <a:buChar char="–"/>
-                <a:defRPr sz="2400">
-                  <a:solidFill>
-                    <a:schemeClr val="accent2"/>
-                  </a:solidFill>
-                  <a:latin typeface="Arial" charset="0"/>
-                  <a:ea typeface="Arial" charset="0"/>
-                  <a:cs typeface="Arial" charset="0"/>
-                </a:defRPr>
-              </a:lvl2pPr>
-              <a:lvl3pPr marL="1143000" indent="-228600">
-                <a:spcBef>
-                  <a:spcPct val="10000"/>
-                </a:spcBef>
-                <a:buFont typeface="Wingdings" charset="2"/>
-                <a:buChar char=""/>
-                <a:defRPr sz="2000">
-                  <a:solidFill>
-                    <a:schemeClr val="tx1"/>
-                  </a:solidFill>
-                  <a:latin typeface="Arial" charset="0"/>
-                  <a:ea typeface="Arial" charset="0"/>
-                  <a:cs typeface="Arial" charset="0"/>
-                </a:defRPr>
-              </a:lvl3pPr>
-              <a:lvl4pPr marL="1600200" indent="-228600">
-                <a:spcBef>
-                  <a:spcPct val="10000"/>
-                </a:spcBef>
-                <a:buChar char="•"/>
-                <a:defRPr sz="2000">
-                  <a:solidFill>
-                    <a:schemeClr val="accent2"/>
-                  </a:solidFill>
-                  <a:latin typeface="Helvetica" charset="0"/>
-                  <a:ea typeface="Arial" charset="0"/>
-                  <a:cs typeface="Arial" charset="0"/>
-                </a:defRPr>
-              </a:lvl4pPr>
-              <a:lvl5pPr marL="2057400" indent="-228600">
-                <a:spcBef>
-                  <a:spcPct val="10000"/>
-                </a:spcBef>
-                <a:buChar char="•"/>
-                <a:defRPr sz="2000">
-                  <a:solidFill>
-                    <a:schemeClr val="tx1"/>
-                  </a:solidFill>
-                  <a:latin typeface="Helvetica" charset="0"/>
-                  <a:ea typeface="Arial" charset="0"/>
-                  <a:cs typeface="Arial" charset="0"/>
-                </a:defRPr>
-              </a:lvl5pPr>
-              <a:lvl6pPr marL="2514600" indent="-228600" eaLnBrk="0" fontAlgn="base" hangingPunct="0">
-                <a:spcBef>
-                  <a:spcPct val="10000"/>
-                </a:spcBef>
-                <a:spcAft>
-                  <a:spcPct val="0"/>
-                </a:spcAft>
-                <a:buChar char="•"/>
-                <a:defRPr sz="2000">
-                  <a:solidFill>
-                    <a:schemeClr val="tx1"/>
-                  </a:solidFill>
-                  <a:latin typeface="Helvetica" charset="0"/>
-                  <a:ea typeface="Arial" charset="0"/>
-                  <a:cs typeface="Arial" charset="0"/>
-                </a:defRPr>
-              </a:lvl6pPr>
-              <a:lvl7pPr marL="2971800" indent="-228600" eaLnBrk="0" fontAlgn="base" hangingPunct="0">
-                <a:spcBef>
-                  <a:spcPct val="10000"/>
-                </a:spcBef>
-                <a:spcAft>
-                  <a:spcPct val="0"/>
-                </a:spcAft>
-                <a:buChar char="•"/>
-                <a:defRPr sz="2000">
-                  <a:solidFill>
-                    <a:schemeClr val="tx1"/>
-                  </a:solidFill>
-                  <a:latin typeface="Helvetica" charset="0"/>
-                  <a:ea typeface="Arial" charset="0"/>
-                  <a:cs typeface="Arial" charset="0"/>
-                </a:defRPr>
-              </a:lvl7pPr>
-              <a:lvl8pPr marL="3429000" indent="-228600" eaLnBrk="0" fontAlgn="base" hangingPunct="0">
-                <a:spcBef>
-                  <a:spcPct val="10000"/>
-                </a:spcBef>
-                <a:spcAft>
-                  <a:spcPct val="0"/>
-                </a:spcAft>
-                <a:buChar char="•"/>
-                <a:defRPr sz="2000">
-                  <a:solidFill>
-                    <a:schemeClr val="tx1"/>
-                  </a:solidFill>
-                  <a:latin typeface="Helvetica" charset="0"/>
-                  <a:ea typeface="Arial" charset="0"/>
-                  <a:cs typeface="Arial" charset="0"/>
-                </a:defRPr>
-              </a:lvl8pPr>
-              <a:lvl9pPr marL="3886200" indent="-228600" eaLnBrk="0" fontAlgn="base" hangingPunct="0">
-                <a:spcBef>
-                  <a:spcPct val="10000"/>
-                </a:spcBef>
-                <a:spcAft>
-                  <a:spcPct val="0"/>
-                </a:spcAft>
-                <a:buChar char="•"/>
-                <a:defRPr sz="2000">
-                  <a:solidFill>
-                    <a:schemeClr val="tx1"/>
-                  </a:solidFill>
-                  <a:latin typeface="Helvetica" charset="0"/>
-                  <a:ea typeface="Arial" charset="0"/>
-                  <a:cs typeface="Arial" charset="0"/>
-                </a:defRPr>
-              </a:lvl9pPr>
-            </a:lstStyle>
-            <a:p>
-              <a:pPr algn="ctr" eaLnBrk="1" hangingPunct="1">
-                <a:spcBef>
-                  <a:spcPct val="0"/>
-                </a:spcBef>
-                <a:buFontTx/>
-                <a:buNone/>
-              </a:pPr>
-              <a:r>
-                <a:rPr lang="en-US" altLang="en-US" sz="2000" dirty="0">
-                  <a:solidFill>
-                    <a:schemeClr val="bg1"/>
-                  </a:solidFill>
-                </a:rPr>
-                <a:t>HT</a:t>
-              </a:r>
-              <a:r>
-                <a:rPr lang="en-US" altLang="en-US" sz="2000" b="0" dirty="0">
-                  <a:solidFill>
-                    <a:schemeClr val="bg1"/>
-                  </a:solidFill>
-                </a:rPr>
-                <a:t>TP</a:t>
-              </a:r>
-            </a:p>
-          </p:txBody>
-        </p:sp>
-        <p:sp>
-          <p:nvSpPr>
-            <p:cNvPr id="32" name="Rectangle 22"/>
-            <p:cNvSpPr>
-              <a:spLocks noChangeArrowheads="1"/>
-            </p:cNvSpPr>
-            <p:nvPr/>
-          </p:nvSpPr>
-          <p:spPr bwMode="auto">
-            <a:xfrm>
-              <a:off x="8984669" y="2511177"/>
-              <a:ext cx="685800" cy="381000"/>
-            </a:xfrm>
-            <a:prstGeom prst="rect">
-              <a:avLst/>
-            </a:prstGeom>
-            <a:solidFill>
-              <a:srgbClr val="FFFFFF"/>
-            </a:solidFill>
-            <a:ln w="9525">
-              <a:solidFill>
-                <a:schemeClr val="tx1"/>
-              </a:solidFill>
-              <a:miter lim="800000"/>
-              <a:headEnd/>
-              <a:tailEnd/>
-            </a:ln>
-          </p:spPr>
-          <p:txBody>
-            <a:bodyPr wrap="none" lIns="91420" tIns="45712" rIns="91420" bIns="45712" anchor="ctr"/>
-            <a:lstStyle>
-              <a:lvl1pPr>
-                <a:spcBef>
-                  <a:spcPct val="50000"/>
-                </a:spcBef>
-                <a:buChar char="•"/>
-                <a:defRPr sz="2800">
-                  <a:solidFill>
-                    <a:srgbClr val="0000FF"/>
-                  </a:solidFill>
-                  <a:latin typeface="Arial" charset="0"/>
-                  <a:ea typeface="ＭＳ Ｐゴシック" charset="-128"/>
-                  <a:cs typeface="Arial" charset="0"/>
-                </a:defRPr>
-              </a:lvl1pPr>
-              <a:lvl2pPr marL="742950" indent="-285750">
-                <a:spcBef>
-                  <a:spcPct val="10000"/>
-                </a:spcBef>
-                <a:buFont typeface="Helvetica" charset="0"/>
-                <a:buChar char="–"/>
-                <a:defRPr sz="2400">
-                  <a:solidFill>
-                    <a:schemeClr val="accent2"/>
-                  </a:solidFill>
-                  <a:latin typeface="Arial" charset="0"/>
-                  <a:ea typeface="Arial" charset="0"/>
-                  <a:cs typeface="Arial" charset="0"/>
-                </a:defRPr>
-              </a:lvl2pPr>
-              <a:lvl3pPr marL="1143000" indent="-228600">
-                <a:spcBef>
-                  <a:spcPct val="10000"/>
-                </a:spcBef>
-                <a:buFont typeface="Wingdings" charset="2"/>
-                <a:buChar char=""/>
-                <a:defRPr sz="2000">
-                  <a:solidFill>
-                    <a:schemeClr val="tx1"/>
-                  </a:solidFill>
-                  <a:latin typeface="Arial" charset="0"/>
-                  <a:ea typeface="Arial" charset="0"/>
-                  <a:cs typeface="Arial" charset="0"/>
-                </a:defRPr>
-              </a:lvl3pPr>
-              <a:lvl4pPr marL="1600200" indent="-228600">
-                <a:spcBef>
-                  <a:spcPct val="10000"/>
-                </a:spcBef>
-                <a:buChar char="•"/>
-                <a:defRPr sz="2000">
-                  <a:solidFill>
-                    <a:schemeClr val="accent2"/>
-                  </a:solidFill>
-                  <a:latin typeface="Helvetica" charset="0"/>
-                  <a:ea typeface="Arial" charset="0"/>
-                  <a:cs typeface="Arial" charset="0"/>
-                </a:defRPr>
-              </a:lvl4pPr>
-              <a:lvl5pPr marL="2057400" indent="-228600">
-                <a:spcBef>
-                  <a:spcPct val="10000"/>
-                </a:spcBef>
-                <a:buChar char="•"/>
-                <a:defRPr sz="2000">
-                  <a:solidFill>
-                    <a:schemeClr val="tx1"/>
-                  </a:solidFill>
-                  <a:latin typeface="Helvetica" charset="0"/>
-                  <a:ea typeface="Arial" charset="0"/>
-                  <a:cs typeface="Arial" charset="0"/>
-                </a:defRPr>
-              </a:lvl5pPr>
-              <a:lvl6pPr marL="2514600" indent="-228600" eaLnBrk="0" fontAlgn="base" hangingPunct="0">
-                <a:spcBef>
-                  <a:spcPct val="10000"/>
-                </a:spcBef>
-                <a:spcAft>
-                  <a:spcPct val="0"/>
-                </a:spcAft>
-                <a:buChar char="•"/>
-                <a:defRPr sz="2000">
-                  <a:solidFill>
-                    <a:schemeClr val="tx1"/>
-                  </a:solidFill>
-                  <a:latin typeface="Helvetica" charset="0"/>
-                  <a:ea typeface="Arial" charset="0"/>
-                  <a:cs typeface="Arial" charset="0"/>
-                </a:defRPr>
-              </a:lvl6pPr>
-              <a:lvl7pPr marL="2971800" indent="-228600" eaLnBrk="0" fontAlgn="base" hangingPunct="0">
-                <a:spcBef>
-                  <a:spcPct val="10000"/>
-                </a:spcBef>
-                <a:spcAft>
-                  <a:spcPct val="0"/>
-                </a:spcAft>
-                <a:buChar char="•"/>
-                <a:defRPr sz="2000">
-                  <a:solidFill>
-                    <a:schemeClr val="tx1"/>
-                  </a:solidFill>
-                  <a:latin typeface="Helvetica" charset="0"/>
-                  <a:ea typeface="Arial" charset="0"/>
-                  <a:cs typeface="Arial" charset="0"/>
-                </a:defRPr>
-              </a:lvl7pPr>
-              <a:lvl8pPr marL="3429000" indent="-228600" eaLnBrk="0" fontAlgn="base" hangingPunct="0">
-                <a:spcBef>
-                  <a:spcPct val="10000"/>
-                </a:spcBef>
-                <a:spcAft>
-                  <a:spcPct val="0"/>
-                </a:spcAft>
-                <a:buChar char="•"/>
-                <a:defRPr sz="2000">
-                  <a:solidFill>
-                    <a:schemeClr val="tx1"/>
-                  </a:solidFill>
-                  <a:latin typeface="Helvetica" charset="0"/>
-                  <a:ea typeface="Arial" charset="0"/>
-                  <a:cs typeface="Arial" charset="0"/>
-                </a:defRPr>
-              </a:lvl8pPr>
-              <a:lvl9pPr marL="3886200" indent="-228600" eaLnBrk="0" fontAlgn="base" hangingPunct="0">
-                <a:spcBef>
-                  <a:spcPct val="10000"/>
-                </a:spcBef>
-                <a:spcAft>
-                  <a:spcPct val="0"/>
-                </a:spcAft>
-                <a:buChar char="•"/>
-                <a:defRPr sz="2000">
-                  <a:solidFill>
-                    <a:schemeClr val="tx1"/>
-                  </a:solidFill>
-                  <a:latin typeface="Helvetica" charset="0"/>
-                  <a:ea typeface="Arial" charset="0"/>
-                  <a:cs typeface="Arial" charset="0"/>
-                </a:defRPr>
-              </a:lvl9pPr>
-            </a:lstStyle>
-            <a:p>
-              <a:pPr algn="ctr" eaLnBrk="1" hangingPunct="1">
-                <a:spcBef>
-                  <a:spcPct val="0"/>
-                </a:spcBef>
-                <a:buFontTx/>
-                <a:buNone/>
-              </a:pPr>
-              <a:r>
-                <a:rPr lang="en-US" altLang="en-US" sz="2000" dirty="0">
-                  <a:solidFill>
-                    <a:srgbClr val="000000"/>
-                  </a:solidFill>
-                </a:rPr>
-                <a:t>F</a:t>
-              </a:r>
-              <a:r>
-                <a:rPr lang="en-US" altLang="en-US" sz="2000" b="0" dirty="0">
-                  <a:solidFill>
-                    <a:srgbClr val="000000"/>
-                  </a:solidFill>
-                </a:rPr>
-                <a:t>TP</a:t>
-              </a:r>
-            </a:p>
-          </p:txBody>
-        </p:sp>
-        <p:sp>
-          <p:nvSpPr>
-            <p:cNvPr id="33" name="Rectangle 23"/>
-            <p:cNvSpPr>
-              <a:spLocks noChangeArrowheads="1"/>
-            </p:cNvSpPr>
-            <p:nvPr/>
-          </p:nvSpPr>
-          <p:spPr bwMode="auto">
-            <a:xfrm>
-              <a:off x="10661069" y="2511177"/>
-              <a:ext cx="685800" cy="381000"/>
-            </a:xfrm>
-            <a:prstGeom prst="rect">
-              <a:avLst/>
-            </a:prstGeom>
-            <a:solidFill>
-              <a:srgbClr val="FFFFFF"/>
-            </a:solidFill>
-            <a:ln w="9525">
-              <a:solidFill>
-                <a:schemeClr val="tx1"/>
-              </a:solidFill>
-              <a:miter lim="800000"/>
-              <a:headEnd/>
-              <a:tailEnd/>
-            </a:ln>
-          </p:spPr>
-          <p:txBody>
-            <a:bodyPr wrap="none" lIns="91420" tIns="45712" rIns="91420" bIns="45712" anchor="ctr"/>
-            <a:lstStyle>
-              <a:lvl1pPr>
-                <a:spcBef>
-                  <a:spcPct val="50000"/>
-                </a:spcBef>
-                <a:buChar char="•"/>
-                <a:defRPr sz="2800">
-                  <a:solidFill>
-                    <a:srgbClr val="0000FF"/>
-                  </a:solidFill>
-                  <a:latin typeface="Arial" charset="0"/>
-                  <a:ea typeface="ＭＳ Ｐゴシック" charset="-128"/>
-                  <a:cs typeface="Arial" charset="0"/>
-                </a:defRPr>
-              </a:lvl1pPr>
-              <a:lvl2pPr marL="742950" indent="-285750">
-                <a:spcBef>
-                  <a:spcPct val="10000"/>
-                </a:spcBef>
-                <a:buFont typeface="Helvetica" charset="0"/>
-                <a:buChar char="–"/>
-                <a:defRPr sz="2400">
-                  <a:solidFill>
-                    <a:schemeClr val="accent2"/>
-                  </a:solidFill>
-                  <a:latin typeface="Arial" charset="0"/>
-                  <a:ea typeface="Arial" charset="0"/>
-                  <a:cs typeface="Arial" charset="0"/>
-                </a:defRPr>
-              </a:lvl2pPr>
-              <a:lvl3pPr marL="1143000" indent="-228600">
-                <a:spcBef>
-                  <a:spcPct val="10000"/>
-                </a:spcBef>
-                <a:buFont typeface="Wingdings" charset="2"/>
-                <a:buChar char=""/>
-                <a:defRPr sz="2000">
-                  <a:solidFill>
-                    <a:schemeClr val="tx1"/>
-                  </a:solidFill>
-                  <a:latin typeface="Arial" charset="0"/>
-                  <a:ea typeface="Arial" charset="0"/>
-                  <a:cs typeface="Arial" charset="0"/>
-                </a:defRPr>
-              </a:lvl3pPr>
-              <a:lvl4pPr marL="1600200" indent="-228600">
-                <a:spcBef>
-                  <a:spcPct val="10000"/>
-                </a:spcBef>
-                <a:buChar char="•"/>
-                <a:defRPr sz="2000">
-                  <a:solidFill>
-                    <a:schemeClr val="accent2"/>
-                  </a:solidFill>
-                  <a:latin typeface="Helvetica" charset="0"/>
-                  <a:ea typeface="Arial" charset="0"/>
-                  <a:cs typeface="Arial" charset="0"/>
-                </a:defRPr>
-              </a:lvl4pPr>
-              <a:lvl5pPr marL="2057400" indent="-228600">
-                <a:spcBef>
-                  <a:spcPct val="10000"/>
-                </a:spcBef>
-                <a:buChar char="•"/>
-                <a:defRPr sz="2000">
-                  <a:solidFill>
-                    <a:schemeClr val="tx1"/>
-                  </a:solidFill>
-                  <a:latin typeface="Helvetica" charset="0"/>
-                  <a:ea typeface="Arial" charset="0"/>
-                  <a:cs typeface="Arial" charset="0"/>
-                </a:defRPr>
-              </a:lvl5pPr>
-              <a:lvl6pPr marL="2514600" indent="-228600" eaLnBrk="0" fontAlgn="base" hangingPunct="0">
-                <a:spcBef>
-                  <a:spcPct val="10000"/>
-                </a:spcBef>
-                <a:spcAft>
-                  <a:spcPct val="0"/>
-                </a:spcAft>
-                <a:buChar char="•"/>
-                <a:defRPr sz="2000">
-                  <a:solidFill>
-                    <a:schemeClr val="tx1"/>
-                  </a:solidFill>
-                  <a:latin typeface="Helvetica" charset="0"/>
-                  <a:ea typeface="Arial" charset="0"/>
-                  <a:cs typeface="Arial" charset="0"/>
-                </a:defRPr>
-              </a:lvl6pPr>
-              <a:lvl7pPr marL="2971800" indent="-228600" eaLnBrk="0" fontAlgn="base" hangingPunct="0">
-                <a:spcBef>
-                  <a:spcPct val="10000"/>
-                </a:spcBef>
-                <a:spcAft>
-                  <a:spcPct val="0"/>
-                </a:spcAft>
-                <a:buChar char="•"/>
-                <a:defRPr sz="2000">
-                  <a:solidFill>
-                    <a:schemeClr val="tx1"/>
-                  </a:solidFill>
-                  <a:latin typeface="Helvetica" charset="0"/>
-                  <a:ea typeface="Arial" charset="0"/>
-                  <a:cs typeface="Arial" charset="0"/>
-                </a:defRPr>
-              </a:lvl7pPr>
-              <a:lvl8pPr marL="3429000" indent="-228600" eaLnBrk="0" fontAlgn="base" hangingPunct="0">
-                <a:spcBef>
-                  <a:spcPct val="10000"/>
-                </a:spcBef>
-                <a:spcAft>
-                  <a:spcPct val="0"/>
-                </a:spcAft>
-                <a:buChar char="•"/>
-                <a:defRPr sz="2000">
-                  <a:solidFill>
-                    <a:schemeClr val="tx1"/>
-                  </a:solidFill>
-                  <a:latin typeface="Helvetica" charset="0"/>
-                  <a:ea typeface="Arial" charset="0"/>
-                  <a:cs typeface="Arial" charset="0"/>
-                </a:defRPr>
-              </a:lvl8pPr>
-              <a:lvl9pPr marL="3886200" indent="-228600" eaLnBrk="0" fontAlgn="base" hangingPunct="0">
-                <a:spcBef>
-                  <a:spcPct val="10000"/>
-                </a:spcBef>
-                <a:spcAft>
-                  <a:spcPct val="0"/>
-                </a:spcAft>
-                <a:buChar char="•"/>
-                <a:defRPr sz="2000">
-                  <a:solidFill>
-                    <a:schemeClr val="tx1"/>
-                  </a:solidFill>
-                  <a:latin typeface="Helvetica" charset="0"/>
-                  <a:ea typeface="Arial" charset="0"/>
-                  <a:cs typeface="Arial" charset="0"/>
-                </a:defRPr>
-              </a:lvl9pPr>
-            </a:lstStyle>
-            <a:p>
-              <a:pPr algn="ctr" eaLnBrk="1" hangingPunct="1">
-                <a:spcBef>
-                  <a:spcPct val="0"/>
-                </a:spcBef>
-                <a:buFontTx/>
-                <a:buNone/>
-              </a:pPr>
-              <a:r>
-                <a:rPr lang="en-US" altLang="en-US" sz="2000" b="0">
-                  <a:solidFill>
-                    <a:srgbClr val="000000"/>
-                  </a:solidFill>
-                </a:rPr>
-                <a:t>TFTP</a:t>
-              </a:r>
-            </a:p>
-          </p:txBody>
-        </p:sp>
-        <p:sp>
-          <p:nvSpPr>
-            <p:cNvPr id="34" name="Rectangle 24"/>
-            <p:cNvSpPr>
-              <a:spLocks noChangeArrowheads="1"/>
-            </p:cNvSpPr>
-            <p:nvPr/>
-          </p:nvSpPr>
-          <p:spPr bwMode="auto">
-            <a:xfrm>
-              <a:off x="9822869" y="2511177"/>
-              <a:ext cx="685800" cy="381000"/>
-            </a:xfrm>
-            <a:prstGeom prst="rect">
-              <a:avLst/>
-            </a:prstGeom>
-            <a:solidFill>
-              <a:srgbClr val="FFFFFF"/>
-            </a:solidFill>
-            <a:ln w="9525">
-              <a:solidFill>
-                <a:schemeClr val="tx1"/>
-              </a:solidFill>
-              <a:miter lim="800000"/>
-              <a:headEnd/>
-              <a:tailEnd/>
-            </a:ln>
-          </p:spPr>
-          <p:txBody>
-            <a:bodyPr wrap="none" lIns="91420" tIns="45712" rIns="91420" bIns="45712" anchor="ctr"/>
-            <a:lstStyle>
-              <a:lvl1pPr>
-                <a:spcBef>
-                  <a:spcPct val="50000"/>
-                </a:spcBef>
-                <a:buChar char="•"/>
-                <a:defRPr sz="2800">
-                  <a:solidFill>
-                    <a:srgbClr val="0000FF"/>
-                  </a:solidFill>
-                  <a:latin typeface="Arial" charset="0"/>
-                  <a:ea typeface="ＭＳ Ｐゴシック" charset="-128"/>
-                  <a:cs typeface="Arial" charset="0"/>
-                </a:defRPr>
-              </a:lvl1pPr>
-              <a:lvl2pPr marL="742950" indent="-285750">
-                <a:spcBef>
-                  <a:spcPct val="10000"/>
-                </a:spcBef>
-                <a:buFont typeface="Helvetica" charset="0"/>
-                <a:buChar char="–"/>
-                <a:defRPr sz="2400">
-                  <a:solidFill>
-                    <a:schemeClr val="accent2"/>
-                  </a:solidFill>
-                  <a:latin typeface="Arial" charset="0"/>
-                  <a:ea typeface="Arial" charset="0"/>
-                  <a:cs typeface="Arial" charset="0"/>
-                </a:defRPr>
-              </a:lvl2pPr>
-              <a:lvl3pPr marL="1143000" indent="-228600">
-                <a:spcBef>
-                  <a:spcPct val="10000"/>
-                </a:spcBef>
-                <a:buFont typeface="Wingdings" charset="2"/>
-                <a:buChar char=""/>
-                <a:defRPr sz="2000">
-                  <a:solidFill>
-                    <a:schemeClr val="tx1"/>
-                  </a:solidFill>
-                  <a:latin typeface="Arial" charset="0"/>
-                  <a:ea typeface="Arial" charset="0"/>
-                  <a:cs typeface="Arial" charset="0"/>
-                </a:defRPr>
-              </a:lvl3pPr>
-              <a:lvl4pPr marL="1600200" indent="-228600">
-                <a:spcBef>
-                  <a:spcPct val="10000"/>
-                </a:spcBef>
-                <a:buChar char="•"/>
-                <a:defRPr sz="2000">
-                  <a:solidFill>
-                    <a:schemeClr val="accent2"/>
-                  </a:solidFill>
-                  <a:latin typeface="Helvetica" charset="0"/>
-                  <a:ea typeface="Arial" charset="0"/>
-                  <a:cs typeface="Arial" charset="0"/>
-                </a:defRPr>
-              </a:lvl4pPr>
-              <a:lvl5pPr marL="2057400" indent="-228600">
-                <a:spcBef>
-                  <a:spcPct val="10000"/>
-                </a:spcBef>
-                <a:buChar char="•"/>
-                <a:defRPr sz="2000">
-                  <a:solidFill>
-                    <a:schemeClr val="tx1"/>
-                  </a:solidFill>
-                  <a:latin typeface="Helvetica" charset="0"/>
-                  <a:ea typeface="Arial" charset="0"/>
-                  <a:cs typeface="Arial" charset="0"/>
-                </a:defRPr>
-              </a:lvl5pPr>
-              <a:lvl6pPr marL="2514600" indent="-228600" eaLnBrk="0" fontAlgn="base" hangingPunct="0">
-                <a:spcBef>
-                  <a:spcPct val="10000"/>
-                </a:spcBef>
-                <a:spcAft>
-                  <a:spcPct val="0"/>
-                </a:spcAft>
-                <a:buChar char="•"/>
-                <a:defRPr sz="2000">
-                  <a:solidFill>
-                    <a:schemeClr val="tx1"/>
-                  </a:solidFill>
-                  <a:latin typeface="Helvetica" charset="0"/>
-                  <a:ea typeface="Arial" charset="0"/>
-                  <a:cs typeface="Arial" charset="0"/>
-                </a:defRPr>
-              </a:lvl6pPr>
-              <a:lvl7pPr marL="2971800" indent="-228600" eaLnBrk="0" fontAlgn="base" hangingPunct="0">
-                <a:spcBef>
-                  <a:spcPct val="10000"/>
-                </a:spcBef>
-                <a:spcAft>
-                  <a:spcPct val="0"/>
-                </a:spcAft>
-                <a:buChar char="•"/>
-                <a:defRPr sz="2000">
-                  <a:solidFill>
-                    <a:schemeClr val="tx1"/>
-                  </a:solidFill>
-                  <a:latin typeface="Helvetica" charset="0"/>
-                  <a:ea typeface="Arial" charset="0"/>
-                  <a:cs typeface="Arial" charset="0"/>
-                </a:defRPr>
-              </a:lvl7pPr>
-              <a:lvl8pPr marL="3429000" indent="-228600" eaLnBrk="0" fontAlgn="base" hangingPunct="0">
-                <a:spcBef>
-                  <a:spcPct val="10000"/>
-                </a:spcBef>
-                <a:spcAft>
-                  <a:spcPct val="0"/>
-                </a:spcAft>
-                <a:buChar char="•"/>
-                <a:defRPr sz="2000">
-                  <a:solidFill>
-                    <a:schemeClr val="tx1"/>
-                  </a:solidFill>
-                  <a:latin typeface="Helvetica" charset="0"/>
-                  <a:ea typeface="Arial" charset="0"/>
-                  <a:cs typeface="Arial" charset="0"/>
-                </a:defRPr>
-              </a:lvl8pPr>
-              <a:lvl9pPr marL="3886200" indent="-228600" eaLnBrk="0" fontAlgn="base" hangingPunct="0">
-                <a:spcBef>
-                  <a:spcPct val="10000"/>
-                </a:spcBef>
-                <a:spcAft>
-                  <a:spcPct val="0"/>
-                </a:spcAft>
-                <a:buChar char="•"/>
-                <a:defRPr sz="2000">
-                  <a:solidFill>
-                    <a:schemeClr val="tx1"/>
-                  </a:solidFill>
-                  <a:latin typeface="Helvetica" charset="0"/>
-                  <a:ea typeface="Arial" charset="0"/>
-                  <a:cs typeface="Arial" charset="0"/>
-                </a:defRPr>
-              </a:lvl9pPr>
-            </a:lstStyle>
-            <a:p>
-              <a:pPr algn="ctr" eaLnBrk="1" hangingPunct="1">
-                <a:spcBef>
-                  <a:spcPct val="0"/>
-                </a:spcBef>
-                <a:buFontTx/>
-                <a:buNone/>
-              </a:pPr>
-              <a:r>
-                <a:rPr lang="en-US" altLang="en-US" sz="2000" b="0">
-                  <a:solidFill>
-                    <a:srgbClr val="000000"/>
-                  </a:solidFill>
-                </a:rPr>
-                <a:t>NV</a:t>
-              </a:r>
-            </a:p>
-          </p:txBody>
-        </p:sp>
-        <p:sp>
-          <p:nvSpPr>
-            <p:cNvPr id="35" name="Rectangle 25"/>
-            <p:cNvSpPr>
-              <a:spLocks noChangeArrowheads="1"/>
-            </p:cNvSpPr>
-            <p:nvPr/>
-          </p:nvSpPr>
-          <p:spPr bwMode="auto">
-            <a:xfrm>
-              <a:off x="8527469" y="3196977"/>
-              <a:ext cx="685800" cy="381000"/>
-            </a:xfrm>
-            <a:prstGeom prst="rect">
-              <a:avLst/>
-            </a:prstGeom>
-            <a:solidFill>
-              <a:schemeClr val="accent2"/>
-            </a:solidFill>
-            <a:ln w="9525">
-              <a:solidFill>
-                <a:schemeClr val="tx1"/>
-              </a:solidFill>
-              <a:miter lim="800000"/>
-              <a:headEnd/>
-              <a:tailEnd/>
-            </a:ln>
-          </p:spPr>
-          <p:txBody>
-            <a:bodyPr wrap="none" lIns="91420" tIns="45712" rIns="91420" bIns="45712" anchor="ctr"/>
-            <a:lstStyle>
-              <a:lvl1pPr>
-                <a:spcBef>
-                  <a:spcPct val="50000"/>
-                </a:spcBef>
-                <a:buChar char="•"/>
-                <a:defRPr sz="2800">
-                  <a:solidFill>
-                    <a:srgbClr val="0000FF"/>
-                  </a:solidFill>
-                  <a:latin typeface="Arial" charset="0"/>
-                  <a:ea typeface="ＭＳ Ｐゴシック" charset="-128"/>
-                  <a:cs typeface="Arial" charset="0"/>
-                </a:defRPr>
-              </a:lvl1pPr>
-              <a:lvl2pPr marL="742950" indent="-285750">
-                <a:spcBef>
-                  <a:spcPct val="10000"/>
-                </a:spcBef>
-                <a:buFont typeface="Helvetica" charset="0"/>
-                <a:buChar char="–"/>
-                <a:defRPr sz="2400">
-                  <a:solidFill>
-                    <a:schemeClr val="accent2"/>
-                  </a:solidFill>
-                  <a:latin typeface="Arial" charset="0"/>
-                  <a:ea typeface="Arial" charset="0"/>
-                  <a:cs typeface="Arial" charset="0"/>
-                </a:defRPr>
-              </a:lvl2pPr>
-              <a:lvl3pPr marL="1143000" indent="-228600">
-                <a:spcBef>
-                  <a:spcPct val="10000"/>
-                </a:spcBef>
-                <a:buFont typeface="Wingdings" charset="2"/>
-                <a:buChar char=""/>
-                <a:defRPr sz="2000">
-                  <a:solidFill>
-                    <a:schemeClr val="tx1"/>
-                  </a:solidFill>
-                  <a:latin typeface="Arial" charset="0"/>
-                  <a:ea typeface="Arial" charset="0"/>
-                  <a:cs typeface="Arial" charset="0"/>
-                </a:defRPr>
-              </a:lvl3pPr>
-              <a:lvl4pPr marL="1600200" indent="-228600">
-                <a:spcBef>
-                  <a:spcPct val="10000"/>
-                </a:spcBef>
-                <a:buChar char="•"/>
-                <a:defRPr sz="2000">
-                  <a:solidFill>
-                    <a:schemeClr val="accent2"/>
-                  </a:solidFill>
-                  <a:latin typeface="Helvetica" charset="0"/>
-                  <a:ea typeface="Arial" charset="0"/>
-                  <a:cs typeface="Arial" charset="0"/>
-                </a:defRPr>
-              </a:lvl4pPr>
-              <a:lvl5pPr marL="2057400" indent="-228600">
-                <a:spcBef>
-                  <a:spcPct val="10000"/>
-                </a:spcBef>
-                <a:buChar char="•"/>
-                <a:defRPr sz="2000">
-                  <a:solidFill>
-                    <a:schemeClr val="tx1"/>
-                  </a:solidFill>
-                  <a:latin typeface="Helvetica" charset="0"/>
-                  <a:ea typeface="Arial" charset="0"/>
-                  <a:cs typeface="Arial" charset="0"/>
-                </a:defRPr>
-              </a:lvl5pPr>
-              <a:lvl6pPr marL="2514600" indent="-228600" eaLnBrk="0" fontAlgn="base" hangingPunct="0">
-                <a:spcBef>
-                  <a:spcPct val="10000"/>
-                </a:spcBef>
-                <a:spcAft>
-                  <a:spcPct val="0"/>
-                </a:spcAft>
-                <a:buChar char="•"/>
-                <a:defRPr sz="2000">
-                  <a:solidFill>
-                    <a:schemeClr val="tx1"/>
-                  </a:solidFill>
-                  <a:latin typeface="Helvetica" charset="0"/>
-                  <a:ea typeface="Arial" charset="0"/>
-                  <a:cs typeface="Arial" charset="0"/>
-                </a:defRPr>
-              </a:lvl6pPr>
-              <a:lvl7pPr marL="2971800" indent="-228600" eaLnBrk="0" fontAlgn="base" hangingPunct="0">
-                <a:spcBef>
-                  <a:spcPct val="10000"/>
-                </a:spcBef>
-                <a:spcAft>
-                  <a:spcPct val="0"/>
-                </a:spcAft>
-                <a:buChar char="•"/>
-                <a:defRPr sz="2000">
-                  <a:solidFill>
-                    <a:schemeClr val="tx1"/>
-                  </a:solidFill>
-                  <a:latin typeface="Helvetica" charset="0"/>
-                  <a:ea typeface="Arial" charset="0"/>
-                  <a:cs typeface="Arial" charset="0"/>
-                </a:defRPr>
-              </a:lvl7pPr>
-              <a:lvl8pPr marL="3429000" indent="-228600" eaLnBrk="0" fontAlgn="base" hangingPunct="0">
-                <a:spcBef>
-                  <a:spcPct val="10000"/>
-                </a:spcBef>
-                <a:spcAft>
-                  <a:spcPct val="0"/>
-                </a:spcAft>
-                <a:buChar char="•"/>
-                <a:defRPr sz="2000">
-                  <a:solidFill>
-                    <a:schemeClr val="tx1"/>
-                  </a:solidFill>
-                  <a:latin typeface="Helvetica" charset="0"/>
-                  <a:ea typeface="Arial" charset="0"/>
-                  <a:cs typeface="Arial" charset="0"/>
-                </a:defRPr>
-              </a:lvl8pPr>
-              <a:lvl9pPr marL="3886200" indent="-228600" eaLnBrk="0" fontAlgn="base" hangingPunct="0">
-                <a:spcBef>
-                  <a:spcPct val="10000"/>
-                </a:spcBef>
-                <a:spcAft>
-                  <a:spcPct val="0"/>
-                </a:spcAft>
-                <a:buChar char="•"/>
-                <a:defRPr sz="2000">
-                  <a:solidFill>
-                    <a:schemeClr val="tx1"/>
-                  </a:solidFill>
-                  <a:latin typeface="Helvetica" charset="0"/>
-                  <a:ea typeface="Arial" charset="0"/>
-                  <a:cs typeface="Arial" charset="0"/>
-                </a:defRPr>
-              </a:lvl9pPr>
-            </a:lstStyle>
-            <a:p>
-              <a:pPr algn="ctr" eaLnBrk="1" hangingPunct="1">
-                <a:spcBef>
-                  <a:spcPct val="0"/>
-                </a:spcBef>
-                <a:buFontTx/>
-                <a:buNone/>
-              </a:pPr>
-              <a:r>
-                <a:rPr lang="en-US" altLang="en-US" sz="2000" b="0">
-                  <a:solidFill>
-                    <a:schemeClr val="bg1"/>
-                  </a:solidFill>
-                </a:rPr>
-                <a:t>TCP</a:t>
-              </a:r>
-            </a:p>
-          </p:txBody>
-        </p:sp>
-        <p:sp>
-          <p:nvSpPr>
-            <p:cNvPr id="36" name="Rectangle 26"/>
-            <p:cNvSpPr>
-              <a:spLocks noChangeArrowheads="1"/>
-            </p:cNvSpPr>
-            <p:nvPr/>
-          </p:nvSpPr>
-          <p:spPr bwMode="auto">
-            <a:xfrm>
-              <a:off x="10280069" y="3196977"/>
-              <a:ext cx="685800" cy="381000"/>
-            </a:xfrm>
-            <a:prstGeom prst="rect">
-              <a:avLst/>
-            </a:prstGeom>
-            <a:solidFill>
-              <a:srgbClr val="FFFFFF"/>
-            </a:solidFill>
-            <a:ln w="9525">
-              <a:solidFill>
-                <a:schemeClr val="tx1"/>
-              </a:solidFill>
-              <a:miter lim="800000"/>
-              <a:headEnd/>
-              <a:tailEnd/>
-            </a:ln>
-          </p:spPr>
-          <p:txBody>
-            <a:bodyPr wrap="none" lIns="91420" tIns="45712" rIns="91420" bIns="45712" anchor="ctr"/>
-            <a:lstStyle>
-              <a:lvl1pPr>
-                <a:spcBef>
-                  <a:spcPct val="50000"/>
-                </a:spcBef>
-                <a:buChar char="•"/>
-                <a:defRPr sz="2800">
-                  <a:solidFill>
-                    <a:srgbClr val="0000FF"/>
-                  </a:solidFill>
-                  <a:latin typeface="Arial" charset="0"/>
-                  <a:ea typeface="ＭＳ Ｐゴシック" charset="-128"/>
-                  <a:cs typeface="Arial" charset="0"/>
-                </a:defRPr>
-              </a:lvl1pPr>
-              <a:lvl2pPr marL="742950" indent="-285750">
-                <a:spcBef>
-                  <a:spcPct val="10000"/>
-                </a:spcBef>
-                <a:buFont typeface="Helvetica" charset="0"/>
-                <a:buChar char="–"/>
-                <a:defRPr sz="2400">
-                  <a:solidFill>
-                    <a:schemeClr val="accent2"/>
-                  </a:solidFill>
-                  <a:latin typeface="Arial" charset="0"/>
-                  <a:ea typeface="Arial" charset="0"/>
-                  <a:cs typeface="Arial" charset="0"/>
-                </a:defRPr>
-              </a:lvl2pPr>
-              <a:lvl3pPr marL="1143000" indent="-228600">
-                <a:spcBef>
-                  <a:spcPct val="10000"/>
-                </a:spcBef>
-                <a:buFont typeface="Wingdings" charset="2"/>
-                <a:buChar char=""/>
-                <a:defRPr sz="2000">
-                  <a:solidFill>
-                    <a:schemeClr val="tx1"/>
-                  </a:solidFill>
-                  <a:latin typeface="Arial" charset="0"/>
-                  <a:ea typeface="Arial" charset="0"/>
-                  <a:cs typeface="Arial" charset="0"/>
-                </a:defRPr>
-              </a:lvl3pPr>
-              <a:lvl4pPr marL="1600200" indent="-228600">
-                <a:spcBef>
-                  <a:spcPct val="10000"/>
-                </a:spcBef>
-                <a:buChar char="•"/>
-                <a:defRPr sz="2000">
-                  <a:solidFill>
-                    <a:schemeClr val="accent2"/>
-                  </a:solidFill>
-                  <a:latin typeface="Helvetica" charset="0"/>
-                  <a:ea typeface="Arial" charset="0"/>
-                  <a:cs typeface="Arial" charset="0"/>
-                </a:defRPr>
-              </a:lvl4pPr>
-              <a:lvl5pPr marL="2057400" indent="-228600">
-                <a:spcBef>
-                  <a:spcPct val="10000"/>
-                </a:spcBef>
-                <a:buChar char="•"/>
-                <a:defRPr sz="2000">
-                  <a:solidFill>
-                    <a:schemeClr val="tx1"/>
-                  </a:solidFill>
-                  <a:latin typeface="Helvetica" charset="0"/>
-                  <a:ea typeface="Arial" charset="0"/>
-                  <a:cs typeface="Arial" charset="0"/>
-                </a:defRPr>
-              </a:lvl5pPr>
-              <a:lvl6pPr marL="2514600" indent="-228600" eaLnBrk="0" fontAlgn="base" hangingPunct="0">
-                <a:spcBef>
-                  <a:spcPct val="10000"/>
-                </a:spcBef>
-                <a:spcAft>
-                  <a:spcPct val="0"/>
-                </a:spcAft>
-                <a:buChar char="•"/>
-                <a:defRPr sz="2000">
-                  <a:solidFill>
-                    <a:schemeClr val="tx1"/>
-                  </a:solidFill>
-                  <a:latin typeface="Helvetica" charset="0"/>
-                  <a:ea typeface="Arial" charset="0"/>
-                  <a:cs typeface="Arial" charset="0"/>
-                </a:defRPr>
-              </a:lvl6pPr>
-              <a:lvl7pPr marL="2971800" indent="-228600" eaLnBrk="0" fontAlgn="base" hangingPunct="0">
-                <a:spcBef>
-                  <a:spcPct val="10000"/>
-                </a:spcBef>
-                <a:spcAft>
-                  <a:spcPct val="0"/>
-                </a:spcAft>
-                <a:buChar char="•"/>
-                <a:defRPr sz="2000">
-                  <a:solidFill>
-                    <a:schemeClr val="tx1"/>
-                  </a:solidFill>
-                  <a:latin typeface="Helvetica" charset="0"/>
-                  <a:ea typeface="Arial" charset="0"/>
-                  <a:cs typeface="Arial" charset="0"/>
-                </a:defRPr>
-              </a:lvl7pPr>
-              <a:lvl8pPr marL="3429000" indent="-228600" eaLnBrk="0" fontAlgn="base" hangingPunct="0">
-                <a:spcBef>
-                  <a:spcPct val="10000"/>
-                </a:spcBef>
-                <a:spcAft>
-                  <a:spcPct val="0"/>
-                </a:spcAft>
-                <a:buChar char="•"/>
-                <a:defRPr sz="2000">
-                  <a:solidFill>
-                    <a:schemeClr val="tx1"/>
-                  </a:solidFill>
-                  <a:latin typeface="Helvetica" charset="0"/>
-                  <a:ea typeface="Arial" charset="0"/>
-                  <a:cs typeface="Arial" charset="0"/>
-                </a:defRPr>
-              </a:lvl8pPr>
-              <a:lvl9pPr marL="3886200" indent="-228600" eaLnBrk="0" fontAlgn="base" hangingPunct="0">
-                <a:spcBef>
-                  <a:spcPct val="10000"/>
-                </a:spcBef>
-                <a:spcAft>
-                  <a:spcPct val="0"/>
-                </a:spcAft>
-                <a:buChar char="•"/>
-                <a:defRPr sz="2000">
-                  <a:solidFill>
-                    <a:schemeClr val="tx1"/>
-                  </a:solidFill>
-                  <a:latin typeface="Helvetica" charset="0"/>
-                  <a:ea typeface="Arial" charset="0"/>
-                  <a:cs typeface="Arial" charset="0"/>
-                </a:defRPr>
-              </a:lvl9pPr>
-            </a:lstStyle>
-            <a:p>
-              <a:pPr algn="ctr" eaLnBrk="1" hangingPunct="1">
-                <a:spcBef>
-                  <a:spcPct val="0"/>
-                </a:spcBef>
-                <a:buFontTx/>
-                <a:buNone/>
-              </a:pPr>
-              <a:r>
-                <a:rPr lang="en-US" altLang="en-US" sz="2000" b="0">
-                  <a:solidFill>
-                    <a:srgbClr val="000000"/>
-                  </a:solidFill>
-                </a:rPr>
-                <a:t>UDP</a:t>
-              </a:r>
-            </a:p>
-          </p:txBody>
-        </p:sp>
-        <p:sp>
-          <p:nvSpPr>
-            <p:cNvPr id="37" name="Rectangle 27"/>
-            <p:cNvSpPr>
-              <a:spLocks noChangeArrowheads="1"/>
-            </p:cNvSpPr>
-            <p:nvPr/>
-          </p:nvSpPr>
-          <p:spPr bwMode="auto">
-            <a:xfrm>
-              <a:off x="9441869" y="3958977"/>
-              <a:ext cx="685800" cy="381000"/>
-            </a:xfrm>
-            <a:prstGeom prst="rect">
-              <a:avLst/>
-            </a:prstGeom>
-            <a:solidFill>
-              <a:schemeClr val="accent1"/>
-            </a:solidFill>
-            <a:ln w="9525">
-              <a:solidFill>
-                <a:schemeClr val="tx1"/>
-              </a:solidFill>
-              <a:miter lim="800000"/>
-              <a:headEnd/>
-              <a:tailEnd/>
-            </a:ln>
-          </p:spPr>
-          <p:txBody>
-            <a:bodyPr wrap="none" lIns="91420" tIns="45712" rIns="91420" bIns="45712" anchor="ctr"/>
-            <a:lstStyle>
-              <a:lvl1pPr>
-                <a:spcBef>
-                  <a:spcPct val="50000"/>
-                </a:spcBef>
-                <a:buChar char="•"/>
-                <a:defRPr sz="2800">
-                  <a:solidFill>
-                    <a:srgbClr val="0000FF"/>
-                  </a:solidFill>
-                  <a:latin typeface="Arial" charset="0"/>
-                  <a:ea typeface="ＭＳ Ｐゴシック" charset="-128"/>
-                  <a:cs typeface="Arial" charset="0"/>
-                </a:defRPr>
-              </a:lvl1pPr>
-              <a:lvl2pPr marL="742950" indent="-285750">
-                <a:spcBef>
-                  <a:spcPct val="10000"/>
-                </a:spcBef>
-                <a:buFont typeface="Helvetica" charset="0"/>
-                <a:buChar char="–"/>
-                <a:defRPr sz="2400">
-                  <a:solidFill>
-                    <a:schemeClr val="accent2"/>
-                  </a:solidFill>
-                  <a:latin typeface="Arial" charset="0"/>
-                  <a:ea typeface="Arial" charset="0"/>
-                  <a:cs typeface="Arial" charset="0"/>
-                </a:defRPr>
-              </a:lvl2pPr>
-              <a:lvl3pPr marL="1143000" indent="-228600">
-                <a:spcBef>
-                  <a:spcPct val="10000"/>
-                </a:spcBef>
-                <a:buFont typeface="Wingdings" charset="2"/>
-                <a:buChar char=""/>
-                <a:defRPr sz="2000">
-                  <a:solidFill>
-                    <a:schemeClr val="tx1"/>
-                  </a:solidFill>
-                  <a:latin typeface="Arial" charset="0"/>
-                  <a:ea typeface="Arial" charset="0"/>
-                  <a:cs typeface="Arial" charset="0"/>
-                </a:defRPr>
-              </a:lvl3pPr>
-              <a:lvl4pPr marL="1600200" indent="-228600">
-                <a:spcBef>
-                  <a:spcPct val="10000"/>
-                </a:spcBef>
-                <a:buChar char="•"/>
-                <a:defRPr sz="2000">
-                  <a:solidFill>
-                    <a:schemeClr val="accent2"/>
-                  </a:solidFill>
-                  <a:latin typeface="Helvetica" charset="0"/>
-                  <a:ea typeface="Arial" charset="0"/>
-                  <a:cs typeface="Arial" charset="0"/>
-                </a:defRPr>
-              </a:lvl4pPr>
-              <a:lvl5pPr marL="2057400" indent="-228600">
-                <a:spcBef>
-                  <a:spcPct val="10000"/>
-                </a:spcBef>
-                <a:buChar char="•"/>
-                <a:defRPr sz="2000">
-                  <a:solidFill>
-                    <a:schemeClr val="tx1"/>
-                  </a:solidFill>
-                  <a:latin typeface="Helvetica" charset="0"/>
-                  <a:ea typeface="Arial" charset="0"/>
-                  <a:cs typeface="Arial" charset="0"/>
-                </a:defRPr>
-              </a:lvl5pPr>
-              <a:lvl6pPr marL="2514600" indent="-228600" eaLnBrk="0" fontAlgn="base" hangingPunct="0">
-                <a:spcBef>
-                  <a:spcPct val="10000"/>
-                </a:spcBef>
-                <a:spcAft>
-                  <a:spcPct val="0"/>
-                </a:spcAft>
-                <a:buChar char="•"/>
-                <a:defRPr sz="2000">
-                  <a:solidFill>
-                    <a:schemeClr val="tx1"/>
-                  </a:solidFill>
-                  <a:latin typeface="Helvetica" charset="0"/>
-                  <a:ea typeface="Arial" charset="0"/>
-                  <a:cs typeface="Arial" charset="0"/>
-                </a:defRPr>
-              </a:lvl6pPr>
-              <a:lvl7pPr marL="2971800" indent="-228600" eaLnBrk="0" fontAlgn="base" hangingPunct="0">
-                <a:spcBef>
-                  <a:spcPct val="10000"/>
-                </a:spcBef>
-                <a:spcAft>
-                  <a:spcPct val="0"/>
-                </a:spcAft>
-                <a:buChar char="•"/>
-                <a:defRPr sz="2000">
-                  <a:solidFill>
-                    <a:schemeClr val="tx1"/>
-                  </a:solidFill>
-                  <a:latin typeface="Helvetica" charset="0"/>
-                  <a:ea typeface="Arial" charset="0"/>
-                  <a:cs typeface="Arial" charset="0"/>
-                </a:defRPr>
-              </a:lvl7pPr>
-              <a:lvl8pPr marL="3429000" indent="-228600" eaLnBrk="0" fontAlgn="base" hangingPunct="0">
-                <a:spcBef>
-                  <a:spcPct val="10000"/>
-                </a:spcBef>
-                <a:spcAft>
-                  <a:spcPct val="0"/>
-                </a:spcAft>
-                <a:buChar char="•"/>
-                <a:defRPr sz="2000">
-                  <a:solidFill>
-                    <a:schemeClr val="tx1"/>
-                  </a:solidFill>
-                  <a:latin typeface="Helvetica" charset="0"/>
-                  <a:ea typeface="Arial" charset="0"/>
-                  <a:cs typeface="Arial" charset="0"/>
-                </a:defRPr>
-              </a:lvl8pPr>
-              <a:lvl9pPr marL="3886200" indent="-228600" eaLnBrk="0" fontAlgn="base" hangingPunct="0">
-                <a:spcBef>
-                  <a:spcPct val="10000"/>
-                </a:spcBef>
-                <a:spcAft>
-                  <a:spcPct val="0"/>
-                </a:spcAft>
-                <a:buChar char="•"/>
-                <a:defRPr sz="2000">
-                  <a:solidFill>
-                    <a:schemeClr val="tx1"/>
-                  </a:solidFill>
-                  <a:latin typeface="Helvetica" charset="0"/>
-                  <a:ea typeface="Arial" charset="0"/>
-                  <a:cs typeface="Arial" charset="0"/>
-                </a:defRPr>
-              </a:lvl9pPr>
-            </a:lstStyle>
-            <a:p>
-              <a:pPr algn="ctr" eaLnBrk="1" hangingPunct="1">
-                <a:spcBef>
-                  <a:spcPct val="0"/>
-                </a:spcBef>
-                <a:buFontTx/>
-                <a:buNone/>
-              </a:pPr>
-              <a:r>
-                <a:rPr lang="en-US" altLang="en-US" sz="2000" b="0">
-                  <a:solidFill>
-                    <a:schemeClr val="bg1"/>
-                  </a:solidFill>
-                </a:rPr>
-                <a:t>IP</a:t>
-              </a:r>
-            </a:p>
-          </p:txBody>
-        </p:sp>
-        <p:sp>
-          <p:nvSpPr>
-            <p:cNvPr id="38" name="Rectangle 28"/>
-            <p:cNvSpPr>
-              <a:spLocks noChangeArrowheads="1"/>
-            </p:cNvSpPr>
-            <p:nvPr/>
-          </p:nvSpPr>
-          <p:spPr bwMode="auto">
-            <a:xfrm>
-              <a:off x="8070269" y="4720977"/>
-              <a:ext cx="685800" cy="381000"/>
-            </a:xfrm>
-            <a:prstGeom prst="rect">
-              <a:avLst/>
-            </a:prstGeom>
-            <a:solidFill>
-              <a:schemeClr val="folHlink"/>
-            </a:solidFill>
-            <a:ln w="9525">
-              <a:solidFill>
-                <a:schemeClr val="tx1"/>
-              </a:solidFill>
-              <a:miter lim="800000"/>
-              <a:headEnd/>
-              <a:tailEnd/>
-            </a:ln>
-          </p:spPr>
-          <p:txBody>
-            <a:bodyPr wrap="none" lIns="91420" tIns="45712" rIns="91420" bIns="45712" anchor="ctr"/>
-            <a:lstStyle>
-              <a:lvl1pPr>
-                <a:spcBef>
-                  <a:spcPct val="50000"/>
-                </a:spcBef>
-                <a:buChar char="•"/>
-                <a:defRPr sz="2800">
-                  <a:solidFill>
-                    <a:srgbClr val="0000FF"/>
-                  </a:solidFill>
-                  <a:latin typeface="Arial" charset="0"/>
-                  <a:ea typeface="ＭＳ Ｐゴシック" charset="-128"/>
-                  <a:cs typeface="Arial" charset="0"/>
-                </a:defRPr>
-              </a:lvl1pPr>
-              <a:lvl2pPr marL="742950" indent="-285750">
-                <a:spcBef>
-                  <a:spcPct val="10000"/>
-                </a:spcBef>
-                <a:buFont typeface="Helvetica" charset="0"/>
-                <a:buChar char="–"/>
-                <a:defRPr sz="2400">
-                  <a:solidFill>
-                    <a:schemeClr val="accent2"/>
-                  </a:solidFill>
-                  <a:latin typeface="Arial" charset="0"/>
-                  <a:ea typeface="Arial" charset="0"/>
-                  <a:cs typeface="Arial" charset="0"/>
-                </a:defRPr>
-              </a:lvl2pPr>
-              <a:lvl3pPr marL="1143000" indent="-228600">
-                <a:spcBef>
-                  <a:spcPct val="10000"/>
-                </a:spcBef>
-                <a:buFont typeface="Wingdings" charset="2"/>
-                <a:buChar char=""/>
-                <a:defRPr sz="2000">
-                  <a:solidFill>
-                    <a:schemeClr val="tx1"/>
-                  </a:solidFill>
-                  <a:latin typeface="Arial" charset="0"/>
-                  <a:ea typeface="Arial" charset="0"/>
-                  <a:cs typeface="Arial" charset="0"/>
-                </a:defRPr>
-              </a:lvl3pPr>
-              <a:lvl4pPr marL="1600200" indent="-228600">
-                <a:spcBef>
-                  <a:spcPct val="10000"/>
-                </a:spcBef>
-                <a:buChar char="•"/>
-                <a:defRPr sz="2000">
-                  <a:solidFill>
-                    <a:schemeClr val="accent2"/>
-                  </a:solidFill>
-                  <a:latin typeface="Helvetica" charset="0"/>
-                  <a:ea typeface="Arial" charset="0"/>
-                  <a:cs typeface="Arial" charset="0"/>
-                </a:defRPr>
-              </a:lvl4pPr>
-              <a:lvl5pPr marL="2057400" indent="-228600">
-                <a:spcBef>
-                  <a:spcPct val="10000"/>
-                </a:spcBef>
-                <a:buChar char="•"/>
-                <a:defRPr sz="2000">
-                  <a:solidFill>
-                    <a:schemeClr val="tx1"/>
-                  </a:solidFill>
-                  <a:latin typeface="Helvetica" charset="0"/>
-                  <a:ea typeface="Arial" charset="0"/>
-                  <a:cs typeface="Arial" charset="0"/>
-                </a:defRPr>
-              </a:lvl5pPr>
-              <a:lvl6pPr marL="2514600" indent="-228600" eaLnBrk="0" fontAlgn="base" hangingPunct="0">
-                <a:spcBef>
-                  <a:spcPct val="10000"/>
-                </a:spcBef>
-                <a:spcAft>
-                  <a:spcPct val="0"/>
-                </a:spcAft>
-                <a:buChar char="•"/>
-                <a:defRPr sz="2000">
-                  <a:solidFill>
-                    <a:schemeClr val="tx1"/>
-                  </a:solidFill>
-                  <a:latin typeface="Helvetica" charset="0"/>
-                  <a:ea typeface="Arial" charset="0"/>
-                  <a:cs typeface="Arial" charset="0"/>
-                </a:defRPr>
-              </a:lvl6pPr>
-              <a:lvl7pPr marL="2971800" indent="-228600" eaLnBrk="0" fontAlgn="base" hangingPunct="0">
-                <a:spcBef>
-                  <a:spcPct val="10000"/>
-                </a:spcBef>
-                <a:spcAft>
-                  <a:spcPct val="0"/>
-                </a:spcAft>
-                <a:buChar char="•"/>
-                <a:defRPr sz="2000">
-                  <a:solidFill>
-                    <a:schemeClr val="tx1"/>
-                  </a:solidFill>
-                  <a:latin typeface="Helvetica" charset="0"/>
-                  <a:ea typeface="Arial" charset="0"/>
-                  <a:cs typeface="Arial" charset="0"/>
-                </a:defRPr>
-              </a:lvl7pPr>
-              <a:lvl8pPr marL="3429000" indent="-228600" eaLnBrk="0" fontAlgn="base" hangingPunct="0">
-                <a:spcBef>
-                  <a:spcPct val="10000"/>
-                </a:spcBef>
-                <a:spcAft>
-                  <a:spcPct val="0"/>
-                </a:spcAft>
-                <a:buChar char="•"/>
-                <a:defRPr sz="2000">
-                  <a:solidFill>
-                    <a:schemeClr val="tx1"/>
-                  </a:solidFill>
-                  <a:latin typeface="Helvetica" charset="0"/>
-                  <a:ea typeface="Arial" charset="0"/>
-                  <a:cs typeface="Arial" charset="0"/>
-                </a:defRPr>
-              </a:lvl8pPr>
-              <a:lvl9pPr marL="3886200" indent="-228600" eaLnBrk="0" fontAlgn="base" hangingPunct="0">
-                <a:spcBef>
-                  <a:spcPct val="10000"/>
-                </a:spcBef>
-                <a:spcAft>
-                  <a:spcPct val="0"/>
-                </a:spcAft>
-                <a:buChar char="•"/>
-                <a:defRPr sz="2000">
-                  <a:solidFill>
-                    <a:schemeClr val="tx1"/>
-                  </a:solidFill>
-                  <a:latin typeface="Helvetica" charset="0"/>
-                  <a:ea typeface="Arial" charset="0"/>
-                  <a:cs typeface="Arial" charset="0"/>
-                </a:defRPr>
-              </a:lvl9pPr>
-            </a:lstStyle>
-            <a:p>
-              <a:pPr algn="ctr" eaLnBrk="1" hangingPunct="1">
-                <a:spcBef>
-                  <a:spcPct val="0"/>
-                </a:spcBef>
-                <a:buFontTx/>
-                <a:buNone/>
-              </a:pPr>
-              <a:r>
-                <a:rPr lang="en-US" altLang="en-US" sz="2000" b="0" dirty="0">
-                  <a:solidFill>
-                    <a:schemeClr val="bg1"/>
-                  </a:solidFill>
-                </a:rPr>
-                <a:t>Ether</a:t>
-              </a:r>
-              <a:endParaRPr lang="en-US" altLang="en-US" sz="2000" b="0" baseline="-25000" dirty="0">
-                <a:solidFill>
-                  <a:schemeClr val="bg1"/>
-                </a:solidFill>
-              </a:endParaRPr>
-            </a:p>
-          </p:txBody>
-        </p:sp>
-        <p:sp>
-          <p:nvSpPr>
-            <p:cNvPr id="39" name="Rectangle 29"/>
-            <p:cNvSpPr>
-              <a:spLocks noChangeArrowheads="1"/>
-            </p:cNvSpPr>
-            <p:nvPr/>
-          </p:nvSpPr>
-          <p:spPr bwMode="auto">
-            <a:xfrm>
-              <a:off x="9213269" y="4720977"/>
-              <a:ext cx="685800" cy="381000"/>
-            </a:xfrm>
-            <a:prstGeom prst="rect">
-              <a:avLst/>
-            </a:prstGeom>
-            <a:solidFill>
-              <a:srgbClr val="FFFFFF"/>
-            </a:solidFill>
-            <a:ln w="9525">
-              <a:solidFill>
-                <a:schemeClr val="tx1"/>
-              </a:solidFill>
-              <a:miter lim="800000"/>
-              <a:headEnd/>
-              <a:tailEnd/>
-            </a:ln>
-          </p:spPr>
-          <p:txBody>
-            <a:bodyPr wrap="none" lIns="91420" tIns="45712" rIns="91420" bIns="45712" anchor="ctr"/>
-            <a:lstStyle>
-              <a:lvl1pPr>
-                <a:spcBef>
-                  <a:spcPct val="50000"/>
-                </a:spcBef>
-                <a:buChar char="•"/>
-                <a:defRPr sz="2800">
-                  <a:solidFill>
-                    <a:srgbClr val="0000FF"/>
-                  </a:solidFill>
-                  <a:latin typeface="Arial" charset="0"/>
-                  <a:ea typeface="ＭＳ Ｐゴシック" charset="-128"/>
-                  <a:cs typeface="Arial" charset="0"/>
-                </a:defRPr>
-              </a:lvl1pPr>
-              <a:lvl2pPr marL="742950" indent="-285750">
-                <a:spcBef>
-                  <a:spcPct val="10000"/>
-                </a:spcBef>
-                <a:buFont typeface="Helvetica" charset="0"/>
-                <a:buChar char="–"/>
-                <a:defRPr sz="2400">
-                  <a:solidFill>
-                    <a:schemeClr val="accent2"/>
-                  </a:solidFill>
-                  <a:latin typeface="Arial" charset="0"/>
-                  <a:ea typeface="Arial" charset="0"/>
-                  <a:cs typeface="Arial" charset="0"/>
-                </a:defRPr>
-              </a:lvl2pPr>
-              <a:lvl3pPr marL="1143000" indent="-228600">
-                <a:spcBef>
-                  <a:spcPct val="10000"/>
-                </a:spcBef>
-                <a:buFont typeface="Wingdings" charset="2"/>
-                <a:buChar char=""/>
-                <a:defRPr sz="2000">
-                  <a:solidFill>
-                    <a:schemeClr val="tx1"/>
-                  </a:solidFill>
-                  <a:latin typeface="Arial" charset="0"/>
-                  <a:ea typeface="Arial" charset="0"/>
-                  <a:cs typeface="Arial" charset="0"/>
-                </a:defRPr>
-              </a:lvl3pPr>
-              <a:lvl4pPr marL="1600200" indent="-228600">
-                <a:spcBef>
-                  <a:spcPct val="10000"/>
-                </a:spcBef>
-                <a:buChar char="•"/>
-                <a:defRPr sz="2000">
-                  <a:solidFill>
-                    <a:schemeClr val="accent2"/>
-                  </a:solidFill>
-                  <a:latin typeface="Helvetica" charset="0"/>
-                  <a:ea typeface="Arial" charset="0"/>
-                  <a:cs typeface="Arial" charset="0"/>
-                </a:defRPr>
-              </a:lvl4pPr>
-              <a:lvl5pPr marL="2057400" indent="-228600">
-                <a:spcBef>
-                  <a:spcPct val="10000"/>
-                </a:spcBef>
-                <a:buChar char="•"/>
-                <a:defRPr sz="2000">
-                  <a:solidFill>
-                    <a:schemeClr val="tx1"/>
-                  </a:solidFill>
-                  <a:latin typeface="Helvetica" charset="0"/>
-                  <a:ea typeface="Arial" charset="0"/>
-                  <a:cs typeface="Arial" charset="0"/>
-                </a:defRPr>
-              </a:lvl5pPr>
-              <a:lvl6pPr marL="2514600" indent="-228600" eaLnBrk="0" fontAlgn="base" hangingPunct="0">
-                <a:spcBef>
-                  <a:spcPct val="10000"/>
-                </a:spcBef>
-                <a:spcAft>
-                  <a:spcPct val="0"/>
-                </a:spcAft>
-                <a:buChar char="•"/>
-                <a:defRPr sz="2000">
-                  <a:solidFill>
-                    <a:schemeClr val="tx1"/>
-                  </a:solidFill>
-                  <a:latin typeface="Helvetica" charset="0"/>
-                  <a:ea typeface="Arial" charset="0"/>
-                  <a:cs typeface="Arial" charset="0"/>
-                </a:defRPr>
-              </a:lvl6pPr>
-              <a:lvl7pPr marL="2971800" indent="-228600" eaLnBrk="0" fontAlgn="base" hangingPunct="0">
-                <a:spcBef>
-                  <a:spcPct val="10000"/>
-                </a:spcBef>
-                <a:spcAft>
-                  <a:spcPct val="0"/>
-                </a:spcAft>
-                <a:buChar char="•"/>
-                <a:defRPr sz="2000">
-                  <a:solidFill>
-                    <a:schemeClr val="tx1"/>
-                  </a:solidFill>
-                  <a:latin typeface="Helvetica" charset="0"/>
-                  <a:ea typeface="Arial" charset="0"/>
-                  <a:cs typeface="Arial" charset="0"/>
-                </a:defRPr>
-              </a:lvl7pPr>
-              <a:lvl8pPr marL="3429000" indent="-228600" eaLnBrk="0" fontAlgn="base" hangingPunct="0">
-                <a:spcBef>
-                  <a:spcPct val="10000"/>
-                </a:spcBef>
-                <a:spcAft>
-                  <a:spcPct val="0"/>
-                </a:spcAft>
-                <a:buChar char="•"/>
-                <a:defRPr sz="2000">
-                  <a:solidFill>
-                    <a:schemeClr val="tx1"/>
-                  </a:solidFill>
-                  <a:latin typeface="Helvetica" charset="0"/>
-                  <a:ea typeface="Arial" charset="0"/>
-                  <a:cs typeface="Arial" charset="0"/>
-                </a:defRPr>
-              </a:lvl8pPr>
-              <a:lvl9pPr marL="3886200" indent="-228600" eaLnBrk="0" fontAlgn="base" hangingPunct="0">
-                <a:spcBef>
-                  <a:spcPct val="10000"/>
-                </a:spcBef>
-                <a:spcAft>
-                  <a:spcPct val="0"/>
-                </a:spcAft>
-                <a:buChar char="•"/>
-                <a:defRPr sz="2000">
-                  <a:solidFill>
-                    <a:schemeClr val="tx1"/>
-                  </a:solidFill>
-                  <a:latin typeface="Helvetica" charset="0"/>
-                  <a:ea typeface="Arial" charset="0"/>
-                  <a:cs typeface="Arial" charset="0"/>
-                </a:defRPr>
-              </a:lvl9pPr>
-            </a:lstStyle>
-            <a:p>
-              <a:pPr algn="ctr" eaLnBrk="1" hangingPunct="1">
-                <a:spcBef>
-                  <a:spcPct val="0"/>
-                </a:spcBef>
-                <a:buFontTx/>
-                <a:buNone/>
-              </a:pPr>
-              <a:r>
-                <a:rPr lang="en-US" altLang="en-US" sz="2000" b="0" dirty="0">
-                  <a:solidFill>
-                    <a:srgbClr val="000000"/>
-                  </a:solidFill>
-                </a:rPr>
-                <a:t>ATM</a:t>
-              </a:r>
-              <a:endParaRPr lang="en-US" altLang="en-US" sz="2000" b="0" baseline="-25000" dirty="0">
-                <a:solidFill>
-                  <a:srgbClr val="000000"/>
-                </a:solidFill>
-              </a:endParaRPr>
-            </a:p>
-          </p:txBody>
-        </p:sp>
-        <p:sp>
-          <p:nvSpPr>
-            <p:cNvPr id="40" name="Rectangle 30"/>
-            <p:cNvSpPr>
-              <a:spLocks noChangeArrowheads="1"/>
-            </p:cNvSpPr>
-            <p:nvPr/>
-          </p:nvSpPr>
-          <p:spPr bwMode="auto">
-            <a:xfrm>
-              <a:off x="10813469" y="4720977"/>
-              <a:ext cx="685800" cy="381000"/>
-            </a:xfrm>
-            <a:prstGeom prst="rect">
-              <a:avLst/>
-            </a:prstGeom>
-            <a:solidFill>
-              <a:srgbClr val="FFFFFF"/>
-            </a:solidFill>
-            <a:ln w="9525">
-              <a:solidFill>
-                <a:schemeClr val="tx1"/>
-              </a:solidFill>
-              <a:miter lim="800000"/>
-              <a:headEnd/>
-              <a:tailEnd/>
-            </a:ln>
-          </p:spPr>
-          <p:txBody>
-            <a:bodyPr wrap="none" lIns="91420" tIns="45712" rIns="91420" bIns="45712" anchor="ctr"/>
-            <a:lstStyle>
-              <a:lvl1pPr>
-                <a:spcBef>
-                  <a:spcPct val="50000"/>
-                </a:spcBef>
-                <a:buChar char="•"/>
-                <a:defRPr sz="2800">
-                  <a:solidFill>
-                    <a:srgbClr val="0000FF"/>
-                  </a:solidFill>
-                  <a:latin typeface="Arial" charset="0"/>
-                  <a:ea typeface="ＭＳ Ｐゴシック" charset="-128"/>
-                  <a:cs typeface="Arial" charset="0"/>
-                </a:defRPr>
-              </a:lvl1pPr>
-              <a:lvl2pPr marL="742950" indent="-285750">
-                <a:spcBef>
-                  <a:spcPct val="10000"/>
-                </a:spcBef>
-                <a:buFont typeface="Helvetica" charset="0"/>
-                <a:buChar char="–"/>
-                <a:defRPr sz="2400">
-                  <a:solidFill>
-                    <a:schemeClr val="accent2"/>
-                  </a:solidFill>
-                  <a:latin typeface="Arial" charset="0"/>
-                  <a:ea typeface="Arial" charset="0"/>
-                  <a:cs typeface="Arial" charset="0"/>
-                </a:defRPr>
-              </a:lvl2pPr>
-              <a:lvl3pPr marL="1143000" indent="-228600">
-                <a:spcBef>
-                  <a:spcPct val="10000"/>
-                </a:spcBef>
-                <a:buFont typeface="Wingdings" charset="2"/>
-                <a:buChar char=""/>
-                <a:defRPr sz="2000">
-                  <a:solidFill>
-                    <a:schemeClr val="tx1"/>
-                  </a:solidFill>
-                  <a:latin typeface="Arial" charset="0"/>
-                  <a:ea typeface="Arial" charset="0"/>
-                  <a:cs typeface="Arial" charset="0"/>
-                </a:defRPr>
-              </a:lvl3pPr>
-              <a:lvl4pPr marL="1600200" indent="-228600">
-                <a:spcBef>
-                  <a:spcPct val="10000"/>
-                </a:spcBef>
-                <a:buChar char="•"/>
-                <a:defRPr sz="2000">
-                  <a:solidFill>
-                    <a:schemeClr val="accent2"/>
-                  </a:solidFill>
-                  <a:latin typeface="Helvetica" charset="0"/>
-                  <a:ea typeface="Arial" charset="0"/>
-                  <a:cs typeface="Arial" charset="0"/>
-                </a:defRPr>
-              </a:lvl4pPr>
-              <a:lvl5pPr marL="2057400" indent="-228600">
-                <a:spcBef>
-                  <a:spcPct val="10000"/>
-                </a:spcBef>
-                <a:buChar char="•"/>
-                <a:defRPr sz="2000">
-                  <a:solidFill>
-                    <a:schemeClr val="tx1"/>
-                  </a:solidFill>
-                  <a:latin typeface="Helvetica" charset="0"/>
-                  <a:ea typeface="Arial" charset="0"/>
-                  <a:cs typeface="Arial" charset="0"/>
-                </a:defRPr>
-              </a:lvl5pPr>
-              <a:lvl6pPr marL="2514600" indent="-228600" eaLnBrk="0" fontAlgn="base" hangingPunct="0">
-                <a:spcBef>
-                  <a:spcPct val="10000"/>
-                </a:spcBef>
-                <a:spcAft>
-                  <a:spcPct val="0"/>
-                </a:spcAft>
-                <a:buChar char="•"/>
-                <a:defRPr sz="2000">
-                  <a:solidFill>
-                    <a:schemeClr val="tx1"/>
-                  </a:solidFill>
-                  <a:latin typeface="Helvetica" charset="0"/>
-                  <a:ea typeface="Arial" charset="0"/>
-                  <a:cs typeface="Arial" charset="0"/>
-                </a:defRPr>
-              </a:lvl6pPr>
-              <a:lvl7pPr marL="2971800" indent="-228600" eaLnBrk="0" fontAlgn="base" hangingPunct="0">
-                <a:spcBef>
-                  <a:spcPct val="10000"/>
-                </a:spcBef>
-                <a:spcAft>
-                  <a:spcPct val="0"/>
-                </a:spcAft>
-                <a:buChar char="•"/>
-                <a:defRPr sz="2000">
-                  <a:solidFill>
-                    <a:schemeClr val="tx1"/>
-                  </a:solidFill>
-                  <a:latin typeface="Helvetica" charset="0"/>
-                  <a:ea typeface="Arial" charset="0"/>
-                  <a:cs typeface="Arial" charset="0"/>
-                </a:defRPr>
-              </a:lvl7pPr>
-              <a:lvl8pPr marL="3429000" indent="-228600" eaLnBrk="0" fontAlgn="base" hangingPunct="0">
-                <a:spcBef>
-                  <a:spcPct val="10000"/>
-                </a:spcBef>
-                <a:spcAft>
-                  <a:spcPct val="0"/>
-                </a:spcAft>
-                <a:buChar char="•"/>
-                <a:defRPr sz="2000">
-                  <a:solidFill>
-                    <a:schemeClr val="tx1"/>
-                  </a:solidFill>
-                  <a:latin typeface="Helvetica" charset="0"/>
-                  <a:ea typeface="Arial" charset="0"/>
-                  <a:cs typeface="Arial" charset="0"/>
-                </a:defRPr>
-              </a:lvl8pPr>
-              <a:lvl9pPr marL="3886200" indent="-228600" eaLnBrk="0" fontAlgn="base" hangingPunct="0">
-                <a:spcBef>
-                  <a:spcPct val="10000"/>
-                </a:spcBef>
-                <a:spcAft>
-                  <a:spcPct val="0"/>
-                </a:spcAft>
-                <a:buChar char="•"/>
-                <a:defRPr sz="2000">
-                  <a:solidFill>
-                    <a:schemeClr val="tx1"/>
-                  </a:solidFill>
-                  <a:latin typeface="Helvetica" charset="0"/>
-                  <a:ea typeface="Arial" charset="0"/>
-                  <a:cs typeface="Arial" charset="0"/>
-                </a:defRPr>
-              </a:lvl9pPr>
-            </a:lstStyle>
-            <a:p>
-              <a:pPr algn="ctr" eaLnBrk="1" hangingPunct="1">
-                <a:spcBef>
-                  <a:spcPct val="0"/>
-                </a:spcBef>
-                <a:buFontTx/>
-                <a:buNone/>
-              </a:pPr>
-              <a:r>
-                <a:rPr lang="en-US" altLang="en-US" sz="2000" dirty="0" err="1">
-                  <a:solidFill>
-                    <a:srgbClr val="000000"/>
-                  </a:solidFill>
-                </a:rPr>
-                <a:t>WiFi</a:t>
-              </a:r>
-              <a:endParaRPr lang="en-US" altLang="en-US" sz="2000" b="0" baseline="-25000" dirty="0">
-                <a:solidFill>
-                  <a:srgbClr val="000000"/>
-                </a:solidFill>
-              </a:endParaRPr>
-            </a:p>
-          </p:txBody>
-        </p:sp>
-        <p:sp>
-          <p:nvSpPr>
-            <p:cNvPr id="41" name="Rectangle 31"/>
-            <p:cNvSpPr>
-              <a:spLocks noChangeArrowheads="1"/>
-            </p:cNvSpPr>
-            <p:nvPr/>
-          </p:nvSpPr>
-          <p:spPr bwMode="auto">
-            <a:xfrm>
-              <a:off x="9975269" y="4720977"/>
-              <a:ext cx="685800" cy="381000"/>
-            </a:xfrm>
-            <a:prstGeom prst="rect">
-              <a:avLst/>
-            </a:prstGeom>
-            <a:solidFill>
-              <a:srgbClr val="FFFFFF"/>
-            </a:solidFill>
-            <a:ln>
-              <a:noFill/>
-            </a:ln>
-            <a:extLst>
-              <a:ext uri="{91240B29-F687-4F45-9708-019B960494DF}">
-                <a14:hiddenLine xmlns:a14="http://schemas.microsoft.com/office/drawing/2010/main" w="9525">
-                  <a:solidFill>
-                    <a:srgbClr val="000000"/>
-                  </a:solidFill>
-                  <a:miter lim="800000"/>
-                  <a:headEnd/>
-                  <a:tailEnd/>
-                </a14:hiddenLine>
-              </a:ext>
-            </a:extLst>
-          </p:spPr>
-          <p:txBody>
-            <a:bodyPr wrap="none" lIns="91420" tIns="45712" rIns="91420" bIns="45712" anchor="ctr"/>
-            <a:lstStyle>
-              <a:lvl1pPr>
-                <a:spcBef>
-                  <a:spcPct val="50000"/>
-                </a:spcBef>
-                <a:buChar char="•"/>
-                <a:defRPr sz="2800">
-                  <a:solidFill>
-                    <a:srgbClr val="0000FF"/>
-                  </a:solidFill>
-                  <a:latin typeface="Arial" charset="0"/>
-                  <a:ea typeface="ＭＳ Ｐゴシック" charset="-128"/>
-                  <a:cs typeface="Arial" charset="0"/>
-                </a:defRPr>
-              </a:lvl1pPr>
-              <a:lvl2pPr marL="742950" indent="-285750">
-                <a:spcBef>
-                  <a:spcPct val="10000"/>
-                </a:spcBef>
-                <a:buFont typeface="Helvetica" charset="0"/>
-                <a:buChar char="–"/>
-                <a:defRPr sz="2400">
-                  <a:solidFill>
-                    <a:schemeClr val="accent2"/>
-                  </a:solidFill>
-                  <a:latin typeface="Arial" charset="0"/>
-                  <a:ea typeface="Arial" charset="0"/>
-                  <a:cs typeface="Arial" charset="0"/>
-                </a:defRPr>
-              </a:lvl2pPr>
-              <a:lvl3pPr marL="1143000" indent="-228600">
-                <a:spcBef>
-                  <a:spcPct val="10000"/>
-                </a:spcBef>
-                <a:buFont typeface="Wingdings" charset="2"/>
-                <a:buChar char=""/>
-                <a:defRPr sz="2000">
-                  <a:solidFill>
-                    <a:schemeClr val="tx1"/>
-                  </a:solidFill>
-                  <a:latin typeface="Arial" charset="0"/>
-                  <a:ea typeface="Arial" charset="0"/>
-                  <a:cs typeface="Arial" charset="0"/>
-                </a:defRPr>
-              </a:lvl3pPr>
-              <a:lvl4pPr marL="1600200" indent="-228600">
-                <a:spcBef>
-                  <a:spcPct val="10000"/>
-                </a:spcBef>
-                <a:buChar char="•"/>
-                <a:defRPr sz="2000">
-                  <a:solidFill>
-                    <a:schemeClr val="accent2"/>
-                  </a:solidFill>
-                  <a:latin typeface="Helvetica" charset="0"/>
-                  <a:ea typeface="Arial" charset="0"/>
-                  <a:cs typeface="Arial" charset="0"/>
-                </a:defRPr>
-              </a:lvl4pPr>
-              <a:lvl5pPr marL="2057400" indent="-228600">
-                <a:spcBef>
-                  <a:spcPct val="10000"/>
-                </a:spcBef>
-                <a:buChar char="•"/>
-                <a:defRPr sz="2000">
-                  <a:solidFill>
-                    <a:schemeClr val="tx1"/>
-                  </a:solidFill>
-                  <a:latin typeface="Helvetica" charset="0"/>
-                  <a:ea typeface="Arial" charset="0"/>
-                  <a:cs typeface="Arial" charset="0"/>
-                </a:defRPr>
-              </a:lvl5pPr>
-              <a:lvl6pPr marL="2514600" indent="-228600" eaLnBrk="0" fontAlgn="base" hangingPunct="0">
-                <a:spcBef>
-                  <a:spcPct val="10000"/>
-                </a:spcBef>
-                <a:spcAft>
-                  <a:spcPct val="0"/>
-                </a:spcAft>
-                <a:buChar char="•"/>
-                <a:defRPr sz="2000">
-                  <a:solidFill>
-                    <a:schemeClr val="tx1"/>
-                  </a:solidFill>
-                  <a:latin typeface="Helvetica" charset="0"/>
-                  <a:ea typeface="Arial" charset="0"/>
-                  <a:cs typeface="Arial" charset="0"/>
-                </a:defRPr>
-              </a:lvl6pPr>
-              <a:lvl7pPr marL="2971800" indent="-228600" eaLnBrk="0" fontAlgn="base" hangingPunct="0">
-                <a:spcBef>
-                  <a:spcPct val="10000"/>
-                </a:spcBef>
-                <a:spcAft>
-                  <a:spcPct val="0"/>
-                </a:spcAft>
-                <a:buChar char="•"/>
-                <a:defRPr sz="2000">
-                  <a:solidFill>
-                    <a:schemeClr val="tx1"/>
-                  </a:solidFill>
-                  <a:latin typeface="Helvetica" charset="0"/>
-                  <a:ea typeface="Arial" charset="0"/>
-                  <a:cs typeface="Arial" charset="0"/>
-                </a:defRPr>
-              </a:lvl7pPr>
-              <a:lvl8pPr marL="3429000" indent="-228600" eaLnBrk="0" fontAlgn="base" hangingPunct="0">
-                <a:spcBef>
-                  <a:spcPct val="10000"/>
-                </a:spcBef>
-                <a:spcAft>
-                  <a:spcPct val="0"/>
-                </a:spcAft>
-                <a:buChar char="•"/>
-                <a:defRPr sz="2000">
-                  <a:solidFill>
-                    <a:schemeClr val="tx1"/>
-                  </a:solidFill>
-                  <a:latin typeface="Helvetica" charset="0"/>
-                  <a:ea typeface="Arial" charset="0"/>
-                  <a:cs typeface="Arial" charset="0"/>
-                </a:defRPr>
-              </a:lvl8pPr>
-              <a:lvl9pPr marL="3886200" indent="-228600" eaLnBrk="0" fontAlgn="base" hangingPunct="0">
-                <a:spcBef>
-                  <a:spcPct val="10000"/>
-                </a:spcBef>
-                <a:spcAft>
-                  <a:spcPct val="0"/>
-                </a:spcAft>
-                <a:buChar char="•"/>
-                <a:defRPr sz="2000">
-                  <a:solidFill>
-                    <a:schemeClr val="tx1"/>
-                  </a:solidFill>
-                  <a:latin typeface="Helvetica" charset="0"/>
-                  <a:ea typeface="Arial" charset="0"/>
-                  <a:cs typeface="Arial" charset="0"/>
-                </a:defRPr>
-              </a:lvl9pPr>
-            </a:lstStyle>
-            <a:p>
-              <a:pPr algn="ctr" eaLnBrk="1" hangingPunct="1">
-                <a:spcBef>
-                  <a:spcPct val="0"/>
-                </a:spcBef>
-                <a:buFontTx/>
-                <a:buNone/>
-              </a:pPr>
-              <a:r>
-                <a:rPr lang="en-US" altLang="en-US" sz="2000" b="0">
-                  <a:solidFill>
-                    <a:srgbClr val="000000"/>
-                  </a:solidFill>
-                </a:rPr>
-                <a:t>…</a:t>
-              </a:r>
-              <a:endParaRPr lang="en-US" altLang="en-US" sz="2000" b="0" baseline="-25000">
-                <a:solidFill>
-                  <a:srgbClr val="000000"/>
-                </a:solidFill>
-              </a:endParaRPr>
-            </a:p>
-          </p:txBody>
-        </p:sp>
-        <p:cxnSp>
-          <p:nvCxnSpPr>
-            <p:cNvPr id="42" name="AutoShape 32"/>
-            <p:cNvCxnSpPr>
-              <a:cxnSpLocks noChangeShapeType="1"/>
-            </p:cNvCxnSpPr>
-            <p:nvPr/>
-          </p:nvCxnSpPr>
-          <p:spPr bwMode="auto">
-            <a:xfrm>
-              <a:off x="8489369" y="2892177"/>
-              <a:ext cx="381000" cy="304800"/>
-            </a:xfrm>
-            <a:prstGeom prst="straightConnector1">
-              <a:avLst/>
-            </a:prstGeom>
-            <a:noFill/>
-            <a:ln w="9525">
-              <a:solidFill>
-                <a:srgbClr val="000000"/>
-              </a:solidFill>
-              <a:round/>
-              <a:headEnd/>
-              <a:tailEnd/>
-            </a:ln>
-            <a:extLst>
-              <a:ext uri="{909E8E84-426E-40DD-AFC4-6F175D3DCCD1}">
-                <a14:hiddenFill xmlns:a14="http://schemas.microsoft.com/office/drawing/2010/main">
-                  <a:noFill/>
-                </a14:hiddenFill>
-              </a:ext>
-            </a:extLst>
-          </p:spPr>
-        </p:cxnSp>
-        <p:cxnSp>
-          <p:nvCxnSpPr>
-            <p:cNvPr id="43" name="AutoShape 33"/>
-            <p:cNvCxnSpPr>
-              <a:cxnSpLocks noChangeShapeType="1"/>
-            </p:cNvCxnSpPr>
-            <p:nvPr/>
-          </p:nvCxnSpPr>
-          <p:spPr bwMode="auto">
-            <a:xfrm flipH="1">
-              <a:off x="8870369" y="2892177"/>
-              <a:ext cx="419100" cy="304800"/>
-            </a:xfrm>
-            <a:prstGeom prst="straightConnector1">
-              <a:avLst/>
-            </a:prstGeom>
-            <a:noFill/>
-            <a:ln w="9525">
-              <a:solidFill>
-                <a:srgbClr val="000000"/>
-              </a:solidFill>
-              <a:round/>
-              <a:headEnd/>
-              <a:tailEnd/>
-            </a:ln>
-            <a:extLst>
-              <a:ext uri="{909E8E84-426E-40DD-AFC4-6F175D3DCCD1}">
-                <a14:hiddenFill xmlns:a14="http://schemas.microsoft.com/office/drawing/2010/main">
-                  <a:noFill/>
-                </a14:hiddenFill>
-              </a:ext>
-            </a:extLst>
-          </p:spPr>
-        </p:cxnSp>
-        <p:cxnSp>
-          <p:nvCxnSpPr>
-            <p:cNvPr id="44" name="AutoShape 34"/>
-            <p:cNvCxnSpPr>
-              <a:cxnSpLocks noChangeShapeType="1"/>
-            </p:cNvCxnSpPr>
-            <p:nvPr/>
-          </p:nvCxnSpPr>
-          <p:spPr bwMode="auto">
-            <a:xfrm>
-              <a:off x="10165769" y="2892177"/>
-              <a:ext cx="419100" cy="304800"/>
-            </a:xfrm>
-            <a:prstGeom prst="straightConnector1">
-              <a:avLst/>
-            </a:prstGeom>
-            <a:noFill/>
-            <a:ln w="9525">
-              <a:solidFill>
-                <a:srgbClr val="000000"/>
-              </a:solidFill>
-              <a:round/>
-              <a:headEnd/>
-              <a:tailEnd/>
-            </a:ln>
-            <a:extLst>
-              <a:ext uri="{909E8E84-426E-40DD-AFC4-6F175D3DCCD1}">
-                <a14:hiddenFill xmlns:a14="http://schemas.microsoft.com/office/drawing/2010/main">
-                  <a:noFill/>
-                </a14:hiddenFill>
-              </a:ext>
-            </a:extLst>
-          </p:spPr>
-        </p:cxnSp>
-        <p:cxnSp>
-          <p:nvCxnSpPr>
-            <p:cNvPr id="45" name="AutoShape 35"/>
-            <p:cNvCxnSpPr>
-              <a:cxnSpLocks noChangeShapeType="1"/>
-            </p:cNvCxnSpPr>
-            <p:nvPr/>
-          </p:nvCxnSpPr>
-          <p:spPr bwMode="auto">
-            <a:xfrm flipH="1">
-              <a:off x="10584869" y="2892177"/>
-              <a:ext cx="419100" cy="304800"/>
-            </a:xfrm>
-            <a:prstGeom prst="straightConnector1">
-              <a:avLst/>
-            </a:prstGeom>
-            <a:noFill/>
-            <a:ln w="9525">
-              <a:solidFill>
-                <a:srgbClr val="000000"/>
-              </a:solidFill>
-              <a:round/>
-              <a:headEnd/>
-              <a:tailEnd/>
-            </a:ln>
-            <a:extLst>
-              <a:ext uri="{909E8E84-426E-40DD-AFC4-6F175D3DCCD1}">
-                <a14:hiddenFill xmlns:a14="http://schemas.microsoft.com/office/drawing/2010/main">
-                  <a:noFill/>
-                </a14:hiddenFill>
-              </a:ext>
-            </a:extLst>
-          </p:spPr>
-        </p:cxnSp>
-        <p:cxnSp>
-          <p:nvCxnSpPr>
-            <p:cNvPr id="46" name="AutoShape 36"/>
-            <p:cNvCxnSpPr>
-              <a:cxnSpLocks noChangeShapeType="1"/>
-            </p:cNvCxnSpPr>
-            <p:nvPr/>
-          </p:nvCxnSpPr>
-          <p:spPr bwMode="auto">
-            <a:xfrm>
-              <a:off x="8870369" y="3577977"/>
-              <a:ext cx="914400" cy="381000"/>
-            </a:xfrm>
-            <a:prstGeom prst="straightConnector1">
-              <a:avLst/>
-            </a:prstGeom>
-            <a:noFill/>
-            <a:ln w="9525">
-              <a:solidFill>
-                <a:srgbClr val="000000"/>
-              </a:solidFill>
-              <a:round/>
-              <a:headEnd/>
-              <a:tailEnd/>
-            </a:ln>
-            <a:extLst>
-              <a:ext uri="{909E8E84-426E-40DD-AFC4-6F175D3DCCD1}">
-                <a14:hiddenFill xmlns:a14="http://schemas.microsoft.com/office/drawing/2010/main">
-                  <a:noFill/>
-                </a14:hiddenFill>
-              </a:ext>
-            </a:extLst>
-          </p:spPr>
-        </p:cxnSp>
-        <p:cxnSp>
-          <p:nvCxnSpPr>
-            <p:cNvPr id="47" name="AutoShape 37"/>
-            <p:cNvCxnSpPr>
-              <a:cxnSpLocks noChangeShapeType="1"/>
-            </p:cNvCxnSpPr>
-            <p:nvPr/>
-          </p:nvCxnSpPr>
-          <p:spPr bwMode="auto">
-            <a:xfrm flipH="1">
-              <a:off x="9784769" y="3577977"/>
-              <a:ext cx="838200" cy="381000"/>
-            </a:xfrm>
-            <a:prstGeom prst="straightConnector1">
-              <a:avLst/>
-            </a:prstGeom>
-            <a:noFill/>
-            <a:ln w="9525">
-              <a:solidFill>
-                <a:srgbClr val="000000"/>
-              </a:solidFill>
-              <a:round/>
-              <a:headEnd/>
-              <a:tailEnd/>
-            </a:ln>
-            <a:extLst>
-              <a:ext uri="{909E8E84-426E-40DD-AFC4-6F175D3DCCD1}">
-                <a14:hiddenFill xmlns:a14="http://schemas.microsoft.com/office/drawing/2010/main">
-                  <a:noFill/>
-                </a14:hiddenFill>
-              </a:ext>
-            </a:extLst>
-          </p:spPr>
-        </p:cxnSp>
-        <p:cxnSp>
-          <p:nvCxnSpPr>
-            <p:cNvPr id="48" name="AutoShape 38"/>
-            <p:cNvCxnSpPr>
-              <a:cxnSpLocks noChangeShapeType="1"/>
-            </p:cNvCxnSpPr>
-            <p:nvPr/>
-          </p:nvCxnSpPr>
-          <p:spPr bwMode="auto">
-            <a:xfrm>
-              <a:off x="9784769" y="4339977"/>
-              <a:ext cx="1371600" cy="381000"/>
-            </a:xfrm>
-            <a:prstGeom prst="straightConnector1">
-              <a:avLst/>
-            </a:prstGeom>
-            <a:noFill/>
-            <a:ln w="9525">
-              <a:solidFill>
-                <a:srgbClr val="000000"/>
-              </a:solidFill>
-              <a:round/>
-              <a:headEnd/>
-              <a:tailEnd/>
-            </a:ln>
-            <a:extLst>
-              <a:ext uri="{909E8E84-426E-40DD-AFC4-6F175D3DCCD1}">
-                <a14:hiddenFill xmlns:a14="http://schemas.microsoft.com/office/drawing/2010/main">
-                  <a:noFill/>
-                </a14:hiddenFill>
-              </a:ext>
-            </a:extLst>
-          </p:spPr>
-        </p:cxnSp>
-        <p:cxnSp>
-          <p:nvCxnSpPr>
-            <p:cNvPr id="49" name="AutoShape 39"/>
-            <p:cNvCxnSpPr>
-              <a:cxnSpLocks noChangeShapeType="1"/>
-            </p:cNvCxnSpPr>
-            <p:nvPr/>
-          </p:nvCxnSpPr>
-          <p:spPr bwMode="auto">
-            <a:xfrm flipH="1">
-              <a:off x="8413169" y="4339977"/>
-              <a:ext cx="1371600" cy="381000"/>
-            </a:xfrm>
-            <a:prstGeom prst="straightConnector1">
-              <a:avLst/>
-            </a:prstGeom>
-            <a:noFill/>
-            <a:ln w="9525">
-              <a:solidFill>
-                <a:srgbClr val="000000"/>
-              </a:solidFill>
-              <a:round/>
-              <a:headEnd/>
-              <a:tailEnd/>
-            </a:ln>
-            <a:extLst>
-              <a:ext uri="{909E8E84-426E-40DD-AFC4-6F175D3DCCD1}">
-                <a14:hiddenFill xmlns:a14="http://schemas.microsoft.com/office/drawing/2010/main">
-                  <a:noFill/>
-                </a14:hiddenFill>
-              </a:ext>
-            </a:extLst>
-          </p:spPr>
-        </p:cxnSp>
-        <p:cxnSp>
-          <p:nvCxnSpPr>
-            <p:cNvPr id="50" name="AutoShape 40"/>
-            <p:cNvCxnSpPr>
-              <a:cxnSpLocks noChangeShapeType="1"/>
-            </p:cNvCxnSpPr>
-            <p:nvPr/>
-          </p:nvCxnSpPr>
-          <p:spPr bwMode="auto">
-            <a:xfrm flipH="1">
-              <a:off x="9556169" y="4339977"/>
-              <a:ext cx="228600" cy="381000"/>
-            </a:xfrm>
-            <a:prstGeom prst="straightConnector1">
-              <a:avLst/>
-            </a:prstGeom>
-            <a:noFill/>
-            <a:ln w="9525">
-              <a:solidFill>
-                <a:srgbClr val="000000"/>
-              </a:solidFill>
-              <a:round/>
-              <a:headEnd/>
-              <a:tailEnd/>
-            </a:ln>
-            <a:extLst>
-              <a:ext uri="{909E8E84-426E-40DD-AFC4-6F175D3DCCD1}">
-                <a14:hiddenFill xmlns:a14="http://schemas.microsoft.com/office/drawing/2010/main">
-                  <a:noFill/>
-                </a14:hiddenFill>
-              </a:ext>
-            </a:extLst>
-          </p:spPr>
-        </p:cxnSp>
-      </p:grpSp>
-      <p:sp>
-        <p:nvSpPr>
-          <p:cNvPr id="72" name="TextBox 71"/>
-          <p:cNvSpPr txBox="1"/>
-          <p:nvPr/>
-        </p:nvSpPr>
-        <p:spPr>
-          <a:xfrm>
-            <a:off x="7828637" y="664241"/>
-            <a:ext cx="3889668" cy="1292662"/>
-          </a:xfrm>
-          <a:prstGeom prst="rect">
-            <a:avLst/>
-          </a:prstGeom>
-          <a:noFill/>
-        </p:spPr>
-        <p:txBody>
-          <a:bodyPr wrap="square" rtlCol="0">
-            <a:spAutoFit/>
-          </a:bodyPr>
-          <a:lstStyle/>
-          <a:p>
-            <a:pPr algn="ctr"/>
-            <a:r>
-              <a:rPr lang="en-US" sz="2600" dirty="0">
-                <a:latin typeface="Helvetica" charset="0"/>
-                <a:ea typeface="Helvetica" charset="0"/>
-                <a:cs typeface="Helvetica" charset="0"/>
-              </a:rPr>
-              <a:t>Protocols “stacked” in endpoint and router software/hardware</a:t>
-            </a:r>
-          </a:p>
-        </p:txBody>
-      </p:sp>
-      <p:cxnSp>
-        <p:nvCxnSpPr>
-          <p:cNvPr id="74" name="Straight Arrow Connector 73"/>
-          <p:cNvCxnSpPr/>
-          <p:nvPr/>
-        </p:nvCxnSpPr>
-        <p:spPr>
-          <a:xfrm flipH="1">
-            <a:off x="6802583" y="1274618"/>
-            <a:ext cx="1343886" cy="374073"/>
-          </a:xfrm>
-          <a:prstGeom prst="straightConnector1">
-            <a:avLst/>
-          </a:prstGeom>
-          <a:ln w="63500">
-            <a:solidFill>
-              <a:schemeClr val="tx1"/>
-            </a:solidFill>
-            <a:tailEnd type="triangle"/>
-          </a:ln>
-        </p:spPr>
-        <p:style>
-          <a:lnRef idx="1">
-            <a:schemeClr val="accent1"/>
-          </a:lnRef>
-          <a:fillRef idx="0">
-            <a:schemeClr val="accent1"/>
-          </a:fillRef>
-          <a:effectRef idx="0">
-            <a:schemeClr val="accent1"/>
-          </a:effectRef>
-          <a:fontRef idx="minor">
-            <a:schemeClr val="tx1"/>
-          </a:fontRef>
-        </p:style>
-      </p:cxnSp>
-      <p:sp>
-        <p:nvSpPr>
-          <p:cNvPr id="76" name="TextBox 75"/>
-          <p:cNvSpPr txBox="1"/>
-          <p:nvPr/>
-        </p:nvSpPr>
-        <p:spPr>
-          <a:xfrm>
-            <a:off x="7794004" y="5137691"/>
-            <a:ext cx="3935595" cy="1692771"/>
-          </a:xfrm>
-          <a:prstGeom prst="rect">
-            <a:avLst/>
-          </a:prstGeom>
-          <a:noFill/>
-        </p:spPr>
-        <p:txBody>
-          <a:bodyPr wrap="square" rtlCol="0">
-            <a:spAutoFit/>
-          </a:bodyPr>
-          <a:lstStyle/>
-          <a:p>
-            <a:pPr algn="ctr"/>
-            <a:r>
-              <a:rPr lang="en-US" sz="2600" dirty="0">
-                <a:latin typeface="Helvetica" charset="0"/>
-                <a:ea typeface="Helvetica" charset="0"/>
-                <a:cs typeface="Helvetica" charset="0"/>
-              </a:rPr>
-              <a:t>IP is the “thin waist” of the Internet, enabling</a:t>
-            </a:r>
-          </a:p>
-          <a:p>
-            <a:pPr algn="ctr"/>
-            <a:r>
-              <a:rPr lang="en-US" sz="2600" dirty="0">
-                <a:latin typeface="Helvetica" charset="0"/>
-                <a:ea typeface="Helvetica" charset="0"/>
-                <a:cs typeface="Helvetica" charset="0"/>
-              </a:rPr>
-              <a:t>interoperability across apps &amp; network media</a:t>
-            </a:r>
-          </a:p>
-        </p:txBody>
-      </p:sp>
-    </p:spTree>
-    <p:extLst>
-      <p:ext uri="{BB962C8B-B14F-4D97-AF65-F5344CB8AC3E}">
-        <p14:creationId xmlns:p14="http://schemas.microsoft.com/office/powerpoint/2010/main" val="4091681052"/>
-      </p:ext>
-    </p:extLst>
-  </p:cSld>
-  <p:clrMapOvr>
-    <a:masterClrMapping/>
-  </p:clrMapOvr>
-  <p:timing>
-    <p:tnLst>
-      <p:par>
-        <p:cTn id="1" dur="indefinite" restart="never" nodeType="tmRoot">
-          <p:childTnLst>
-            <p:seq concurrent="1" nextAc="seek">
-              <p:cTn id="2" dur="indefinite" nodeType="mainSeq">
-                <p:childTnLst>
-                  <p:par>
-                    <p:cTn id="3" fill="hold">
-                      <p:stCondLst>
-                        <p:cond delay="indefinite"/>
-                      </p:stCondLst>
-                      <p:childTnLst>
-                        <p:par>
-                          <p:cTn id="4" fill="hold">
-                            <p:stCondLst>
-                              <p:cond delay="0"/>
-                            </p:stCondLst>
-                            <p:childTnLst>
-                              <p:par>
-                                <p:cTn id="5" presetID="1" presetClass="entr" presetSubtype="0" fill="hold" nodeType="clickEffect">
-                                  <p:stCondLst>
-                                    <p:cond delay="0"/>
-                                  </p:stCondLst>
-                                  <p:childTnLst>
-                                    <p:set>
-                                      <p:cBhvr>
-                                        <p:cTn id="6" dur="1" fill="hold">
-                                          <p:stCondLst>
-                                            <p:cond delay="0"/>
-                                          </p:stCondLst>
-                                        </p:cTn>
-                                        <p:tgtEl>
-                                          <p:spTgt spid="74"/>
-                                        </p:tgtEl>
-                                        <p:attrNameLst>
-                                          <p:attrName>style.visibility</p:attrName>
-                                        </p:attrNameLst>
-                                      </p:cBhvr>
-                                      <p:to>
-                                        <p:strVal val="visible"/>
-                                      </p:to>
-                                    </p:set>
-                                  </p:childTnLst>
-                                </p:cTn>
-                              </p:par>
-                              <p:par>
-                                <p:cTn id="7" presetID="1" presetClass="entr" presetSubtype="0" fill="hold" grpId="0" nodeType="withEffect">
-                                  <p:stCondLst>
-                                    <p:cond delay="0"/>
-                                  </p:stCondLst>
-                                  <p:childTnLst>
-                                    <p:set>
-                                      <p:cBhvr>
-                                        <p:cTn id="8" dur="1" fill="hold">
-                                          <p:stCondLst>
-                                            <p:cond delay="0"/>
-                                          </p:stCondLst>
-                                        </p:cTn>
-                                        <p:tgtEl>
-                                          <p:spTgt spid="72"/>
-                                        </p:tgtEl>
-                                        <p:attrNameLst>
-                                          <p:attrName>style.visibility</p:attrName>
-                                        </p:attrNameLst>
-                                      </p:cBhvr>
-                                      <p:to>
-                                        <p:strVal val="visible"/>
-                                      </p:to>
-                                    </p:set>
-                                  </p:childTnLst>
-                                </p:cTn>
-                              </p:par>
-                            </p:childTnLst>
-                          </p:cTn>
-                        </p:par>
-                      </p:childTnLst>
-                    </p:cTn>
-                  </p:par>
-                  <p:par>
-                    <p:cTn id="9" fill="hold">
-                      <p:stCondLst>
-                        <p:cond delay="indefinite"/>
-                      </p:stCondLst>
-                      <p:childTnLst>
-                        <p:par>
-                          <p:cTn id="10" fill="hold">
-                            <p:stCondLst>
-                              <p:cond delay="0"/>
-                            </p:stCondLst>
-                            <p:childTnLst>
-                              <p:par>
-                                <p:cTn id="11" presetID="1" presetClass="entr" presetSubtype="0" fill="hold" nodeType="clickEffect">
-                                  <p:stCondLst>
-                                    <p:cond delay="0"/>
-                                  </p:stCondLst>
-                                  <p:childTnLst>
-                                    <p:set>
-                                      <p:cBhvr>
-                                        <p:cTn id="12" dur="1" fill="hold">
-                                          <p:stCondLst>
-                                            <p:cond delay="0"/>
-                                          </p:stCondLst>
-                                        </p:cTn>
-                                        <p:tgtEl>
-                                          <p:spTgt spid="70"/>
-                                        </p:tgtEl>
-                                        <p:attrNameLst>
-                                          <p:attrName>style.visibility</p:attrName>
-                                        </p:attrNameLst>
-                                      </p:cBhvr>
-                                      <p:to>
-                                        <p:strVal val="visible"/>
-                                      </p:to>
-                                    </p:set>
-                                  </p:childTnLst>
-                                </p:cTn>
-                              </p:par>
-                            </p:childTnLst>
-                          </p:cTn>
-                        </p:par>
-                      </p:childTnLst>
-                    </p:cTn>
-                  </p:par>
-                  <p:par>
-                    <p:cTn id="13" fill="hold">
-                      <p:stCondLst>
-                        <p:cond delay="indefinite"/>
-                      </p:stCondLst>
-                      <p:childTnLst>
-                        <p:par>
-                          <p:cTn id="14" fill="hold">
-                            <p:stCondLst>
-                              <p:cond delay="0"/>
-                            </p:stCondLst>
-                            <p:childTnLst>
-                              <p:par>
-                                <p:cTn id="15" presetID="1" presetClass="entr" presetSubtype="0" fill="hold" grpId="0" nodeType="clickEffect">
-                                  <p:stCondLst>
-                                    <p:cond delay="0"/>
-                                  </p:stCondLst>
-                                  <p:childTnLst>
-                                    <p:set>
-                                      <p:cBhvr>
-                                        <p:cTn id="16" dur="1" fill="hold">
-                                          <p:stCondLst>
-                                            <p:cond delay="0"/>
-                                          </p:stCondLst>
-                                        </p:cTn>
-                                        <p:tgtEl>
-                                          <p:spTgt spid="76"/>
-                                        </p:tgtEl>
-                                        <p:attrNameLst>
-                                          <p:attrName>style.visibility</p:attrName>
-                                        </p:attrNameLst>
-                                      </p:cBhvr>
-                                      <p:to>
-                                        <p:strVal val="visible"/>
-                                      </p:to>
-                                    </p:set>
-                                  </p:childTnLst>
-                                </p:cTn>
-                              </p:par>
-                            </p:childTnLst>
-                          </p:cTn>
-                        </p:par>
-                      </p:childTnLst>
-                    </p:cTn>
-                  </p:par>
-                </p:childTnLst>
-              </p:cTn>
-              <p:prevCondLst>
-                <p:cond evt="onPrev" delay="0">
-                  <p:tgtEl>
-                    <p:sldTgt/>
-                  </p:tgtEl>
-                </p:cond>
-              </p:prevCondLst>
-              <p:nextCondLst>
-                <p:cond evt="onNext" delay="0">
-                  <p:tgtEl>
-                    <p:sldTgt/>
-                  </p:tgtEl>
-                </p:cond>
-              </p:nextCondLst>
-            </p:seq>
-          </p:childTnLst>
-        </p:cTn>
-      </p:par>
-    </p:tnLst>
-    <p:bldLst>
-      <p:bldP spid="72" grpId="0"/>
-      <p:bldP spid="76" grpId="0"/>
-    </p:bldLst>
   </p:timing>
 </p:sld>
 </file>
